--- a/notes/csc493-ln006.pptx
+++ b/notes/csc493-ln006.pptx
@@ -5,17 +5,17 @@
     <p:sldMasterId id="2147483651" r:id="rId1"/>
   </p:sldMasterIdLst>
   <p:notesMasterIdLst>
-    <p:notesMasterId r:id="rId17"/>
+    <p:notesMasterId r:id="rId19"/>
   </p:notesMasterIdLst>
   <p:handoutMasterIdLst>
-    <p:handoutMasterId r:id="rId18"/>
+    <p:handoutMasterId r:id="rId20"/>
   </p:handoutMasterIdLst>
   <p:sldIdLst>
-    <p:sldId id="277" r:id="rId2"/>
-    <p:sldId id="261" r:id="rId3"/>
-    <p:sldId id="279" r:id="rId4"/>
-    <p:sldId id="280" r:id="rId5"/>
-    <p:sldId id="281" r:id="rId6"/>
+    <p:sldId id="281" r:id="rId2"/>
+    <p:sldId id="277" r:id="rId3"/>
+    <p:sldId id="261" r:id="rId4"/>
+    <p:sldId id="279" r:id="rId5"/>
+    <p:sldId id="280" r:id="rId6"/>
     <p:sldId id="282" r:id="rId7"/>
     <p:sldId id="283" r:id="rId8"/>
     <p:sldId id="278" r:id="rId9"/>
@@ -25,7 +25,9 @@
     <p:sldId id="287" r:id="rId13"/>
     <p:sldId id="288" r:id="rId14"/>
     <p:sldId id="289" r:id="rId15"/>
-    <p:sldId id="290" r:id="rId16"/>
+    <p:sldId id="291" r:id="rId16"/>
+    <p:sldId id="292" r:id="rId17"/>
+    <p:sldId id="290" r:id="rId18"/>
   </p:sldIdLst>
   <p:sldSz cx="9144000" cy="6858000" type="screen4x3"/>
   <p:notesSz cx="6856413" cy="9083675"/>
@@ -5163,7 +5165,7 @@
           <p:cNvPr id="2" name="Title 1">
             <a:extLst>
               <a:ext uri="{FF2B5EF4-FFF2-40B4-BE49-F238E27FC236}">
-                <a16:creationId xmlns:a16="http://schemas.microsoft.com/office/drawing/2014/main" id="{DB741125-692B-7744-B388-3A0EFB12F452}"/>
+                <a16:creationId xmlns:a16="http://schemas.microsoft.com/office/drawing/2014/main" id="{A01C81C0-44AC-6241-BAC1-947DAD0329FE}"/>
               </a:ext>
             </a:extLst>
           </p:cNvPr>
@@ -5186,110 +5188,155 @@
           </a:p>
         </p:txBody>
       </p:sp>
-      <p:sp>
-        <p:nvSpPr>
-          <p:cNvPr id="3" name="Content Placeholder 2">
-            <a:extLst>
-              <a:ext uri="{FF2B5EF4-FFF2-40B4-BE49-F238E27FC236}">
-                <a16:creationId xmlns:a16="http://schemas.microsoft.com/office/drawing/2014/main" id="{7D37E68D-B4DD-134F-AB71-90BE9B8782E7}"/>
-              </a:ext>
-            </a:extLst>
-          </p:cNvPr>
-          <p:cNvSpPr>
-            <a:spLocks noGrp="1"/>
-          </p:cNvSpPr>
-          <p:nvPr>
-            <p:ph idx="1"/>
-          </p:nvPr>
-        </p:nvSpPr>
-        <p:spPr/>
-        <p:txBody>
-          <a:bodyPr>
-            <a:normAutofit fontScale="55000" lnSpcReduction="20000"/>
+      <p:pic>
+        <p:nvPicPr>
+          <p:cNvPr id="4" name="Picture 3">
+            <a:extLst>
+              <a:ext uri="{FF2B5EF4-FFF2-40B4-BE49-F238E27FC236}">
+                <a16:creationId xmlns:a16="http://schemas.microsoft.com/office/drawing/2014/main" id="{FDA63802-2D1E-0A46-BD7B-B7A83881E3E2}"/>
+              </a:ext>
+            </a:extLst>
+          </p:cNvPr>
+          <p:cNvPicPr>
+            <a:picLocks noChangeAspect="1"/>
+          </p:cNvPicPr>
+          <p:nvPr/>
+        </p:nvPicPr>
+        <p:blipFill>
+          <a:blip r:embed="rId2"/>
+          <a:stretch>
+            <a:fillRect/>
+          </a:stretch>
+        </p:blipFill>
+        <p:spPr>
+          <a:xfrm>
+            <a:off x="2514600" y="2286000"/>
+            <a:ext cx="3398520" cy="1752600"/>
+          </a:xfrm>
+          <a:prstGeom prst="rect">
+            <a:avLst/>
+          </a:prstGeom>
+          <a:ln>
+            <a:solidFill>
+              <a:schemeClr val="tx1"/>
+            </a:solidFill>
+          </a:ln>
+        </p:spPr>
+      </p:pic>
+      <p:cxnSp>
+        <p:nvCxnSpPr>
+          <p:cNvPr id="6" name="Straight Arrow Connector 5">
+            <a:extLst>
+              <a:ext uri="{FF2B5EF4-FFF2-40B4-BE49-F238E27FC236}">
+                <a16:creationId xmlns:a16="http://schemas.microsoft.com/office/drawing/2014/main" id="{A9318E56-5042-F74E-9AF1-3EC388FF698A}"/>
+              </a:ext>
+            </a:extLst>
+          </p:cNvPr>
+          <p:cNvCxnSpPr/>
+          <p:nvPr/>
+        </p:nvCxnSpPr>
+        <p:spPr bwMode="auto">
+          <a:xfrm flipV="1">
+            <a:off x="3581400" y="3962400"/>
+            <a:ext cx="457200" cy="685800"/>
+          </a:xfrm>
+          <a:prstGeom prst="straightConnector1">
+            <a:avLst/>
+          </a:prstGeom>
+          <a:solidFill>
+            <a:schemeClr val="accent1"/>
+          </a:solidFill>
+          <a:ln w="9525" cap="flat" cmpd="sng" algn="ctr">
+            <a:solidFill>
+              <a:schemeClr val="tx1"/>
+            </a:solidFill>
+            <a:prstDash val="solid"/>
+            <a:round/>
+            <a:headEnd type="none" w="med" len="med"/>
+            <a:tailEnd type="triangle"/>
+          </a:ln>
+          <a:effectLst/>
+          <a:extLst>
+            <a:ext uri="{AF507438-7753-43e0-B8FC-AC1667EBCBE1}">
+              <a14:hiddenEffects xmlns:a14="http://schemas.microsoft.com/office/drawing/2010/main" xmlns="">
+                <a:effectLst>
+                  <a:outerShdw blurRad="63500" dist="38099" dir="2700000" algn="ctr" rotWithShape="0">
+                    <a:schemeClr val="bg2">
+                      <a:alpha val="74998"/>
+                    </a:schemeClr>
+                  </a:outerShdw>
+                </a:effectLst>
+              </a14:hiddenEffects>
+            </a:ext>
+          </a:extLst>
+        </p:spPr>
+      </p:cxnSp>
+      <p:sp>
+        <p:nvSpPr>
+          <p:cNvPr id="7" name="TextBox 6">
+            <a:extLst>
+              <a:ext uri="{FF2B5EF4-FFF2-40B4-BE49-F238E27FC236}">
+                <a16:creationId xmlns:a16="http://schemas.microsoft.com/office/drawing/2014/main" id="{0D4D7879-720A-A544-8E02-575E598A5DBA}"/>
+              </a:ext>
+            </a:extLst>
+          </p:cNvPr>
+          <p:cNvSpPr txBox="1"/>
+          <p:nvPr/>
+        </p:nvSpPr>
+        <p:spPr>
+          <a:xfrm>
+            <a:off x="2438400" y="4724400"/>
+            <a:ext cx="3185487" cy="369332"/>
+          </a:xfrm>
+          <a:prstGeom prst="rect">
+            <a:avLst/>
+          </a:prstGeom>
+          <a:noFill/>
+        </p:spPr>
+        <p:txBody>
+          <a:bodyPr wrap="none" rtlCol="0">
+            <a:spAutoFit/>
           </a:bodyPr>
           <a:lstStyle/>
           <a:p>
             <a:r>
-              <a:rPr lang="en-US" dirty="0"/>
-              <a:t>In the functional programming tradition, Asteroid’s function calls are constructed by juxtaposing a function with a value, e.g.</a:t>
-            </a:r>
-            <a:br>
-              <a:rPr lang="en-US" dirty="0"/>
-            </a:br>
-            <a:br>
-              <a:rPr lang="en-US" dirty="0"/>
-            </a:br>
-            <a:r>
-              <a:rPr lang="en-US" dirty="0"/>
-              <a:t>    fact 3.</a:t>
-            </a:r>
-            <a:br>
-              <a:rPr lang="en-US" dirty="0"/>
-            </a:br>
-            <a:endParaRPr lang="en-US" dirty="0"/>
-          </a:p>
-          <a:p>
-            <a:r>
-              <a:rPr lang="en-US" dirty="0"/>
-              <a:t>The implication is that all </a:t>
-            </a:r>
-            <a:r>
-              <a:rPr lang="en-US" b="1" dirty="0"/>
-              <a:t>functions have only a single argument</a:t>
-            </a:r>
-            <a:r>
-              <a:rPr lang="en-US" dirty="0"/>
-              <a:t>.  If you want to pass more than one value to a function you have to construct a </a:t>
-            </a:r>
-            <a:r>
-              <a:rPr lang="en-US" b="1" dirty="0"/>
-              <a:t>tuple of values</a:t>
-            </a:r>
-            <a:r>
-              <a:rPr lang="en-US" dirty="0"/>
-              <a:t>, e.g.</a:t>
-            </a:r>
-            <a:br>
-              <a:rPr lang="en-US" dirty="0"/>
-            </a:br>
-            <a:br>
-              <a:rPr lang="en-US" dirty="0"/>
-            </a:br>
-            <a:r>
-              <a:rPr lang="en-US" dirty="0"/>
-              <a:t>   foo (1,2).</a:t>
-            </a:r>
-            <a:br>
-              <a:rPr lang="en-US" dirty="0"/>
-            </a:br>
-            <a:endParaRPr lang="en-US" dirty="0"/>
-          </a:p>
-          <a:p>
-            <a:r>
-              <a:rPr lang="en-US" dirty="0"/>
-              <a:t>Syntactically this looks the same as a function call to foo in Python but semantically it is very different – call foo with the </a:t>
-            </a:r>
-            <a:r>
-              <a:rPr lang="en-US" b="1" dirty="0"/>
-              <a:t>value</a:t>
-            </a:r>
-            <a:r>
-              <a:rPr lang="en-US" dirty="0"/>
-              <a:t> (1,2) in Asteroid as apposed to call foo with the </a:t>
-            </a:r>
-            <a:r>
-              <a:rPr lang="en-US" b="1" dirty="0"/>
-              <a:t>list of values </a:t>
-            </a:r>
-            <a:r>
-              <a:rPr lang="en-US" dirty="0"/>
-              <a:t>(1,2) in Python.</a:t>
-            </a:r>
-          </a:p>
-          <a:p>
-            <a:r>
-              <a:rPr lang="en-US" dirty="0"/>
-              <a:t>As we will see, this slight change of perspective enables effective pattern matching within function definitions in Asteroid.</a:t>
+              <a:rPr lang="en-US" sz="1800" dirty="0"/>
+              <a:t>Function call via juxtaposition</a:t>
+            </a:r>
+          </a:p>
+        </p:txBody>
+      </p:sp>
+      <p:sp>
+        <p:nvSpPr>
+          <p:cNvPr id="8" name="TextBox 7">
+            <a:extLst>
+              <a:ext uri="{FF2B5EF4-FFF2-40B4-BE49-F238E27FC236}">
+                <a16:creationId xmlns:a16="http://schemas.microsoft.com/office/drawing/2014/main" id="{38A01F00-03FE-CA40-B184-7BA2BE248CED}"/>
+              </a:ext>
+            </a:extLst>
+          </p:cNvPr>
+          <p:cNvSpPr txBox="1"/>
+          <p:nvPr/>
+        </p:nvSpPr>
+        <p:spPr>
+          <a:xfrm>
+            <a:off x="6224954" y="3575538"/>
+            <a:ext cx="1289135" cy="307777"/>
+          </a:xfrm>
+          <a:prstGeom prst="rect">
+            <a:avLst/>
+          </a:prstGeom>
+          <a:noFill/>
+        </p:spPr>
+        <p:txBody>
+          <a:bodyPr wrap="none" rtlCol="0">
+            <a:spAutoFit/>
+          </a:bodyPr>
+          <a:lstStyle/>
+          <a:p>
+            <a:r>
+              <a:rPr lang="en-US" sz="1400" dirty="0"/>
+              <a:t>ln006/inc1.ast</a:t>
             </a:r>
           </a:p>
         </p:txBody>
@@ -5297,7 +5344,7 @@
     </p:spTree>
     <p:extLst>
       <p:ext uri="{BB962C8B-B14F-4D97-AF65-F5344CB8AC3E}">
-        <p14:creationId xmlns:p14="http://schemas.microsoft.com/office/powerpoint/2010/main" val="3525108704"/>
+        <p14:creationId xmlns:p14="http://schemas.microsoft.com/office/powerpoint/2010/main" val="2916206697"/>
       </p:ext>
     </p:extLst>
   </p:cSld>
@@ -6365,9 +6412,16 @@
             <p:ph idx="1"/>
           </p:nvPr>
         </p:nvSpPr>
-        <p:spPr/>
-        <p:txBody>
-          <a:bodyPr/>
+        <p:spPr>
+          <a:xfrm>
+            <a:off x="1524000" y="1905000"/>
+            <a:ext cx="7010400" cy="1447800"/>
+          </a:xfrm>
+        </p:spPr>
+        <p:txBody>
+          <a:bodyPr>
+            <a:normAutofit fontScale="85000" lnSpcReduction="20000"/>
+          </a:bodyPr>
           <a:lstStyle/>
           <a:p>
             <a:r>
@@ -6381,6 +6435,53 @@
               <a:rPr lang="en-US" dirty="0"/>
               <a:t>Separate ‘with’ clauses for base- and recursive cases</a:t>
             </a:r>
+          </a:p>
+        </p:txBody>
+      </p:sp>
+      <p:sp>
+        <p:nvSpPr>
+          <p:cNvPr id="5" name="TextBox 4">
+            <a:extLst>
+              <a:ext uri="{FF2B5EF4-FFF2-40B4-BE49-F238E27FC236}">
+                <a16:creationId xmlns:a16="http://schemas.microsoft.com/office/drawing/2014/main" id="{238D89D2-0C2A-F14D-8F1E-5403C301ABE7}"/>
+              </a:ext>
+            </a:extLst>
+          </p:cNvPr>
+          <p:cNvSpPr txBox="1"/>
+          <p:nvPr/>
+        </p:nvSpPr>
+        <p:spPr>
+          <a:xfrm>
+            <a:off x="2203938" y="3429000"/>
+            <a:ext cx="4882662" cy="3139321"/>
+          </a:xfrm>
+          <a:prstGeom prst="rect">
+            <a:avLst/>
+          </a:prstGeom>
+          <a:noFill/>
+          <a:ln>
+            <a:solidFill>
+              <a:schemeClr val="tx1"/>
+            </a:solidFill>
+          </a:ln>
+        </p:spPr>
+        <p:txBody>
+          <a:bodyPr wrap="square" rtlCol="0">
+            <a:spAutoFit/>
+          </a:bodyPr>
+          <a:lstStyle/>
+          <a:p>
+            <a:r>
+              <a:rPr lang="en-US" sz="1800" b="0" i="0" dirty="0">
+                <a:solidFill>
+                  <a:srgbClr val="374151"/>
+                </a:solidFill>
+                <a:effectLst/>
+                <a:latin typeface="Söhne"/>
+              </a:rPr>
+              <a:t>Recursion is a technique in programming where a function calls itself in order to solve a problem. The function defines a base case, which is the point at which the recursion stops, and a set of rules for reducing the problem to a simpler version of itself. Each time the function calls itself, it applies these rules to the problem in order to make progress towards the base case. Eventually, the problem is simplified enough that the base case is reached and the function stops calling itself, returning a final result.</a:t>
+            </a:r>
+            <a:endParaRPr lang="en-US" sz="1800" dirty="0"/>
           </a:p>
         </p:txBody>
       </p:sp>
@@ -6461,12 +6562,12 @@
         <p:spPr>
           <a:xfrm>
             <a:off x="1524000" y="1905000"/>
-            <a:ext cx="7010400" cy="2009210"/>
+            <a:ext cx="7010400" cy="1524000"/>
           </a:xfrm>
         </p:spPr>
         <p:txBody>
           <a:bodyPr>
-            <a:normAutofit fontScale="92500" lnSpcReduction="10000"/>
+            <a:normAutofit fontScale="85000" lnSpcReduction="20000"/>
           </a:bodyPr>
           <a:lstStyle/>
           <a:p>
@@ -6739,6 +6840,554 @@
       </p:grpSpPr>
       <p:sp>
         <p:nvSpPr>
+          <p:cNvPr id="3" name="Title 2">
+            <a:extLst>
+              <a:ext uri="{FF2B5EF4-FFF2-40B4-BE49-F238E27FC236}">
+                <a16:creationId xmlns:a16="http://schemas.microsoft.com/office/drawing/2014/main" id="{574A6C05-87B3-C24F-98EE-CFE7FAFDD5C5}"/>
+              </a:ext>
+            </a:extLst>
+          </p:cNvPr>
+          <p:cNvSpPr>
+            <a:spLocks noGrp="1"/>
+          </p:cNvSpPr>
+          <p:nvPr>
+            <p:ph type="title"/>
+          </p:nvPr>
+        </p:nvSpPr>
+        <p:spPr/>
+        <p:txBody>
+          <a:bodyPr/>
+          <a:lstStyle/>
+          <a:p>
+            <a:r>
+              <a:rPr lang="en-US" dirty="0"/>
+              <a:t>Multi-Dispatch and Recursion</a:t>
+            </a:r>
+          </a:p>
+        </p:txBody>
+      </p:sp>
+      <p:sp>
+        <p:nvSpPr>
+          <p:cNvPr id="7" name="TextBox 6">
+            <a:extLst>
+              <a:ext uri="{FF2B5EF4-FFF2-40B4-BE49-F238E27FC236}">
+                <a16:creationId xmlns:a16="http://schemas.microsoft.com/office/drawing/2014/main" id="{DBC90BBC-7DBA-E941-9104-6E9EA7B62D1A}"/>
+              </a:ext>
+            </a:extLst>
+          </p:cNvPr>
+          <p:cNvSpPr txBox="1"/>
+          <p:nvPr/>
+        </p:nvSpPr>
+        <p:spPr>
+          <a:xfrm>
+            <a:off x="5638800" y="6202904"/>
+            <a:ext cx="1348446" cy="307777"/>
+          </a:xfrm>
+          <a:prstGeom prst="rect">
+            <a:avLst/>
+          </a:prstGeom>
+          <a:noFill/>
+        </p:spPr>
+        <p:txBody>
+          <a:bodyPr wrap="none" rtlCol="0">
+            <a:spAutoFit/>
+          </a:bodyPr>
+          <a:lstStyle/>
+          <a:p>
+            <a:r>
+              <a:rPr lang="en-US" sz="1400" dirty="0"/>
+              <a:t>ln006/fact1.ast</a:t>
+            </a:r>
+          </a:p>
+        </p:txBody>
+      </p:sp>
+      <mc:AlternateContent xmlns:mc="http://schemas.openxmlformats.org/markup-compatibility/2006">
+        <mc:Choice xmlns:a14="http://schemas.microsoft.com/office/drawing/2010/main" Requires="a14">
+          <p:sp>
+            <p:nvSpPr>
+              <p:cNvPr id="12" name="TextBox 11">
+                <a:extLst>
+                  <a:ext uri="{FF2B5EF4-FFF2-40B4-BE49-F238E27FC236}">
+                    <a16:creationId xmlns:a16="http://schemas.microsoft.com/office/drawing/2014/main" id="{089CD02F-A560-7142-B580-216138A35648}"/>
+                  </a:ext>
+                </a:extLst>
+              </p:cNvPr>
+              <p:cNvSpPr txBox="1"/>
+              <p:nvPr/>
+            </p:nvSpPr>
+            <p:spPr>
+              <a:xfrm>
+                <a:off x="2743200" y="1717675"/>
+                <a:ext cx="3017173" cy="1208279"/>
+              </a:xfrm>
+              <a:prstGeom prst="rect">
+                <a:avLst/>
+              </a:prstGeom>
+              <a:noFill/>
+            </p:spPr>
+            <p:txBody>
+              <a:bodyPr wrap="none" lIns="0" tIns="0" rIns="0" bIns="0" rtlCol="0">
+                <a:spAutoFit/>
+              </a:bodyPr>
+              <a:lstStyle/>
+              <a:p>
+                <a:r>
+                  <a:rPr lang="en-US" b="0" dirty="0"/>
+                  <a:t>x! </a:t>
+                </a:r>
+                <a14:m>
+                  <m:oMath xmlns:m="http://schemas.openxmlformats.org/officeDocument/2006/math">
+                    <m:r>
+                      <a:rPr lang="en-US" b="0" i="1" smtClean="0">
+                        <a:latin typeface="Cambria Math" panose="02040503050406030204" pitchFamily="18" charset="0"/>
+                      </a:rPr>
+                      <m:t>= </m:t>
+                    </m:r>
+                    <m:d>
+                      <m:dPr>
+                        <m:begChr m:val="{"/>
+                        <m:endChr m:val=""/>
+                        <m:ctrlPr>
+                          <a:rPr lang="en-US" b="0" i="1" smtClean="0">
+                            <a:latin typeface="Cambria Math" panose="02040503050406030204" pitchFamily="18" charset="0"/>
+                          </a:rPr>
+                        </m:ctrlPr>
+                      </m:dPr>
+                      <m:e>
+                        <m:m>
+                          <m:mPr>
+                            <m:mcs>
+                              <m:mc>
+                                <m:mcPr>
+                                  <m:count m:val="1"/>
+                                  <m:mcJc m:val="center"/>
+                                </m:mcPr>
+                              </m:mc>
+                            </m:mcs>
+                            <m:ctrlPr>
+                              <a:rPr lang="en-US" b="0" i="1" smtClean="0">
+                                <a:latin typeface="Cambria Math" panose="02040503050406030204" pitchFamily="18" charset="0"/>
+                              </a:rPr>
+                            </m:ctrlPr>
+                          </m:mPr>
+                          <m:mr>
+                            <m:e>
+                              <m:r>
+                                <m:rPr>
+                                  <m:brk m:alnAt="7"/>
+                                </m:rPr>
+                                <a:rPr lang="en-US" b="0" i="1" smtClean="0">
+                                  <a:latin typeface="Cambria Math" panose="02040503050406030204" pitchFamily="18" charset="0"/>
+                                </a:rPr>
+                                <m:t>1 </m:t>
+                              </m:r>
+                              <m:r>
+                                <m:rPr>
+                                  <m:nor/>
+                                  <m:brk m:alnAt="7"/>
+                                </m:rPr>
+                                <a:rPr lang="en-US" b="0" i="0" smtClean="0">
+                                  <a:latin typeface="Cambria Math" panose="02040503050406030204" pitchFamily="18" charset="0"/>
+                                </a:rPr>
+                                <m:t>if</m:t>
+                              </m:r>
+                              <m:r>
+                                <m:rPr>
+                                  <m:brk m:alnAt="7"/>
+                                </m:rPr>
+                                <a:rPr lang="en-US" b="0" i="1" smtClean="0">
+                                  <a:latin typeface="Cambria Math" panose="02040503050406030204" pitchFamily="18" charset="0"/>
+                                </a:rPr>
+                                <m:t> </m:t>
+                              </m:r>
+                              <m:r>
+                                <a:rPr lang="en-US" b="0" i="1" smtClean="0">
+                                  <a:latin typeface="Cambria Math" panose="02040503050406030204" pitchFamily="18" charset="0"/>
+                                </a:rPr>
+                                <m:t>𝑥</m:t>
+                              </m:r>
+                              <m:r>
+                                <a:rPr lang="en-US" b="0" i="1" smtClean="0">
+                                  <a:latin typeface="Cambria Math" panose="02040503050406030204" pitchFamily="18" charset="0"/>
+                                </a:rPr>
+                                <m:t>=0                   </m:t>
+                              </m:r>
+                            </m:e>
+                          </m:mr>
+                          <m:mr>
+                            <m:e>
+                              <m:r>
+                                <a:rPr lang="en-US" b="0" i="1" smtClean="0">
+                                  <a:latin typeface="Cambria Math" panose="02040503050406030204" pitchFamily="18" charset="0"/>
+                                </a:rPr>
+                                <m:t> </m:t>
+                              </m:r>
+                              <m:r>
+                                <a:rPr lang="en-US" b="0" i="1" smtClean="0">
+                                  <a:latin typeface="Cambria Math" panose="02040503050406030204" pitchFamily="18" charset="0"/>
+                                </a:rPr>
+                                <m:t>𝑥</m:t>
+                              </m:r>
+                              <m:d>
+                                <m:dPr>
+                                  <m:ctrlPr>
+                                    <a:rPr lang="en-US" b="0" i="1" smtClean="0">
+                                      <a:latin typeface="Cambria Math" panose="02040503050406030204" pitchFamily="18" charset="0"/>
+                                    </a:rPr>
+                                  </m:ctrlPr>
+                                </m:dPr>
+                                <m:e>
+                                  <m:r>
+                                    <a:rPr lang="en-US" b="0" i="1" smtClean="0">
+                                      <a:latin typeface="Cambria Math" panose="02040503050406030204" pitchFamily="18" charset="0"/>
+                                    </a:rPr>
+                                    <m:t>𝑥</m:t>
+                                  </m:r>
+                                  <m:r>
+                                    <a:rPr lang="en-US" b="0" i="1" smtClean="0">
+                                      <a:latin typeface="Cambria Math" panose="02040503050406030204" pitchFamily="18" charset="0"/>
+                                    </a:rPr>
+                                    <m:t>−1</m:t>
+                                  </m:r>
+                                </m:e>
+                              </m:d>
+                              <m:r>
+                                <a:rPr lang="en-US" b="0" i="1" smtClean="0">
+                                  <a:latin typeface="Cambria Math" panose="02040503050406030204" pitchFamily="18" charset="0"/>
+                                </a:rPr>
+                                <m:t>!</m:t>
+                              </m:r>
+                              <m:r>
+                                <m:rPr>
+                                  <m:nor/>
+                                </m:rPr>
+                                <a:rPr lang="en-US" b="0" i="0" smtClean="0">
+                                  <a:latin typeface="Cambria Math" panose="02040503050406030204" pitchFamily="18" charset="0"/>
+                                </a:rPr>
+                                <m:t>otherwise</m:t>
+                              </m:r>
+                            </m:e>
+                          </m:mr>
+                        </m:m>
+                        <m:r>
+                          <a:rPr lang="en-US" b="0" i="1" smtClean="0">
+                            <a:latin typeface="Cambria Math" panose="02040503050406030204" pitchFamily="18" charset="0"/>
+                          </a:rPr>
+                          <m:t> </m:t>
+                        </m:r>
+                      </m:e>
+                    </m:d>
+                  </m:oMath>
+                </a14:m>
+                <a:endParaRPr lang="en-US" b="0" dirty="0"/>
+              </a:p>
+              <a:p>
+                <a:endParaRPr lang="en-US" dirty="0"/>
+              </a:p>
+              <a:p>
+                <a:r>
+                  <a:rPr lang="en-US" dirty="0"/>
+                  <a:t>for </a:t>
+                </a:r>
+                <a14:m>
+                  <m:oMath xmlns:m="http://schemas.openxmlformats.org/officeDocument/2006/math">
+                    <m:r>
+                      <a:rPr lang="en-US" b="0" i="1" smtClean="0">
+                        <a:latin typeface="Cambria Math" panose="02040503050406030204" pitchFamily="18" charset="0"/>
+                      </a:rPr>
+                      <m:t>𝑥</m:t>
+                    </m:r>
+                    <m:r>
+                      <a:rPr lang="en-US" b="0" i="1" smtClean="0">
+                        <a:latin typeface="Cambria Math" panose="02040503050406030204" pitchFamily="18" charset="0"/>
+                        <a:ea typeface="Cambria Math" panose="02040503050406030204" pitchFamily="18" charset="0"/>
+                      </a:rPr>
+                      <m:t>∈</m:t>
+                    </m:r>
+                    <m:r>
+                      <a:rPr lang="en-US" b="0" i="1" smtClean="0">
+                        <a:latin typeface="Cambria Math" panose="02040503050406030204" pitchFamily="18" charset="0"/>
+                        <a:ea typeface="Cambria Math" panose="02040503050406030204" pitchFamily="18" charset="0"/>
+                      </a:rPr>
+                      <m:t>𝐼𝑛𝑡</m:t>
+                    </m:r>
+                  </m:oMath>
+                </a14:m>
+                <a:r>
+                  <a:rPr lang="en-US" dirty="0"/>
+                  <a:t> and </a:t>
+                </a:r>
+                <a14:m>
+                  <m:oMath xmlns:m="http://schemas.openxmlformats.org/officeDocument/2006/math">
+                    <m:r>
+                      <a:rPr lang="en-US" b="0" i="1" smtClean="0">
+                        <a:latin typeface="Cambria Math" panose="02040503050406030204" pitchFamily="18" charset="0"/>
+                      </a:rPr>
+                      <m:t>𝑥</m:t>
+                    </m:r>
+                    <m:r>
+                      <a:rPr lang="en-US" b="0" i="1" smtClean="0">
+                        <a:latin typeface="Cambria Math" panose="02040503050406030204" pitchFamily="18" charset="0"/>
+                        <a:ea typeface="Cambria Math" panose="02040503050406030204" pitchFamily="18" charset="0"/>
+                      </a:rPr>
+                      <m:t>≥0</m:t>
+                    </m:r>
+                  </m:oMath>
+                </a14:m>
+                <a:endParaRPr lang="en-US" dirty="0"/>
+              </a:p>
+            </p:txBody>
+          </p:sp>
+        </mc:Choice>
+        <mc:Fallback>
+          <p:sp>
+            <p:nvSpPr>
+              <p:cNvPr id="12" name="TextBox 11">
+                <a:extLst>
+                  <a:ext uri="{FF2B5EF4-FFF2-40B4-BE49-F238E27FC236}">
+                    <a16:creationId xmlns:a16="http://schemas.microsoft.com/office/drawing/2014/main" id="{089CD02F-A560-7142-B580-216138A35648}"/>
+                  </a:ext>
+                </a:extLst>
+              </p:cNvPr>
+              <p:cNvSpPr txBox="1">
+                <a:spLocks noRot="1" noChangeAspect="1" noMove="1" noResize="1" noEditPoints="1" noAdjustHandles="1" noChangeArrowheads="1" noChangeShapeType="1" noTextEdit="1"/>
+              </p:cNvSpPr>
+              <p:nvPr/>
+            </p:nvSpPr>
+            <p:spPr>
+              <a:xfrm>
+                <a:off x="2743200" y="1717675"/>
+                <a:ext cx="3017173" cy="1208279"/>
+              </a:xfrm>
+              <a:prstGeom prst="rect">
+                <a:avLst/>
+              </a:prstGeom>
+              <a:blipFill>
+                <a:blip r:embed="rId2"/>
+                <a:stretch>
+                  <a:fillRect l="-14706" t="-102083" r="-1681" b="-91667"/>
+                </a:stretch>
+              </a:blipFill>
+            </p:spPr>
+            <p:txBody>
+              <a:bodyPr/>
+              <a:lstStyle/>
+              <a:p>
+                <a:r>
+                  <a:rPr lang="en-US">
+                    <a:noFill/>
+                  </a:rPr>
+                  <a:t> </a:t>
+                </a:r>
+              </a:p>
+            </p:txBody>
+          </p:sp>
+        </mc:Fallback>
+      </mc:AlternateContent>
+      <p:pic>
+        <p:nvPicPr>
+          <p:cNvPr id="14" name="Picture 13">
+            <a:extLst>
+              <a:ext uri="{FF2B5EF4-FFF2-40B4-BE49-F238E27FC236}">
+                <a16:creationId xmlns:a16="http://schemas.microsoft.com/office/drawing/2014/main" id="{3D6248C4-A888-C14F-AEDF-98946F5D59C6}"/>
+              </a:ext>
+            </a:extLst>
+          </p:cNvPr>
+          <p:cNvPicPr>
+            <a:picLocks noChangeAspect="1"/>
+          </p:cNvPicPr>
+          <p:nvPr/>
+        </p:nvPicPr>
+        <p:blipFill>
+          <a:blip r:embed="rId3"/>
+          <a:stretch>
+            <a:fillRect/>
+          </a:stretch>
+        </p:blipFill>
+        <p:spPr>
+          <a:xfrm>
+            <a:off x="2090761" y="3244850"/>
+            <a:ext cx="4216400" cy="2349500"/>
+          </a:xfrm>
+          <a:prstGeom prst="rect">
+            <a:avLst/>
+          </a:prstGeom>
+          <a:ln>
+            <a:solidFill>
+              <a:schemeClr val="tx1"/>
+            </a:solidFill>
+          </a:ln>
+        </p:spPr>
+      </p:pic>
+    </p:spTree>
+    <p:extLst>
+      <p:ext uri="{BB962C8B-B14F-4D97-AF65-F5344CB8AC3E}">
+        <p14:creationId xmlns:p14="http://schemas.microsoft.com/office/powerpoint/2010/main" val="2668406512"/>
+      </p:ext>
+    </p:extLst>
+  </p:cSld>
+  <p:clrMapOvr>
+    <a:masterClrMapping/>
+  </p:clrMapOvr>
+</p:sld>
+</file>
+
+<file path=ppt/slides/slide16.xml><?xml version="1.0" encoding="utf-8"?>
+<p:sld xmlns:a="http://schemas.openxmlformats.org/drawingml/2006/main" xmlns:r="http://schemas.openxmlformats.org/officeDocument/2006/relationships" xmlns:p="http://schemas.openxmlformats.org/presentationml/2006/main">
+  <p:cSld>
+    <p:spTree>
+      <p:nvGrpSpPr>
+        <p:cNvPr id="1" name=""/>
+        <p:cNvGrpSpPr/>
+        <p:nvPr/>
+      </p:nvGrpSpPr>
+      <p:grpSpPr>
+        <a:xfrm>
+          <a:off x="0" y="0"/>
+          <a:ext cx="0" cy="0"/>
+          <a:chOff x="0" y="0"/>
+          <a:chExt cx="0" cy="0"/>
+        </a:xfrm>
+      </p:grpSpPr>
+      <p:sp>
+        <p:nvSpPr>
+          <p:cNvPr id="2" name="Title 1">
+            <a:extLst>
+              <a:ext uri="{FF2B5EF4-FFF2-40B4-BE49-F238E27FC236}">
+                <a16:creationId xmlns:a16="http://schemas.microsoft.com/office/drawing/2014/main" id="{912ADF5A-4F4A-0241-A550-8EC3BCC7C8CF}"/>
+              </a:ext>
+            </a:extLst>
+          </p:cNvPr>
+          <p:cNvSpPr>
+            <a:spLocks noGrp="1"/>
+          </p:cNvSpPr>
+          <p:nvPr>
+            <p:ph type="title"/>
+          </p:nvPr>
+        </p:nvSpPr>
+        <p:spPr/>
+        <p:txBody>
+          <a:bodyPr/>
+          <a:lstStyle/>
+          <a:p>
+            <a:r>
+              <a:rPr lang="en-US" dirty="0"/>
+              <a:t>Multi-Dispatch and Recursion</a:t>
+            </a:r>
+          </a:p>
+        </p:txBody>
+      </p:sp>
+      <p:sp>
+        <p:nvSpPr>
+          <p:cNvPr id="3" name="Content Placeholder 2">
+            <a:extLst>
+              <a:ext uri="{FF2B5EF4-FFF2-40B4-BE49-F238E27FC236}">
+                <a16:creationId xmlns:a16="http://schemas.microsoft.com/office/drawing/2014/main" id="{CCA0EF8A-4A36-6A41-AE76-AF94B48F700B}"/>
+              </a:ext>
+            </a:extLst>
+          </p:cNvPr>
+          <p:cNvSpPr>
+            <a:spLocks noGrp="1"/>
+          </p:cNvSpPr>
+          <p:nvPr>
+            <p:ph idx="1"/>
+          </p:nvPr>
+        </p:nvSpPr>
+        <p:spPr>
+          <a:xfrm>
+            <a:off x="5174458" y="1905000"/>
+            <a:ext cx="3359942" cy="4114800"/>
+          </a:xfrm>
+        </p:spPr>
+        <p:txBody>
+          <a:bodyPr/>
+          <a:lstStyle/>
+          <a:p>
+            <a:r>
+              <a:rPr lang="en-US" dirty="0"/>
+              <a:t>The </a:t>
+            </a:r>
+            <a:r>
+              <a:rPr lang="en-US" dirty="0" err="1"/>
+              <a:t>QuickSort</a:t>
+            </a:r>
+            <a:endParaRPr lang="en-US" dirty="0"/>
+          </a:p>
+          <a:p>
+            <a:r>
+              <a:rPr lang="en-US" dirty="0"/>
+              <a:t>Recursion with multiple base cases</a:t>
+            </a:r>
+          </a:p>
+        </p:txBody>
+      </p:sp>
+      <p:pic>
+        <p:nvPicPr>
+          <p:cNvPr id="4" name="Picture 3">
+            <a:extLst>
+              <a:ext uri="{FF2B5EF4-FFF2-40B4-BE49-F238E27FC236}">
+                <a16:creationId xmlns:a16="http://schemas.microsoft.com/office/drawing/2014/main" id="{ABA236D8-EEDF-6A44-A32F-029C689A87E3}"/>
+              </a:ext>
+            </a:extLst>
+          </p:cNvPr>
+          <p:cNvPicPr>
+            <a:picLocks noChangeAspect="1"/>
+          </p:cNvPicPr>
+          <p:nvPr/>
+        </p:nvPicPr>
+        <p:blipFill>
+          <a:blip r:embed="rId2"/>
+          <a:stretch>
+            <a:fillRect/>
+          </a:stretch>
+        </p:blipFill>
+        <p:spPr>
+          <a:xfrm>
+            <a:off x="304800" y="1904999"/>
+            <a:ext cx="4114800" cy="4461199"/>
+          </a:xfrm>
+          <a:prstGeom prst="rect">
+            <a:avLst/>
+          </a:prstGeom>
+          <a:ln>
+            <a:solidFill>
+              <a:schemeClr val="tx1"/>
+            </a:solidFill>
+          </a:ln>
+        </p:spPr>
+      </p:pic>
+    </p:spTree>
+    <p:extLst>
+      <p:ext uri="{BB962C8B-B14F-4D97-AF65-F5344CB8AC3E}">
+        <p14:creationId xmlns:p14="http://schemas.microsoft.com/office/powerpoint/2010/main" val="549564688"/>
+      </p:ext>
+    </p:extLst>
+  </p:cSld>
+  <p:clrMapOvr>
+    <a:masterClrMapping/>
+  </p:clrMapOvr>
+</p:sld>
+</file>
+
+<file path=ppt/slides/slide17.xml><?xml version="1.0" encoding="utf-8"?>
+<p:sld xmlns:a="http://schemas.openxmlformats.org/drawingml/2006/main" xmlns:r="http://schemas.openxmlformats.org/officeDocument/2006/relationships" xmlns:p="http://schemas.openxmlformats.org/presentationml/2006/main">
+  <p:cSld>
+    <p:spTree>
+      <p:nvGrpSpPr>
+        <p:cNvPr id="1" name=""/>
+        <p:cNvGrpSpPr/>
+        <p:nvPr/>
+      </p:nvGrpSpPr>
+      <p:grpSpPr>
+        <a:xfrm>
+          <a:off x="0" y="0"/>
+          <a:ext cx="0" cy="0"/>
+          <a:chOff x="0" y="0"/>
+          <a:chExt cx="0" cy="0"/>
+        </a:xfrm>
+      </p:grpSpPr>
+      <p:sp>
+        <p:nvSpPr>
           <p:cNvPr id="2" name="Title 1">
             <a:extLst>
               <a:ext uri="{FF2B5EF4-FFF2-40B4-BE49-F238E27FC236}">
@@ -6851,6 +7500,172 @@
           <p:cNvPr id="2" name="Title 1">
             <a:extLst>
               <a:ext uri="{FF2B5EF4-FFF2-40B4-BE49-F238E27FC236}">
+                <a16:creationId xmlns:a16="http://schemas.microsoft.com/office/drawing/2014/main" id="{DB741125-692B-7744-B388-3A0EFB12F452}"/>
+              </a:ext>
+            </a:extLst>
+          </p:cNvPr>
+          <p:cNvSpPr>
+            <a:spLocks noGrp="1"/>
+          </p:cNvSpPr>
+          <p:nvPr>
+            <p:ph type="title"/>
+          </p:nvPr>
+        </p:nvSpPr>
+        <p:spPr/>
+        <p:txBody>
+          <a:bodyPr/>
+          <a:lstStyle/>
+          <a:p>
+            <a:r>
+              <a:rPr lang="en-US" dirty="0"/>
+              <a:t>Asteroid Functions</a:t>
+            </a:r>
+          </a:p>
+        </p:txBody>
+      </p:sp>
+      <p:sp>
+        <p:nvSpPr>
+          <p:cNvPr id="3" name="Content Placeholder 2">
+            <a:extLst>
+              <a:ext uri="{FF2B5EF4-FFF2-40B4-BE49-F238E27FC236}">
+                <a16:creationId xmlns:a16="http://schemas.microsoft.com/office/drawing/2014/main" id="{7D37E68D-B4DD-134F-AB71-90BE9B8782E7}"/>
+              </a:ext>
+            </a:extLst>
+          </p:cNvPr>
+          <p:cNvSpPr>
+            <a:spLocks noGrp="1"/>
+          </p:cNvSpPr>
+          <p:nvPr>
+            <p:ph idx="1"/>
+          </p:nvPr>
+        </p:nvSpPr>
+        <p:spPr/>
+        <p:txBody>
+          <a:bodyPr>
+            <a:normAutofit fontScale="55000" lnSpcReduction="20000"/>
+          </a:bodyPr>
+          <a:lstStyle/>
+          <a:p>
+            <a:r>
+              <a:rPr lang="en-US" dirty="0"/>
+              <a:t>In the functional programming tradition, Asteroid’s function calls are constructed by juxtaposing a function with a value, e.g.</a:t>
+            </a:r>
+            <a:br>
+              <a:rPr lang="en-US" dirty="0"/>
+            </a:br>
+            <a:br>
+              <a:rPr lang="en-US" dirty="0"/>
+            </a:br>
+            <a:r>
+              <a:rPr lang="en-US" dirty="0"/>
+              <a:t>    fact 3.</a:t>
+            </a:r>
+            <a:br>
+              <a:rPr lang="en-US" dirty="0"/>
+            </a:br>
+            <a:endParaRPr lang="en-US" dirty="0"/>
+          </a:p>
+          <a:p>
+            <a:r>
+              <a:rPr lang="en-US" dirty="0"/>
+              <a:t>The implication is that all </a:t>
+            </a:r>
+            <a:r>
+              <a:rPr lang="en-US" b="1" dirty="0"/>
+              <a:t>functions have only a single argument</a:t>
+            </a:r>
+            <a:r>
+              <a:rPr lang="en-US" dirty="0"/>
+              <a:t>.  If you want to pass more than one value to a function you have to construct a </a:t>
+            </a:r>
+            <a:r>
+              <a:rPr lang="en-US" b="1" dirty="0"/>
+              <a:t>tuple of values</a:t>
+            </a:r>
+            <a:r>
+              <a:rPr lang="en-US" dirty="0"/>
+              <a:t>, e.g.</a:t>
+            </a:r>
+            <a:br>
+              <a:rPr lang="en-US" dirty="0"/>
+            </a:br>
+            <a:br>
+              <a:rPr lang="en-US" dirty="0"/>
+            </a:br>
+            <a:r>
+              <a:rPr lang="en-US" dirty="0"/>
+              <a:t>   foo (1,2).</a:t>
+            </a:r>
+            <a:br>
+              <a:rPr lang="en-US" dirty="0"/>
+            </a:br>
+            <a:endParaRPr lang="en-US" dirty="0"/>
+          </a:p>
+          <a:p>
+            <a:r>
+              <a:rPr lang="en-US" dirty="0"/>
+              <a:t>Syntactically this looks the same as a function call to foo in Python but semantically it is very different – call foo with the </a:t>
+            </a:r>
+            <a:r>
+              <a:rPr lang="en-US" b="1" dirty="0"/>
+              <a:t>value</a:t>
+            </a:r>
+            <a:r>
+              <a:rPr lang="en-US" dirty="0"/>
+              <a:t> (1,2) in Asteroid as apposed to call foo with the </a:t>
+            </a:r>
+            <a:r>
+              <a:rPr lang="en-US" b="1" dirty="0"/>
+              <a:t>list of values </a:t>
+            </a:r>
+            <a:r>
+              <a:rPr lang="en-US" dirty="0"/>
+              <a:t>(1,2) in Python.</a:t>
+            </a:r>
+          </a:p>
+          <a:p>
+            <a:r>
+              <a:rPr lang="en-US" dirty="0"/>
+              <a:t>As we will see, this slight change of perspective enables effective pattern matching within function definitions in Asteroid.</a:t>
+            </a:r>
+          </a:p>
+        </p:txBody>
+      </p:sp>
+    </p:spTree>
+    <p:extLst>
+      <p:ext uri="{BB962C8B-B14F-4D97-AF65-F5344CB8AC3E}">
+        <p14:creationId xmlns:p14="http://schemas.microsoft.com/office/powerpoint/2010/main" val="3525108704"/>
+      </p:ext>
+    </p:extLst>
+  </p:cSld>
+  <p:clrMapOvr>
+    <a:masterClrMapping/>
+  </p:clrMapOvr>
+</p:sld>
+</file>
+
+<file path=ppt/slides/slide3.xml><?xml version="1.0" encoding="utf-8"?>
+<p:sld xmlns:a="http://schemas.openxmlformats.org/drawingml/2006/main" xmlns:r="http://schemas.openxmlformats.org/officeDocument/2006/relationships" xmlns:p="http://schemas.openxmlformats.org/presentationml/2006/main">
+  <p:cSld>
+    <p:spTree>
+      <p:nvGrpSpPr>
+        <p:cNvPr id="1" name=""/>
+        <p:cNvGrpSpPr/>
+        <p:nvPr/>
+      </p:nvGrpSpPr>
+      <p:grpSpPr>
+        <a:xfrm>
+          <a:off x="0" y="0"/>
+          <a:ext cx="0" cy="0"/>
+          <a:chOff x="0" y="0"/>
+          <a:chExt cx="0" cy="0"/>
+        </a:xfrm>
+      </p:grpSpPr>
+      <p:sp>
+        <p:nvSpPr>
+          <p:cNvPr id="2" name="Title 1">
+            <a:extLst>
+              <a:ext uri="{FF2B5EF4-FFF2-40B4-BE49-F238E27FC236}">
                 <a16:creationId xmlns:a16="http://schemas.microsoft.com/office/drawing/2014/main" id="{CAFDA98E-0F6D-3245-A113-B60B043A3C5A}"/>
               </a:ext>
             </a:extLst>
@@ -6996,7 +7811,7 @@
 </p:sld>
 </file>
 
-<file path=ppt/slides/slide3.xml><?xml version="1.0" encoding="utf-8"?>
+<file path=ppt/slides/slide4.xml><?xml version="1.0" encoding="utf-8"?>
 <p:sld xmlns:a="http://schemas.openxmlformats.org/drawingml/2006/main" xmlns:r="http://schemas.openxmlformats.org/officeDocument/2006/relationships" xmlns:p="http://schemas.openxmlformats.org/presentationml/2006/main">
   <p:cSld>
     <p:spTree>
@@ -7243,7 +8058,7 @@
 </p:sld>
 </file>
 
-<file path=ppt/slides/slide4.xml><?xml version="1.0" encoding="utf-8"?>
+<file path=ppt/slides/slide5.xml><?xml version="1.0" encoding="utf-8"?>
 <p:sld xmlns:a="http://schemas.openxmlformats.org/drawingml/2006/main" xmlns:r="http://schemas.openxmlformats.org/officeDocument/2006/relationships" xmlns:p="http://schemas.openxmlformats.org/presentationml/2006/main">
   <p:cSld>
     <p:spTree>
@@ -7571,217 +8386,6 @@
 </p:sld>
 </file>
 
-<file path=ppt/slides/slide5.xml><?xml version="1.0" encoding="utf-8"?>
-<p:sld xmlns:a="http://schemas.openxmlformats.org/drawingml/2006/main" xmlns:r="http://schemas.openxmlformats.org/officeDocument/2006/relationships" xmlns:p="http://schemas.openxmlformats.org/presentationml/2006/main">
-  <p:cSld>
-    <p:spTree>
-      <p:nvGrpSpPr>
-        <p:cNvPr id="1" name=""/>
-        <p:cNvGrpSpPr/>
-        <p:nvPr/>
-      </p:nvGrpSpPr>
-      <p:grpSpPr>
-        <a:xfrm>
-          <a:off x="0" y="0"/>
-          <a:ext cx="0" cy="0"/>
-          <a:chOff x="0" y="0"/>
-          <a:chExt cx="0" cy="0"/>
-        </a:xfrm>
-      </p:grpSpPr>
-      <p:sp>
-        <p:nvSpPr>
-          <p:cNvPr id="2" name="Title 1">
-            <a:extLst>
-              <a:ext uri="{FF2B5EF4-FFF2-40B4-BE49-F238E27FC236}">
-                <a16:creationId xmlns:a16="http://schemas.microsoft.com/office/drawing/2014/main" id="{A01C81C0-44AC-6241-BAC1-947DAD0329FE}"/>
-              </a:ext>
-            </a:extLst>
-          </p:cNvPr>
-          <p:cNvSpPr>
-            <a:spLocks noGrp="1"/>
-          </p:cNvSpPr>
-          <p:nvPr>
-            <p:ph type="title"/>
-          </p:nvPr>
-        </p:nvSpPr>
-        <p:spPr/>
-        <p:txBody>
-          <a:bodyPr/>
-          <a:lstStyle/>
-          <a:p>
-            <a:r>
-              <a:rPr lang="en-US" dirty="0"/>
-              <a:t>Asteroid Functions</a:t>
-            </a:r>
-          </a:p>
-        </p:txBody>
-      </p:sp>
-      <p:pic>
-        <p:nvPicPr>
-          <p:cNvPr id="4" name="Picture 3">
-            <a:extLst>
-              <a:ext uri="{FF2B5EF4-FFF2-40B4-BE49-F238E27FC236}">
-                <a16:creationId xmlns:a16="http://schemas.microsoft.com/office/drawing/2014/main" id="{FDA63802-2D1E-0A46-BD7B-B7A83881E3E2}"/>
-              </a:ext>
-            </a:extLst>
-          </p:cNvPr>
-          <p:cNvPicPr>
-            <a:picLocks noChangeAspect="1"/>
-          </p:cNvPicPr>
-          <p:nvPr/>
-        </p:nvPicPr>
-        <p:blipFill>
-          <a:blip r:embed="rId2"/>
-          <a:stretch>
-            <a:fillRect/>
-          </a:stretch>
-        </p:blipFill>
-        <p:spPr>
-          <a:xfrm>
-            <a:off x="2514600" y="2286000"/>
-            <a:ext cx="3398520" cy="1752600"/>
-          </a:xfrm>
-          <a:prstGeom prst="rect">
-            <a:avLst/>
-          </a:prstGeom>
-          <a:ln>
-            <a:solidFill>
-              <a:schemeClr val="tx1"/>
-            </a:solidFill>
-          </a:ln>
-        </p:spPr>
-      </p:pic>
-      <p:cxnSp>
-        <p:nvCxnSpPr>
-          <p:cNvPr id="6" name="Straight Arrow Connector 5">
-            <a:extLst>
-              <a:ext uri="{FF2B5EF4-FFF2-40B4-BE49-F238E27FC236}">
-                <a16:creationId xmlns:a16="http://schemas.microsoft.com/office/drawing/2014/main" id="{A9318E56-5042-F74E-9AF1-3EC388FF698A}"/>
-              </a:ext>
-            </a:extLst>
-          </p:cNvPr>
-          <p:cNvCxnSpPr/>
-          <p:nvPr/>
-        </p:nvCxnSpPr>
-        <p:spPr bwMode="auto">
-          <a:xfrm flipV="1">
-            <a:off x="3581400" y="3962400"/>
-            <a:ext cx="457200" cy="685800"/>
-          </a:xfrm>
-          <a:prstGeom prst="straightConnector1">
-            <a:avLst/>
-          </a:prstGeom>
-          <a:solidFill>
-            <a:schemeClr val="accent1"/>
-          </a:solidFill>
-          <a:ln w="9525" cap="flat" cmpd="sng" algn="ctr">
-            <a:solidFill>
-              <a:schemeClr val="tx1"/>
-            </a:solidFill>
-            <a:prstDash val="solid"/>
-            <a:round/>
-            <a:headEnd type="none" w="med" len="med"/>
-            <a:tailEnd type="triangle"/>
-          </a:ln>
-          <a:effectLst/>
-          <a:extLst>
-            <a:ext uri="{AF507438-7753-43e0-B8FC-AC1667EBCBE1}">
-              <a14:hiddenEffects xmlns:a14="http://schemas.microsoft.com/office/drawing/2010/main" xmlns="">
-                <a:effectLst>
-                  <a:outerShdw blurRad="63500" dist="38099" dir="2700000" algn="ctr" rotWithShape="0">
-                    <a:schemeClr val="bg2">
-                      <a:alpha val="74998"/>
-                    </a:schemeClr>
-                  </a:outerShdw>
-                </a:effectLst>
-              </a14:hiddenEffects>
-            </a:ext>
-          </a:extLst>
-        </p:spPr>
-      </p:cxnSp>
-      <p:sp>
-        <p:nvSpPr>
-          <p:cNvPr id="7" name="TextBox 6">
-            <a:extLst>
-              <a:ext uri="{FF2B5EF4-FFF2-40B4-BE49-F238E27FC236}">
-                <a16:creationId xmlns:a16="http://schemas.microsoft.com/office/drawing/2014/main" id="{0D4D7879-720A-A544-8E02-575E598A5DBA}"/>
-              </a:ext>
-            </a:extLst>
-          </p:cNvPr>
-          <p:cNvSpPr txBox="1"/>
-          <p:nvPr/>
-        </p:nvSpPr>
-        <p:spPr>
-          <a:xfrm>
-            <a:off x="2438400" y="4724400"/>
-            <a:ext cx="3185487" cy="369332"/>
-          </a:xfrm>
-          <a:prstGeom prst="rect">
-            <a:avLst/>
-          </a:prstGeom>
-          <a:noFill/>
-        </p:spPr>
-        <p:txBody>
-          <a:bodyPr wrap="none" rtlCol="0">
-            <a:spAutoFit/>
-          </a:bodyPr>
-          <a:lstStyle/>
-          <a:p>
-            <a:r>
-              <a:rPr lang="en-US" sz="1800" dirty="0"/>
-              <a:t>Function call via juxtaposition</a:t>
-            </a:r>
-          </a:p>
-        </p:txBody>
-      </p:sp>
-      <p:sp>
-        <p:nvSpPr>
-          <p:cNvPr id="8" name="TextBox 7">
-            <a:extLst>
-              <a:ext uri="{FF2B5EF4-FFF2-40B4-BE49-F238E27FC236}">
-                <a16:creationId xmlns:a16="http://schemas.microsoft.com/office/drawing/2014/main" id="{38A01F00-03FE-CA40-B184-7BA2BE248CED}"/>
-              </a:ext>
-            </a:extLst>
-          </p:cNvPr>
-          <p:cNvSpPr txBox="1"/>
-          <p:nvPr/>
-        </p:nvSpPr>
-        <p:spPr>
-          <a:xfrm>
-            <a:off x="6224954" y="3575538"/>
-            <a:ext cx="1289135" cy="307777"/>
-          </a:xfrm>
-          <a:prstGeom prst="rect">
-            <a:avLst/>
-          </a:prstGeom>
-          <a:noFill/>
-        </p:spPr>
-        <p:txBody>
-          <a:bodyPr wrap="none" rtlCol="0">
-            <a:spAutoFit/>
-          </a:bodyPr>
-          <a:lstStyle/>
-          <a:p>
-            <a:r>
-              <a:rPr lang="en-US" sz="1400" dirty="0"/>
-              <a:t>ln006/inc1.ast</a:t>
-            </a:r>
-          </a:p>
-        </p:txBody>
-      </p:sp>
-    </p:spTree>
-    <p:extLst>
-      <p:ext uri="{BB962C8B-B14F-4D97-AF65-F5344CB8AC3E}">
-        <p14:creationId xmlns:p14="http://schemas.microsoft.com/office/powerpoint/2010/main" val="2916206697"/>
-      </p:ext>
-    </p:extLst>
-  </p:cSld>
-  <p:clrMapOvr>
-    <a:masterClrMapping/>
-  </p:clrMapOvr>
-</p:sld>
-</file>
-
 <file path=ppt/slides/slide6.xml><?xml version="1.0" encoding="utf-8"?>
 <p:sld xmlns:a="http://schemas.openxmlformats.org/drawingml/2006/main" xmlns:r="http://schemas.openxmlformats.org/officeDocument/2006/relationships" xmlns:p="http://schemas.openxmlformats.org/presentationml/2006/main">
   <p:cSld>
@@ -7850,12 +8454,14 @@
           </a:xfrm>
         </p:spPr>
         <p:txBody>
-          <a:bodyPr/>
+          <a:bodyPr>
+            <a:normAutofit fontScale="77500" lnSpcReduction="20000"/>
+          </a:bodyPr>
           <a:lstStyle/>
           <a:p>
             <a:r>
               <a:rPr lang="en-US" dirty="0"/>
-              <a:t>In Asteroid functions have only a single formal parameter,</a:t>
+              <a:t>Due to its foundation in Lambda calculus, Asteroid functions have only a single formal parameter,</a:t>
             </a:r>
           </a:p>
           <a:p>

--- a/notes/csc493-ln006.pptx
+++ b/notes/csc493-ln006.pptx
@@ -5,29 +5,30 @@
     <p:sldMasterId id="2147483651" r:id="rId1"/>
   </p:sldMasterIdLst>
   <p:notesMasterIdLst>
-    <p:notesMasterId r:id="rId19"/>
+    <p:notesMasterId r:id="rId20"/>
   </p:notesMasterIdLst>
   <p:handoutMasterIdLst>
-    <p:handoutMasterId r:id="rId20"/>
+    <p:handoutMasterId r:id="rId21"/>
   </p:handoutMasterIdLst>
   <p:sldIdLst>
     <p:sldId id="281" r:id="rId2"/>
     <p:sldId id="277" r:id="rId3"/>
     <p:sldId id="261" r:id="rId4"/>
     <p:sldId id="279" r:id="rId5"/>
-    <p:sldId id="280" r:id="rId6"/>
-    <p:sldId id="282" r:id="rId7"/>
-    <p:sldId id="283" r:id="rId8"/>
-    <p:sldId id="278" r:id="rId9"/>
-    <p:sldId id="284" r:id="rId10"/>
-    <p:sldId id="285" r:id="rId11"/>
-    <p:sldId id="286" r:id="rId12"/>
-    <p:sldId id="287" r:id="rId13"/>
-    <p:sldId id="288" r:id="rId14"/>
-    <p:sldId id="289" r:id="rId15"/>
-    <p:sldId id="291" r:id="rId16"/>
-    <p:sldId id="292" r:id="rId17"/>
-    <p:sldId id="290" r:id="rId18"/>
+    <p:sldId id="293" r:id="rId6"/>
+    <p:sldId id="280" r:id="rId7"/>
+    <p:sldId id="282" r:id="rId8"/>
+    <p:sldId id="283" r:id="rId9"/>
+    <p:sldId id="278" r:id="rId10"/>
+    <p:sldId id="284" r:id="rId11"/>
+    <p:sldId id="285" r:id="rId12"/>
+    <p:sldId id="286" r:id="rId13"/>
+    <p:sldId id="287" r:id="rId14"/>
+    <p:sldId id="288" r:id="rId15"/>
+    <p:sldId id="289" r:id="rId16"/>
+    <p:sldId id="291" r:id="rId17"/>
+    <p:sldId id="292" r:id="rId18"/>
+    <p:sldId id="290" r:id="rId19"/>
   </p:sldIdLst>
   <p:sldSz cx="9144000" cy="6858000" type="screen4x3"/>
   <p:notesSz cx="6856413" cy="9083675"/>
@@ -5376,7 +5377,7 @@
           <p:cNvPr id="2" name="Title 1">
             <a:extLst>
               <a:ext uri="{FF2B5EF4-FFF2-40B4-BE49-F238E27FC236}">
-                <a16:creationId xmlns:a16="http://schemas.microsoft.com/office/drawing/2014/main" id="{5FF1AA63-7844-B640-8D75-996969FD1CD3}"/>
+                <a16:creationId xmlns:a16="http://schemas.microsoft.com/office/drawing/2014/main" id="{64E5D07C-5D0B-1B49-AC02-65310BEF7FFA}"/>
               </a:ext>
             </a:extLst>
           </p:cNvPr>
@@ -5394,7 +5395,7 @@
           <a:p>
             <a:r>
               <a:rPr lang="en-US" dirty="0"/>
-              <a:t>Pattern Matching in Functions</a:t>
+              <a:t>Function Calls</a:t>
             </a:r>
           </a:p>
         </p:txBody>
@@ -5404,7 +5405,7 @@
           <p:cNvPr id="3" name="Content Placeholder 2">
             <a:extLst>
               <a:ext uri="{FF2B5EF4-FFF2-40B4-BE49-F238E27FC236}">
-                <a16:creationId xmlns:a16="http://schemas.microsoft.com/office/drawing/2014/main" id="{2246D305-8855-BA4B-B9AA-31FB5DAF07A5}"/>
+                <a16:creationId xmlns:a16="http://schemas.microsoft.com/office/drawing/2014/main" id="{E54BB541-9D8C-8D47-BBC8-AE6BE22E2C45}"/>
               </a:ext>
             </a:extLst>
           </p:cNvPr>
@@ -5417,29 +5418,20 @@
         </p:nvSpPr>
         <p:spPr>
           <a:xfrm>
-            <a:off x="1524000" y="1717675"/>
-            <a:ext cx="7010400" cy="1219200"/>
+            <a:off x="1524000" y="1447800"/>
+            <a:ext cx="7010400" cy="1752600"/>
           </a:xfrm>
         </p:spPr>
         <p:txBody>
           <a:bodyPr>
-            <a:normAutofit fontScale="70000" lnSpcReduction="20000"/>
+            <a:normAutofit/>
           </a:bodyPr>
           <a:lstStyle/>
           <a:p>
             <a:r>
               <a:rPr lang="en-US" dirty="0"/>
-              <a:t>As we have seen, we can pattern match on the function argument</a:t>
-            </a:r>
-          </a:p>
-          <a:p>
-            <a:r>
-              <a:rPr lang="en-US" dirty="0"/>
-              <a:t>That means we can use all the patterns we have learned so far</a:t>
-            </a:r>
-          </a:p>
-          <a:p>
-            <a:endParaRPr lang="en-US" dirty="0"/>
+              <a:t>But it works fine in Asteroid,</a:t>
+            </a:r>
           </a:p>
         </p:txBody>
       </p:sp>
@@ -5448,7 +5440,7 @@
           <p:cNvPr id="4" name="Picture 3">
             <a:extLst>
               <a:ext uri="{FF2B5EF4-FFF2-40B4-BE49-F238E27FC236}">
-                <a16:creationId xmlns:a16="http://schemas.microsoft.com/office/drawing/2014/main" id="{FC4BF3EA-030F-554B-898B-A3B20CA04FDB}"/>
+                <a16:creationId xmlns:a16="http://schemas.microsoft.com/office/drawing/2014/main" id="{4E7BB509-5D10-3D46-ADC6-AAB9E44FAE48}"/>
               </a:ext>
             </a:extLst>
           </p:cNvPr>
@@ -5465,8 +5457,8 @@
         </p:blipFill>
         <p:spPr>
           <a:xfrm>
-            <a:off x="685800" y="2851901"/>
-            <a:ext cx="7010400" cy="1850407"/>
+            <a:off x="1553308" y="2701925"/>
+            <a:ext cx="4983956" cy="2971800"/>
           </a:xfrm>
           <a:prstGeom prst="rect">
             <a:avLst/>
@@ -5478,115 +5470,10 @@
           </a:ln>
         </p:spPr>
       </p:pic>
-      <p:pic>
-        <p:nvPicPr>
-          <p:cNvPr id="7" name="Picture 6">
-            <a:extLst>
-              <a:ext uri="{FF2B5EF4-FFF2-40B4-BE49-F238E27FC236}">
-                <a16:creationId xmlns:a16="http://schemas.microsoft.com/office/drawing/2014/main" id="{C1230464-8F27-9548-B427-BB32218E5FE8}"/>
-              </a:ext>
-            </a:extLst>
-          </p:cNvPr>
-          <p:cNvPicPr>
-            <a:picLocks noChangeAspect="1"/>
-          </p:cNvPicPr>
-          <p:nvPr/>
-        </p:nvPicPr>
-        <p:blipFill>
-          <a:blip r:embed="rId3"/>
-          <a:stretch>
-            <a:fillRect/>
-          </a:stretch>
-        </p:blipFill>
-        <p:spPr>
-          <a:xfrm>
-            <a:off x="611554" y="5013107"/>
-            <a:ext cx="7389446" cy="1692493"/>
-          </a:xfrm>
-          <a:prstGeom prst="rect">
-            <a:avLst/>
-          </a:prstGeom>
-          <a:ln>
-            <a:solidFill>
-              <a:schemeClr val="tx1"/>
-            </a:solidFill>
-          </a:ln>
-        </p:spPr>
-      </p:pic>
-      <p:sp>
-        <p:nvSpPr>
-          <p:cNvPr id="8" name="TextBox 7">
-            <a:extLst>
-              <a:ext uri="{FF2B5EF4-FFF2-40B4-BE49-F238E27FC236}">
-                <a16:creationId xmlns:a16="http://schemas.microsoft.com/office/drawing/2014/main" id="{0BF95096-66AD-2445-BB17-362DF9874344}"/>
-              </a:ext>
-            </a:extLst>
-          </p:cNvPr>
-          <p:cNvSpPr txBox="1"/>
-          <p:nvPr/>
-        </p:nvSpPr>
-        <p:spPr>
-          <a:xfrm>
-            <a:off x="6880855" y="2514600"/>
-            <a:ext cx="1478290" cy="307777"/>
-          </a:xfrm>
-          <a:prstGeom prst="rect">
-            <a:avLst/>
-          </a:prstGeom>
-          <a:noFill/>
-        </p:spPr>
-        <p:txBody>
-          <a:bodyPr wrap="none" rtlCol="0">
-            <a:spAutoFit/>
-          </a:bodyPr>
-          <a:lstStyle/>
-          <a:p>
-            <a:r>
-              <a:rPr lang="en-US" sz="1400" dirty="0"/>
-              <a:t>ln006/scale3.ast</a:t>
-            </a:r>
-          </a:p>
-        </p:txBody>
-      </p:sp>
-      <p:sp>
-        <p:nvSpPr>
-          <p:cNvPr id="9" name="TextBox 8">
-            <a:extLst>
-              <a:ext uri="{FF2B5EF4-FFF2-40B4-BE49-F238E27FC236}">
-                <a16:creationId xmlns:a16="http://schemas.microsoft.com/office/drawing/2014/main" id="{C408CAB7-15EA-BE40-9046-514F3B7F64EC}"/>
-              </a:ext>
-            </a:extLst>
-          </p:cNvPr>
-          <p:cNvSpPr txBox="1"/>
-          <p:nvPr/>
-        </p:nvSpPr>
-        <p:spPr>
-          <a:xfrm>
-            <a:off x="7050248" y="4702308"/>
-            <a:ext cx="1497526" cy="307777"/>
-          </a:xfrm>
-          <a:prstGeom prst="rect">
-            <a:avLst/>
-          </a:prstGeom>
-          <a:noFill/>
-        </p:spPr>
-        <p:txBody>
-          <a:bodyPr wrap="none" rtlCol="0">
-            <a:spAutoFit/>
-          </a:bodyPr>
-          <a:lstStyle/>
-          <a:p>
-            <a:r>
-              <a:rPr lang="en-US" sz="1400" dirty="0"/>
-              <a:t>ln006/string1.ast</a:t>
-            </a:r>
-          </a:p>
-        </p:txBody>
-      </p:sp>
     </p:spTree>
     <p:extLst>
       <p:ext uri="{BB962C8B-B14F-4D97-AF65-F5344CB8AC3E}">
-        <p14:creationId xmlns:p14="http://schemas.microsoft.com/office/powerpoint/2010/main" val="3016624976"/>
+        <p14:creationId xmlns:p14="http://schemas.microsoft.com/office/powerpoint/2010/main" val="1430132341"/>
       </p:ext>
     </p:extLst>
   </p:cSld>
@@ -5618,6 +5505,248 @@
           <p:cNvPr id="2" name="Title 1">
             <a:extLst>
               <a:ext uri="{FF2B5EF4-FFF2-40B4-BE49-F238E27FC236}">
+                <a16:creationId xmlns:a16="http://schemas.microsoft.com/office/drawing/2014/main" id="{5FF1AA63-7844-B640-8D75-996969FD1CD3}"/>
+              </a:ext>
+            </a:extLst>
+          </p:cNvPr>
+          <p:cNvSpPr>
+            <a:spLocks noGrp="1"/>
+          </p:cNvSpPr>
+          <p:nvPr>
+            <p:ph type="title"/>
+          </p:nvPr>
+        </p:nvSpPr>
+        <p:spPr/>
+        <p:txBody>
+          <a:bodyPr/>
+          <a:lstStyle/>
+          <a:p>
+            <a:r>
+              <a:rPr lang="en-US" dirty="0"/>
+              <a:t>Pattern Matching in Functions</a:t>
+            </a:r>
+          </a:p>
+        </p:txBody>
+      </p:sp>
+      <p:sp>
+        <p:nvSpPr>
+          <p:cNvPr id="3" name="Content Placeholder 2">
+            <a:extLst>
+              <a:ext uri="{FF2B5EF4-FFF2-40B4-BE49-F238E27FC236}">
+                <a16:creationId xmlns:a16="http://schemas.microsoft.com/office/drawing/2014/main" id="{2246D305-8855-BA4B-B9AA-31FB5DAF07A5}"/>
+              </a:ext>
+            </a:extLst>
+          </p:cNvPr>
+          <p:cNvSpPr>
+            <a:spLocks noGrp="1"/>
+          </p:cNvSpPr>
+          <p:nvPr>
+            <p:ph idx="1"/>
+          </p:nvPr>
+        </p:nvSpPr>
+        <p:spPr>
+          <a:xfrm>
+            <a:off x="1524000" y="1717675"/>
+            <a:ext cx="7010400" cy="1219200"/>
+          </a:xfrm>
+        </p:spPr>
+        <p:txBody>
+          <a:bodyPr>
+            <a:normAutofit fontScale="70000" lnSpcReduction="20000"/>
+          </a:bodyPr>
+          <a:lstStyle/>
+          <a:p>
+            <a:r>
+              <a:rPr lang="en-US" dirty="0"/>
+              <a:t>As we have seen, we can pattern match on the function argument</a:t>
+            </a:r>
+          </a:p>
+          <a:p>
+            <a:r>
+              <a:rPr lang="en-US" dirty="0"/>
+              <a:t>That means we can use all the patterns we have learned so far</a:t>
+            </a:r>
+          </a:p>
+          <a:p>
+            <a:endParaRPr lang="en-US" dirty="0"/>
+          </a:p>
+        </p:txBody>
+      </p:sp>
+      <p:pic>
+        <p:nvPicPr>
+          <p:cNvPr id="4" name="Picture 3">
+            <a:extLst>
+              <a:ext uri="{FF2B5EF4-FFF2-40B4-BE49-F238E27FC236}">
+                <a16:creationId xmlns:a16="http://schemas.microsoft.com/office/drawing/2014/main" id="{FC4BF3EA-030F-554B-898B-A3B20CA04FDB}"/>
+              </a:ext>
+            </a:extLst>
+          </p:cNvPr>
+          <p:cNvPicPr>
+            <a:picLocks noChangeAspect="1"/>
+          </p:cNvPicPr>
+          <p:nvPr/>
+        </p:nvPicPr>
+        <p:blipFill>
+          <a:blip r:embed="rId2"/>
+          <a:stretch>
+            <a:fillRect/>
+          </a:stretch>
+        </p:blipFill>
+        <p:spPr>
+          <a:xfrm>
+            <a:off x="685800" y="2851901"/>
+            <a:ext cx="7010400" cy="1850407"/>
+          </a:xfrm>
+          <a:prstGeom prst="rect">
+            <a:avLst/>
+          </a:prstGeom>
+          <a:ln>
+            <a:solidFill>
+              <a:schemeClr val="tx1"/>
+            </a:solidFill>
+          </a:ln>
+        </p:spPr>
+      </p:pic>
+      <p:pic>
+        <p:nvPicPr>
+          <p:cNvPr id="7" name="Picture 6">
+            <a:extLst>
+              <a:ext uri="{FF2B5EF4-FFF2-40B4-BE49-F238E27FC236}">
+                <a16:creationId xmlns:a16="http://schemas.microsoft.com/office/drawing/2014/main" id="{C1230464-8F27-9548-B427-BB32218E5FE8}"/>
+              </a:ext>
+            </a:extLst>
+          </p:cNvPr>
+          <p:cNvPicPr>
+            <a:picLocks noChangeAspect="1"/>
+          </p:cNvPicPr>
+          <p:nvPr/>
+        </p:nvPicPr>
+        <p:blipFill>
+          <a:blip r:embed="rId3"/>
+          <a:stretch>
+            <a:fillRect/>
+          </a:stretch>
+        </p:blipFill>
+        <p:spPr>
+          <a:xfrm>
+            <a:off x="611554" y="5013107"/>
+            <a:ext cx="7389446" cy="1692493"/>
+          </a:xfrm>
+          <a:prstGeom prst="rect">
+            <a:avLst/>
+          </a:prstGeom>
+          <a:ln>
+            <a:solidFill>
+              <a:schemeClr val="tx1"/>
+            </a:solidFill>
+          </a:ln>
+        </p:spPr>
+      </p:pic>
+      <p:sp>
+        <p:nvSpPr>
+          <p:cNvPr id="8" name="TextBox 7">
+            <a:extLst>
+              <a:ext uri="{FF2B5EF4-FFF2-40B4-BE49-F238E27FC236}">
+                <a16:creationId xmlns:a16="http://schemas.microsoft.com/office/drawing/2014/main" id="{0BF95096-66AD-2445-BB17-362DF9874344}"/>
+              </a:ext>
+            </a:extLst>
+          </p:cNvPr>
+          <p:cNvSpPr txBox="1"/>
+          <p:nvPr/>
+        </p:nvSpPr>
+        <p:spPr>
+          <a:xfrm>
+            <a:off x="6880855" y="2514600"/>
+            <a:ext cx="1478290" cy="307777"/>
+          </a:xfrm>
+          <a:prstGeom prst="rect">
+            <a:avLst/>
+          </a:prstGeom>
+          <a:noFill/>
+        </p:spPr>
+        <p:txBody>
+          <a:bodyPr wrap="none" rtlCol="0">
+            <a:spAutoFit/>
+          </a:bodyPr>
+          <a:lstStyle/>
+          <a:p>
+            <a:r>
+              <a:rPr lang="en-US" sz="1400" dirty="0"/>
+              <a:t>ln006/scale3.ast</a:t>
+            </a:r>
+          </a:p>
+        </p:txBody>
+      </p:sp>
+      <p:sp>
+        <p:nvSpPr>
+          <p:cNvPr id="9" name="TextBox 8">
+            <a:extLst>
+              <a:ext uri="{FF2B5EF4-FFF2-40B4-BE49-F238E27FC236}">
+                <a16:creationId xmlns:a16="http://schemas.microsoft.com/office/drawing/2014/main" id="{C408CAB7-15EA-BE40-9046-514F3B7F64EC}"/>
+              </a:ext>
+            </a:extLst>
+          </p:cNvPr>
+          <p:cNvSpPr txBox="1"/>
+          <p:nvPr/>
+        </p:nvSpPr>
+        <p:spPr>
+          <a:xfrm>
+            <a:off x="7050248" y="4702308"/>
+            <a:ext cx="1497526" cy="307777"/>
+          </a:xfrm>
+          <a:prstGeom prst="rect">
+            <a:avLst/>
+          </a:prstGeom>
+          <a:noFill/>
+        </p:spPr>
+        <p:txBody>
+          <a:bodyPr wrap="none" rtlCol="0">
+            <a:spAutoFit/>
+          </a:bodyPr>
+          <a:lstStyle/>
+          <a:p>
+            <a:r>
+              <a:rPr lang="en-US" sz="1400" dirty="0"/>
+              <a:t>ln006/string1.ast</a:t>
+            </a:r>
+          </a:p>
+        </p:txBody>
+      </p:sp>
+    </p:spTree>
+    <p:extLst>
+      <p:ext uri="{BB962C8B-B14F-4D97-AF65-F5344CB8AC3E}">
+        <p14:creationId xmlns:p14="http://schemas.microsoft.com/office/powerpoint/2010/main" val="3016624976"/>
+      </p:ext>
+    </p:extLst>
+  </p:cSld>
+  <p:clrMapOvr>
+    <a:masterClrMapping/>
+  </p:clrMapOvr>
+</p:sld>
+</file>
+
+<file path=ppt/slides/slide12.xml><?xml version="1.0" encoding="utf-8"?>
+<p:sld xmlns:a="http://schemas.openxmlformats.org/drawingml/2006/main" xmlns:r="http://schemas.openxmlformats.org/officeDocument/2006/relationships" xmlns:p="http://schemas.openxmlformats.org/presentationml/2006/main">
+  <p:cSld>
+    <p:spTree>
+      <p:nvGrpSpPr>
+        <p:cNvPr id="1" name=""/>
+        <p:cNvGrpSpPr/>
+        <p:nvPr/>
+      </p:nvGrpSpPr>
+      <p:grpSpPr>
+        <a:xfrm>
+          <a:off x="0" y="0"/>
+          <a:ext cx="0" cy="0"/>
+          <a:chOff x="0" y="0"/>
+          <a:chExt cx="0" cy="0"/>
+        </a:xfrm>
+      </p:grpSpPr>
+      <p:sp>
+        <p:nvSpPr>
+          <p:cNvPr id="2" name="Title 1">
+            <a:extLst>
+              <a:ext uri="{FF2B5EF4-FFF2-40B4-BE49-F238E27FC236}">
                 <a16:creationId xmlns:a16="http://schemas.microsoft.com/office/drawing/2014/main" id="{1B53EA71-F88F-EC43-A9DC-02C651C25764}"/>
               </a:ext>
             </a:extLst>
@@ -5736,7 +5865,7 @@
 </p:sld>
 </file>
 
-<file path=ppt/slides/slide12.xml><?xml version="1.0" encoding="utf-8"?>
+<file path=ppt/slides/slide13.xml><?xml version="1.0" encoding="utf-8"?>
 <p:sld xmlns:a="http://schemas.openxmlformats.org/drawingml/2006/main" xmlns:r="http://schemas.openxmlformats.org/officeDocument/2006/relationships" xmlns:p="http://schemas.openxmlformats.org/presentationml/2006/main">
   <p:cSld>
     <p:spTree>
@@ -6351,7 +6480,7 @@
 </p:sld>
 </file>
 
-<file path=ppt/slides/slide13.xml><?xml version="1.0" encoding="utf-8"?>
+<file path=ppt/slides/slide14.xml><?xml version="1.0" encoding="utf-8"?>
 <p:sld xmlns:a="http://schemas.openxmlformats.org/drawingml/2006/main" xmlns:r="http://schemas.openxmlformats.org/officeDocument/2006/relationships" xmlns:p="http://schemas.openxmlformats.org/presentationml/2006/main">
   <p:cSld>
     <p:spTree>
@@ -6498,7 +6627,7 @@
 </p:sld>
 </file>
 
-<file path=ppt/slides/slide14.xml><?xml version="1.0" encoding="utf-8"?>
+<file path=ppt/slides/slide15.xml><?xml version="1.0" encoding="utf-8"?>
 <p:sld xmlns:a="http://schemas.openxmlformats.org/drawingml/2006/main" xmlns:r="http://schemas.openxmlformats.org/officeDocument/2006/relationships" xmlns:p="http://schemas.openxmlformats.org/presentationml/2006/main">
   <p:cSld>
     <p:spTree>
@@ -6821,7 +6950,7 @@
 </p:sld>
 </file>
 
-<file path=ppt/slides/slide15.xml><?xml version="1.0" encoding="utf-8"?>
+<file path=ppt/slides/slide16.xml><?xml version="1.0" encoding="utf-8"?>
 <p:sld xmlns:a="http://schemas.openxmlformats.org/drawingml/2006/main" xmlns:r="http://schemas.openxmlformats.org/officeDocument/2006/relationships" xmlns:p="http://schemas.openxmlformats.org/presentationml/2006/main">
   <p:cSld>
     <p:spTree>
@@ -7232,7 +7361,7 @@
 </p:sld>
 </file>
 
-<file path=ppt/slides/slide16.xml><?xml version="1.0" encoding="utf-8"?>
+<file path=ppt/slides/slide17.xml><?xml version="1.0" encoding="utf-8"?>
 <p:sld xmlns:a="http://schemas.openxmlformats.org/drawingml/2006/main" xmlns:r="http://schemas.openxmlformats.org/officeDocument/2006/relationships" xmlns:p="http://schemas.openxmlformats.org/presentationml/2006/main">
   <p:cSld>
     <p:spTree>
@@ -7369,7 +7498,7 @@
 </p:sld>
 </file>
 
-<file path=ppt/slides/slide17.xml><?xml version="1.0" encoding="utf-8"?>
+<file path=ppt/slides/slide18.xml><?xml version="1.0" encoding="utf-8"?>
 <p:sld xmlns:a="http://schemas.openxmlformats.org/drawingml/2006/main" xmlns:r="http://schemas.openxmlformats.org/officeDocument/2006/relationships" xmlns:p="http://schemas.openxmlformats.org/presentationml/2006/main">
   <p:cSld>
     <p:spTree>
@@ -7705,10 +7834,15 @@
             <p:ph idx="1"/>
           </p:nvPr>
         </p:nvSpPr>
-        <p:spPr/>
+        <p:spPr>
+          <a:xfrm>
+            <a:off x="1066800" y="2922022"/>
+            <a:ext cx="7010400" cy="3173977"/>
+          </a:xfrm>
+        </p:spPr>
         <p:txBody>
           <a:bodyPr>
-            <a:normAutofit fontScale="77500" lnSpcReduction="20000"/>
+            <a:normAutofit fontScale="62500" lnSpcReduction="20000"/>
           </a:bodyPr>
           <a:lstStyle/>
           <a:p>
@@ -7754,6 +7888,12 @@
               <a:t>etc</a:t>
             </a:r>
             <a:endParaRPr lang="en-US" dirty="0"/>
+          </a:p>
+          <a:p>
+            <a:r>
+              <a:rPr lang="en-US" dirty="0"/>
+              <a:t>We have more to say about the lambda calculus when we look at the functional paradigm.</a:t>
+            </a:r>
           </a:p>
           <a:p>
             <a:endParaRPr lang="en-US" dirty="0"/>
@@ -7795,6 +7935,94 @@
               <a:t>https://en.wikipedia.org/wiki/Lambda_calculus</a:t>
             </a:r>
             <a:endParaRPr lang="en-US" sz="1400" dirty="0"/>
+          </a:p>
+        </p:txBody>
+      </p:sp>
+      <p:pic>
+        <p:nvPicPr>
+          <p:cNvPr id="1026" name="Picture 2">
+            <a:extLst>
+              <a:ext uri="{FF2B5EF4-FFF2-40B4-BE49-F238E27FC236}">
+                <a16:creationId xmlns:a16="http://schemas.microsoft.com/office/drawing/2014/main" id="{3427F355-CF0D-A34A-BB77-C1ACE4961C23}"/>
+              </a:ext>
+            </a:extLst>
+          </p:cNvPr>
+          <p:cNvPicPr>
+            <a:picLocks noChangeAspect="1" noChangeArrowheads="1"/>
+          </p:cNvPicPr>
+          <p:nvPr/>
+        </p:nvPicPr>
+        <p:blipFill>
+          <a:blip r:embed="rId3">
+            <a:extLst>
+              <a:ext uri="{28A0092B-C50C-407E-A947-70E740481C1C}">
+                <a14:useLocalDpi xmlns:a14="http://schemas.microsoft.com/office/drawing/2010/main" val="0"/>
+              </a:ext>
+            </a:extLst>
+          </a:blip>
+          <a:srcRect/>
+          <a:stretch>
+            <a:fillRect/>
+          </a:stretch>
+        </p:blipFill>
+        <p:spPr bwMode="auto">
+          <a:xfrm>
+            <a:off x="6927979" y="190501"/>
+            <a:ext cx="1454021" cy="1943100"/>
+          </a:xfrm>
+          <a:prstGeom prst="rect">
+            <a:avLst/>
+          </a:prstGeom>
+          <a:noFill/>
+          <a:extLst>
+            <a:ext uri="{909E8E84-426E-40DD-AFC4-6F175D3DCCD1}">
+              <a14:hiddenFill xmlns:a14="http://schemas.microsoft.com/office/drawing/2010/main">
+                <a:solidFill>
+                  <a:srgbClr val="FFFFFF"/>
+                </a:solidFill>
+              </a14:hiddenFill>
+            </a:ext>
+          </a:extLst>
+        </p:spPr>
+      </p:pic>
+      <p:sp>
+        <p:nvSpPr>
+          <p:cNvPr id="5" name="TextBox 4">
+            <a:extLst>
+              <a:ext uri="{FF2B5EF4-FFF2-40B4-BE49-F238E27FC236}">
+                <a16:creationId xmlns:a16="http://schemas.microsoft.com/office/drawing/2014/main" id="{DB10D4CB-D3D5-E341-A590-316455A0C8D8}"/>
+              </a:ext>
+            </a:extLst>
+          </p:cNvPr>
+          <p:cNvSpPr txBox="1"/>
+          <p:nvPr/>
+        </p:nvSpPr>
+        <p:spPr>
+          <a:xfrm>
+            <a:off x="6400800" y="2215662"/>
+            <a:ext cx="2521844" cy="523220"/>
+          </a:xfrm>
+          <a:prstGeom prst="rect">
+            <a:avLst/>
+          </a:prstGeom>
+          <a:noFill/>
+        </p:spPr>
+        <p:txBody>
+          <a:bodyPr wrap="none" rtlCol="0">
+            <a:spAutoFit/>
+          </a:bodyPr>
+          <a:lstStyle/>
+          <a:p>
+            <a:r>
+              <a:rPr lang="en-US" sz="1400" dirty="0"/>
+              <a:t>Alonzo Church (1903–1995), </a:t>
+            </a:r>
+          </a:p>
+          <a:p>
+            <a:r>
+              <a:rPr lang="en-US" sz="1400" dirty="0"/>
+              <a:t>mathematician, logician.</a:t>
+            </a:r>
           </a:p>
         </p:txBody>
       </p:sp>
@@ -7907,8 +8135,8 @@
             </p:nvSpPr>
             <p:spPr>
               <a:xfrm>
-                <a:off x="2590800" y="3810001"/>
-                <a:ext cx="3124200" cy="369332"/>
+                <a:off x="1524000" y="3810001"/>
+                <a:ext cx="6858000" cy="430887"/>
               </a:xfrm>
               <a:prstGeom prst="rect">
                 <a:avLst/>
@@ -7922,80 +8150,128 @@
               <a:lstStyle/>
               <a:p>
                 <a14:m>
-                  <m:oMathPara xmlns:m="http://schemas.openxmlformats.org/officeDocument/2006/math">
-                    <m:oMathParaPr>
-                      <m:jc m:val="centerGroup"/>
-                    </m:oMathParaPr>
-                    <m:oMath xmlns:m="http://schemas.openxmlformats.org/officeDocument/2006/math">
-                      <m:d>
-                        <m:dPr>
-                          <m:ctrlPr>
-                            <a:rPr lang="en-US" sz="2400" i="1" smtClean="0">
-                              <a:latin typeface="Cambria Math" panose="02040503050406030204" pitchFamily="18" charset="0"/>
-                            </a:rPr>
-                          </m:ctrlPr>
-                        </m:dPr>
-                        <m:e>
-                          <m:r>
-                            <a:rPr lang="en-US" sz="2400" i="1" smtClean="0">
-                              <a:latin typeface="Cambria Math" panose="02040503050406030204" pitchFamily="18" charset="0"/>
-                              <a:ea typeface="Cambria Math" panose="02040503050406030204" pitchFamily="18" charset="0"/>
-                            </a:rPr>
-                            <m:t>𝜆</m:t>
-                          </m:r>
-                          <m:r>
-                            <a:rPr lang="en-US" sz="2400" b="0" i="1" smtClean="0">
-                              <a:latin typeface="Cambria Math" panose="02040503050406030204" pitchFamily="18" charset="0"/>
-                              <a:ea typeface="Cambria Math" panose="02040503050406030204" pitchFamily="18" charset="0"/>
-                            </a:rPr>
-                            <m:t>𝑥</m:t>
-                          </m:r>
-                          <m:r>
-                            <a:rPr lang="en-US" sz="2400" b="0" i="1" smtClean="0">
-                              <a:latin typeface="Cambria Math" panose="02040503050406030204" pitchFamily="18" charset="0"/>
-                              <a:ea typeface="Cambria Math" panose="02040503050406030204" pitchFamily="18" charset="0"/>
-                            </a:rPr>
-                            <m:t>.</m:t>
-                          </m:r>
-                          <m:r>
-                            <a:rPr lang="en-US" sz="2400" b="0" i="1" smtClean="0">
-                              <a:latin typeface="Cambria Math" panose="02040503050406030204" pitchFamily="18" charset="0"/>
-                              <a:ea typeface="Cambria Math" panose="02040503050406030204" pitchFamily="18" charset="0"/>
-                            </a:rPr>
-                            <m:t>𝑥</m:t>
-                          </m:r>
-                          <m:r>
-                            <a:rPr lang="en-US" sz="2400" b="0" i="1" smtClean="0">
-                              <a:latin typeface="Cambria Math" panose="02040503050406030204" pitchFamily="18" charset="0"/>
-                              <a:ea typeface="Cambria Math" panose="02040503050406030204" pitchFamily="18" charset="0"/>
-                            </a:rPr>
-                            <m:t>+1</m:t>
-                          </m:r>
-                        </m:e>
-                      </m:d>
-                      <m:r>
-                        <a:rPr lang="en-US" sz="2400" b="0" i="1" smtClean="0">
-                          <a:latin typeface="Cambria Math" panose="02040503050406030204" pitchFamily="18" charset="0"/>
-                        </a:rPr>
-                        <m:t> 1 </m:t>
-                      </m:r>
-                      <m:r>
-                        <a:rPr lang="en-US" sz="2400" b="0" i="1" smtClean="0">
-                          <a:latin typeface="Cambria Math" panose="02040503050406030204" pitchFamily="18" charset="0"/>
-                          <a:ea typeface="Cambria Math" panose="02040503050406030204" pitchFamily="18" charset="0"/>
-                        </a:rPr>
-                        <m:t>⟹2</m:t>
-                      </m:r>
-                      <m:r>
-                        <a:rPr lang="en-US" sz="2400" b="0" i="1" smtClean="0">
-                          <a:latin typeface="Cambria Math" panose="02040503050406030204" pitchFamily="18" charset="0"/>
-                        </a:rPr>
-                        <m:t> </m:t>
-                      </m:r>
-                    </m:oMath>
-                  </m:oMathPara>
+                  <m:oMath xmlns:m="http://schemas.openxmlformats.org/officeDocument/2006/math">
+                    <m:d>
+                      <m:dPr>
+                        <m:ctrlPr>
+                          <a:rPr lang="en-US" sz="2800" i="1" smtClean="0">
+                            <a:latin typeface="Cambria Math" panose="02040503050406030204" pitchFamily="18" charset="0"/>
+                          </a:rPr>
+                        </m:ctrlPr>
+                      </m:dPr>
+                      <m:e>
+                        <m:r>
+                          <a:rPr lang="en-US" sz="2800" i="1" smtClean="0">
+                            <a:latin typeface="Cambria Math" panose="02040503050406030204" pitchFamily="18" charset="0"/>
+                            <a:ea typeface="Cambria Math" panose="02040503050406030204" pitchFamily="18" charset="0"/>
+                          </a:rPr>
+                          <m:t>𝜆</m:t>
+                        </m:r>
+                        <m:r>
+                          <a:rPr lang="en-US" sz="2800" b="0" i="1" smtClean="0">
+                            <a:latin typeface="Cambria Math" panose="02040503050406030204" pitchFamily="18" charset="0"/>
+                            <a:ea typeface="Cambria Math" panose="02040503050406030204" pitchFamily="18" charset="0"/>
+                          </a:rPr>
+                          <m:t>𝑥</m:t>
+                        </m:r>
+                        <m:r>
+                          <a:rPr lang="en-US" sz="2800" b="0" i="1" smtClean="0">
+                            <a:latin typeface="Cambria Math" panose="02040503050406030204" pitchFamily="18" charset="0"/>
+                            <a:ea typeface="Cambria Math" panose="02040503050406030204" pitchFamily="18" charset="0"/>
+                          </a:rPr>
+                          <m:t>.</m:t>
+                        </m:r>
+                        <m:r>
+                          <a:rPr lang="en-US" sz="2800" b="0" i="1" smtClean="0">
+                            <a:latin typeface="Cambria Math" panose="02040503050406030204" pitchFamily="18" charset="0"/>
+                            <a:ea typeface="Cambria Math" panose="02040503050406030204" pitchFamily="18" charset="0"/>
+                          </a:rPr>
+                          <m:t>𝑥</m:t>
+                        </m:r>
+                        <m:r>
+                          <a:rPr lang="en-US" sz="2800" b="0" i="1" smtClean="0">
+                            <a:latin typeface="Cambria Math" panose="02040503050406030204" pitchFamily="18" charset="0"/>
+                            <a:ea typeface="Cambria Math" panose="02040503050406030204" pitchFamily="18" charset="0"/>
+                          </a:rPr>
+                          <m:t>+1</m:t>
+                        </m:r>
+                      </m:e>
+                    </m:d>
+                    <m:r>
+                      <a:rPr lang="en-US" sz="2800" b="0" i="1" smtClean="0">
+                        <a:latin typeface="Cambria Math" panose="02040503050406030204" pitchFamily="18" charset="0"/>
+                      </a:rPr>
+                      <m:t> 1 </m:t>
+                    </m:r>
+                    <m:r>
+                      <a:rPr lang="en-US" sz="2800" b="0" i="1" smtClean="0">
+                        <a:latin typeface="Cambria Math" panose="02040503050406030204" pitchFamily="18" charset="0"/>
+                        <a:ea typeface="Cambria Math" panose="02040503050406030204" pitchFamily="18" charset="0"/>
+                      </a:rPr>
+                      <m:t>⟹</m:t>
+                    </m:r>
+                    <m:r>
+                      <a:rPr lang="en-US" sz="2800" b="0" i="1" smtClean="0">
+                        <a:latin typeface="Cambria Math" panose="02040503050406030204" pitchFamily="18" charset="0"/>
+                        <a:ea typeface="Cambria Math" panose="02040503050406030204" pitchFamily="18" charset="0"/>
+                      </a:rPr>
+                      <m:t>𝑥</m:t>
+                    </m:r>
+                    <m:r>
+                      <a:rPr lang="en-US" sz="2800" b="0" i="1" smtClean="0">
+                        <a:latin typeface="Cambria Math" panose="02040503050406030204" pitchFamily="18" charset="0"/>
+                        <a:ea typeface="Cambria Math" panose="02040503050406030204" pitchFamily="18" charset="0"/>
+                      </a:rPr>
+                      <m:t>+1[</m:t>
+                    </m:r>
+                    <m:r>
+                      <a:rPr lang="en-US" sz="2800" b="0" i="1" smtClean="0">
+                        <a:latin typeface="Cambria Math" panose="02040503050406030204" pitchFamily="18" charset="0"/>
+                        <a:ea typeface="Cambria Math" panose="02040503050406030204" pitchFamily="18" charset="0"/>
+                      </a:rPr>
+                      <m:t>𝑥</m:t>
+                    </m:r>
+                    <m:r>
+                      <a:rPr lang="en-US" sz="2800" b="0" i="1" smtClean="0">
+                        <a:latin typeface="Cambria Math" panose="02040503050406030204" pitchFamily="18" charset="0"/>
+                        <a:ea typeface="Cambria Math" panose="02040503050406030204" pitchFamily="18" charset="0"/>
+                      </a:rPr>
+                      <m:t>←1]⟹</m:t>
+                    </m:r>
+                  </m:oMath>
                 </a14:m>
-                <a:endParaRPr lang="en-US" sz="2400" dirty="0"/>
+                <a:r>
+                  <a:rPr lang="en-US" sz="2800" dirty="0"/>
+                  <a:t> 1+1</a:t>
+                </a:r>
+                <a:r>
+                  <a:rPr lang="en-US" sz="2800" dirty="0">
+                    <a:ea typeface="Cambria Math" panose="02040503050406030204" pitchFamily="18" charset="0"/>
+                  </a:rPr>
+                  <a:t> </a:t>
+                </a:r>
+                <a14:m>
+                  <m:oMath xmlns:m="http://schemas.openxmlformats.org/officeDocument/2006/math">
+                    <m:r>
+                      <a:rPr lang="en-US" sz="2800" i="1">
+                        <a:latin typeface="Cambria Math" panose="02040503050406030204" pitchFamily="18" charset="0"/>
+                        <a:ea typeface="Cambria Math" panose="02040503050406030204" pitchFamily="18" charset="0"/>
+                      </a:rPr>
+                      <m:t>⟹</m:t>
+                    </m:r>
+                    <m:r>
+                      <a:rPr lang="en-US" sz="2800" b="0" i="1" smtClean="0">
+                        <a:latin typeface="Cambria Math" panose="02040503050406030204" pitchFamily="18" charset="0"/>
+                        <a:ea typeface="Cambria Math" panose="02040503050406030204" pitchFamily="18" charset="0"/>
+                      </a:rPr>
+                      <m:t> </m:t>
+                    </m:r>
+                  </m:oMath>
+                </a14:m>
+                <a:r>
+                  <a:rPr lang="en-US" sz="2800" dirty="0"/>
+                  <a:t>2</a:t>
+                </a:r>
               </a:p>
             </p:txBody>
           </p:sp>
@@ -8017,8 +8293,8 @@
             </p:nvSpPr>
             <p:spPr>
               <a:xfrm>
-                <a:off x="2590800" y="3810001"/>
-                <a:ext cx="3124200" cy="369332"/>
+                <a:off x="1524000" y="3810001"/>
+                <a:ext cx="6858000" cy="430887"/>
               </a:xfrm>
               <a:prstGeom prst="rect">
                 <a:avLst/>
@@ -8026,7 +8302,7 @@
               <a:blipFill>
                 <a:blip r:embed="rId2"/>
                 <a:stretch>
-                  <a:fillRect t="-6667" b="-36667"/>
+                  <a:fillRect t="-25714" b="-45714"/>
                 </a:stretch>
               </a:blipFill>
             </p:spPr>
@@ -8080,6 +8356,229 @@
           <p:cNvPr id="2" name="Title 1">
             <a:extLst>
               <a:ext uri="{FF2B5EF4-FFF2-40B4-BE49-F238E27FC236}">
+                <a16:creationId xmlns:a16="http://schemas.microsoft.com/office/drawing/2014/main" id="{A01C81C0-44AC-6241-BAC1-947DAD0329FE}"/>
+              </a:ext>
+            </a:extLst>
+          </p:cNvPr>
+          <p:cNvSpPr>
+            <a:spLocks noGrp="1"/>
+          </p:cNvSpPr>
+          <p:nvPr>
+            <p:ph type="title"/>
+          </p:nvPr>
+        </p:nvSpPr>
+        <p:spPr/>
+        <p:txBody>
+          <a:bodyPr/>
+          <a:lstStyle/>
+          <a:p>
+            <a:r>
+              <a:rPr lang="en-US" dirty="0"/>
+              <a:t>Asteroid Functions</a:t>
+            </a:r>
+          </a:p>
+        </p:txBody>
+      </p:sp>
+      <p:pic>
+        <p:nvPicPr>
+          <p:cNvPr id="4" name="Picture 3">
+            <a:extLst>
+              <a:ext uri="{FF2B5EF4-FFF2-40B4-BE49-F238E27FC236}">
+                <a16:creationId xmlns:a16="http://schemas.microsoft.com/office/drawing/2014/main" id="{FDA63802-2D1E-0A46-BD7B-B7A83881E3E2}"/>
+              </a:ext>
+            </a:extLst>
+          </p:cNvPr>
+          <p:cNvPicPr>
+            <a:picLocks noChangeAspect="1"/>
+          </p:cNvPicPr>
+          <p:nvPr/>
+        </p:nvPicPr>
+        <p:blipFill>
+          <a:blip r:embed="rId2"/>
+          <a:stretch>
+            <a:fillRect/>
+          </a:stretch>
+        </p:blipFill>
+        <p:spPr>
+          <a:xfrm>
+            <a:off x="2514600" y="2286000"/>
+            <a:ext cx="3398520" cy="1752600"/>
+          </a:xfrm>
+          <a:prstGeom prst="rect">
+            <a:avLst/>
+          </a:prstGeom>
+          <a:ln>
+            <a:solidFill>
+              <a:schemeClr val="tx1"/>
+            </a:solidFill>
+          </a:ln>
+        </p:spPr>
+      </p:pic>
+      <p:cxnSp>
+        <p:nvCxnSpPr>
+          <p:cNvPr id="6" name="Straight Arrow Connector 5">
+            <a:extLst>
+              <a:ext uri="{FF2B5EF4-FFF2-40B4-BE49-F238E27FC236}">
+                <a16:creationId xmlns:a16="http://schemas.microsoft.com/office/drawing/2014/main" id="{A9318E56-5042-F74E-9AF1-3EC388FF698A}"/>
+              </a:ext>
+            </a:extLst>
+          </p:cNvPr>
+          <p:cNvCxnSpPr/>
+          <p:nvPr/>
+        </p:nvCxnSpPr>
+        <p:spPr bwMode="auto">
+          <a:xfrm flipV="1">
+            <a:off x="3581400" y="3962400"/>
+            <a:ext cx="457200" cy="685800"/>
+          </a:xfrm>
+          <a:prstGeom prst="straightConnector1">
+            <a:avLst/>
+          </a:prstGeom>
+          <a:solidFill>
+            <a:schemeClr val="accent1"/>
+          </a:solidFill>
+          <a:ln w="9525" cap="flat" cmpd="sng" algn="ctr">
+            <a:solidFill>
+              <a:schemeClr val="tx1"/>
+            </a:solidFill>
+            <a:prstDash val="solid"/>
+            <a:round/>
+            <a:headEnd type="none" w="med" len="med"/>
+            <a:tailEnd type="triangle"/>
+          </a:ln>
+          <a:effectLst/>
+          <a:extLst>
+            <a:ext uri="{AF507438-7753-43e0-B8FC-AC1667EBCBE1}">
+              <a14:hiddenEffects xmlns:a14="http://schemas.microsoft.com/office/drawing/2010/main" xmlns="">
+                <a:effectLst>
+                  <a:outerShdw blurRad="63500" dist="38099" dir="2700000" algn="ctr" rotWithShape="0">
+                    <a:schemeClr val="bg2">
+                      <a:alpha val="74998"/>
+                    </a:schemeClr>
+                  </a:outerShdw>
+                </a:effectLst>
+              </a14:hiddenEffects>
+            </a:ext>
+          </a:extLst>
+        </p:spPr>
+      </p:cxnSp>
+      <p:sp>
+        <p:nvSpPr>
+          <p:cNvPr id="7" name="TextBox 6">
+            <a:extLst>
+              <a:ext uri="{FF2B5EF4-FFF2-40B4-BE49-F238E27FC236}">
+                <a16:creationId xmlns:a16="http://schemas.microsoft.com/office/drawing/2014/main" id="{0D4D7879-720A-A544-8E02-575E598A5DBA}"/>
+              </a:ext>
+            </a:extLst>
+          </p:cNvPr>
+          <p:cNvSpPr txBox="1"/>
+          <p:nvPr/>
+        </p:nvSpPr>
+        <p:spPr>
+          <a:xfrm>
+            <a:off x="2438400" y="4724400"/>
+            <a:ext cx="2800767" cy="369332"/>
+          </a:xfrm>
+          <a:prstGeom prst="rect">
+            <a:avLst/>
+          </a:prstGeom>
+          <a:noFill/>
+        </p:spPr>
+        <p:txBody>
+          <a:bodyPr wrap="none" rtlCol="0">
+            <a:spAutoFit/>
+          </a:bodyPr>
+          <a:lstStyle/>
+          <a:p>
+            <a:r>
+              <a:rPr lang="en-US" sz="1800" dirty="0" err="1"/>
+              <a:t>inc</a:t>
+            </a:r>
+            <a:r>
+              <a:rPr lang="en-US" sz="1800" dirty="0"/>
+              <a:t> </a:t>
+            </a:r>
+            <a:r>
+              <a:rPr lang="en-US" sz="1800" b="1" dirty="0"/>
+              <a:t>applied</a:t>
+            </a:r>
+            <a:r>
+              <a:rPr lang="en-US" sz="1800" dirty="0"/>
+              <a:t> to the value 1</a:t>
+            </a:r>
+          </a:p>
+        </p:txBody>
+      </p:sp>
+      <p:sp>
+        <p:nvSpPr>
+          <p:cNvPr id="8" name="TextBox 7">
+            <a:extLst>
+              <a:ext uri="{FF2B5EF4-FFF2-40B4-BE49-F238E27FC236}">
+                <a16:creationId xmlns:a16="http://schemas.microsoft.com/office/drawing/2014/main" id="{38A01F00-03FE-CA40-B184-7BA2BE248CED}"/>
+              </a:ext>
+            </a:extLst>
+          </p:cNvPr>
+          <p:cNvSpPr txBox="1"/>
+          <p:nvPr/>
+        </p:nvSpPr>
+        <p:spPr>
+          <a:xfrm>
+            <a:off x="6224954" y="3575538"/>
+            <a:ext cx="1289135" cy="307777"/>
+          </a:xfrm>
+          <a:prstGeom prst="rect">
+            <a:avLst/>
+          </a:prstGeom>
+          <a:noFill/>
+        </p:spPr>
+        <p:txBody>
+          <a:bodyPr wrap="none" rtlCol="0">
+            <a:spAutoFit/>
+          </a:bodyPr>
+          <a:lstStyle/>
+          <a:p>
+            <a:r>
+              <a:rPr lang="en-US" sz="1400" dirty="0"/>
+              <a:t>ln006/inc1.ast</a:t>
+            </a:r>
+          </a:p>
+        </p:txBody>
+      </p:sp>
+    </p:spTree>
+    <p:extLst>
+      <p:ext uri="{BB962C8B-B14F-4D97-AF65-F5344CB8AC3E}">
+        <p14:creationId xmlns:p14="http://schemas.microsoft.com/office/powerpoint/2010/main" val="3981444233"/>
+      </p:ext>
+    </p:extLst>
+  </p:cSld>
+  <p:clrMapOvr>
+    <a:masterClrMapping/>
+  </p:clrMapOvr>
+</p:sld>
+</file>
+
+<file path=ppt/slides/slide6.xml><?xml version="1.0" encoding="utf-8"?>
+<p:sld xmlns:a="http://schemas.openxmlformats.org/drawingml/2006/main" xmlns:r="http://schemas.openxmlformats.org/officeDocument/2006/relationships" xmlns:p="http://schemas.openxmlformats.org/presentationml/2006/main">
+  <p:cSld>
+    <p:spTree>
+      <p:nvGrpSpPr>
+        <p:cNvPr id="1" name=""/>
+        <p:cNvGrpSpPr/>
+        <p:nvPr/>
+      </p:nvGrpSpPr>
+      <p:grpSpPr>
+        <a:xfrm>
+          <a:off x="0" y="0"/>
+          <a:ext cx="0" cy="0"/>
+          <a:chOff x="0" y="0"/>
+          <a:chExt cx="0" cy="0"/>
+        </a:xfrm>
+      </p:grpSpPr>
+      <p:sp>
+        <p:nvSpPr>
+          <p:cNvPr id="2" name="Title 1">
+            <a:extLst>
+              <a:ext uri="{FF2B5EF4-FFF2-40B4-BE49-F238E27FC236}">
                 <a16:creationId xmlns:a16="http://schemas.microsoft.com/office/drawing/2014/main" id="{CAFDA98E-0F6D-3245-A113-B60B043A3C5A}"/>
               </a:ext>
             </a:extLst>
@@ -8154,8 +8653,8 @@
             </p:nvSpPr>
             <p:spPr>
               <a:xfrm>
-                <a:off x="2133600" y="4721423"/>
-                <a:ext cx="4800600" cy="369332"/>
+                <a:off x="609600" y="3962400"/>
+                <a:ext cx="7924800" cy="369332"/>
               </a:xfrm>
               <a:prstGeom prst="rect">
                 <a:avLst/>
@@ -8262,30 +8761,29 @@
                         </a:rPr>
                         <m:t> </m:t>
                       </m:r>
-                      <m:r>
-                        <a:rPr lang="en-US" sz="2400" b="0" i="1" smtClean="0">
-                          <a:latin typeface="Cambria Math" panose="02040503050406030204" pitchFamily="18" charset="0"/>
-                        </a:rPr>
-                        <m:t>(</m:t>
-                      </m:r>
-                      <m:r>
-                        <a:rPr lang="en-US" sz="2400" b="0" i="1" smtClean="0">
-                          <a:latin typeface="Cambria Math" panose="02040503050406030204" pitchFamily="18" charset="0"/>
-                        </a:rPr>
-                        <m:t>1</m:t>
-                      </m:r>
-                      <m:r>
-                        <a:rPr lang="en-US" sz="2400" b="0" i="1" smtClean="0">
-                          <a:latin typeface="Cambria Math" panose="02040503050406030204" pitchFamily="18" charset="0"/>
-                        </a:rPr>
-                        <m:t>,2)</m:t>
-                      </m:r>
-                      <m:r>
-                        <a:rPr lang="en-US" sz="2400" b="0" i="1" smtClean="0">
-                          <a:latin typeface="Cambria Math" panose="02040503050406030204" pitchFamily="18" charset="0"/>
-                        </a:rPr>
-                        <m:t> </m:t>
-                      </m:r>
+                      <m:d>
+                        <m:dPr>
+                          <m:ctrlPr>
+                            <a:rPr lang="en-US" sz="2400" b="0" i="1" smtClean="0">
+                              <a:latin typeface="Cambria Math" panose="02040503050406030204" pitchFamily="18" charset="0"/>
+                            </a:rPr>
+                          </m:ctrlPr>
+                        </m:dPr>
+                        <m:e>
+                          <m:r>
+                            <a:rPr lang="en-US" sz="2400" b="0" i="1" smtClean="0">
+                              <a:latin typeface="Cambria Math" panose="02040503050406030204" pitchFamily="18" charset="0"/>
+                            </a:rPr>
+                            <m:t>1</m:t>
+                          </m:r>
+                          <m:r>
+                            <a:rPr lang="en-US" sz="2400" b="0" i="1" smtClean="0">
+                              <a:latin typeface="Cambria Math" panose="02040503050406030204" pitchFamily="18" charset="0"/>
+                            </a:rPr>
+                            <m:t>,2</m:t>
+                          </m:r>
+                        </m:e>
+                      </m:d>
                       <m:r>
                         <a:rPr lang="en-US" sz="2400" b="0" i="1" smtClean="0">
                           <a:latin typeface="Cambria Math" panose="02040503050406030204" pitchFamily="18" charset="0"/>
@@ -8293,12 +8791,94 @@
                         </a:rPr>
                         <m:t>⟹</m:t>
                       </m:r>
+                      <m:d>
+                        <m:dPr>
+                          <m:ctrlPr>
+                            <a:rPr lang="en-US" sz="2400" b="0" i="1" smtClean="0">
+                              <a:latin typeface="Cambria Math" panose="02040503050406030204" pitchFamily="18" charset="0"/>
+                              <a:ea typeface="Cambria Math" panose="02040503050406030204" pitchFamily="18" charset="0"/>
+                            </a:rPr>
+                          </m:ctrlPr>
+                        </m:dPr>
+                        <m:e>
+                          <m:r>
+                            <a:rPr lang="en-US" sz="2400" b="0" i="1" smtClean="0">
+                              <a:latin typeface="Cambria Math" panose="02040503050406030204" pitchFamily="18" charset="0"/>
+                              <a:ea typeface="Cambria Math" panose="02040503050406030204" pitchFamily="18" charset="0"/>
+                            </a:rPr>
+                            <m:t>2</m:t>
+                          </m:r>
+                          <m:r>
+                            <a:rPr lang="en-US" sz="2400" b="0" i="1" smtClean="0">
+                              <a:latin typeface="Cambria Math" panose="02040503050406030204" pitchFamily="18" charset="0"/>
+                              <a:ea typeface="Cambria Math" panose="02040503050406030204" pitchFamily="18" charset="0"/>
+                            </a:rPr>
+                            <m:t>𝑥</m:t>
+                          </m:r>
+                          <m:r>
+                            <a:rPr lang="en-US" sz="2400" b="0" i="1" smtClean="0">
+                              <a:latin typeface="Cambria Math" panose="02040503050406030204" pitchFamily="18" charset="0"/>
+                              <a:ea typeface="Cambria Math" panose="02040503050406030204" pitchFamily="18" charset="0"/>
+                            </a:rPr>
+                            <m:t>,3</m:t>
+                          </m:r>
+                          <m:r>
+                            <a:rPr lang="en-US" sz="2400" b="0" i="1" smtClean="0">
+                              <a:latin typeface="Cambria Math" panose="02040503050406030204" pitchFamily="18" charset="0"/>
+                              <a:ea typeface="Cambria Math" panose="02040503050406030204" pitchFamily="18" charset="0"/>
+                            </a:rPr>
+                            <m:t>𝑦</m:t>
+                          </m:r>
+                        </m:e>
+                      </m:d>
+                      <m:d>
+                        <m:dPr>
+                          <m:begChr m:val="["/>
+                          <m:endChr m:val="]"/>
+                          <m:ctrlPr>
+                            <a:rPr lang="en-US" sz="2400" b="0" i="1" smtClean="0">
+                              <a:latin typeface="Cambria Math" panose="02040503050406030204" pitchFamily="18" charset="0"/>
+                              <a:ea typeface="Cambria Math" panose="02040503050406030204" pitchFamily="18" charset="0"/>
+                            </a:rPr>
+                          </m:ctrlPr>
+                        </m:dPr>
+                        <m:e>
+                          <m:r>
+                            <a:rPr lang="en-US" sz="2400" b="0" i="1" smtClean="0">
+                              <a:latin typeface="Cambria Math" panose="02040503050406030204" pitchFamily="18" charset="0"/>
+                              <a:ea typeface="Cambria Math" panose="02040503050406030204" pitchFamily="18" charset="0"/>
+                            </a:rPr>
+                            <m:t>𝑥</m:t>
+                          </m:r>
+                          <m:r>
+                            <a:rPr lang="en-US" sz="2400" b="0" i="1" smtClean="0">
+                              <a:latin typeface="Cambria Math" panose="02040503050406030204" pitchFamily="18" charset="0"/>
+                              <a:ea typeface="Cambria Math" panose="02040503050406030204" pitchFamily="18" charset="0"/>
+                            </a:rPr>
+                            <m:t>←1,</m:t>
+                          </m:r>
+                          <m:r>
+                            <a:rPr lang="en-US" sz="2400" b="0" i="1" smtClean="0">
+                              <a:latin typeface="Cambria Math" panose="02040503050406030204" pitchFamily="18" charset="0"/>
+                              <a:ea typeface="Cambria Math" panose="02040503050406030204" pitchFamily="18" charset="0"/>
+                            </a:rPr>
+                            <m:t>𝑦</m:t>
+                          </m:r>
+                          <m:r>
+                            <a:rPr lang="en-US" sz="2400" b="0" i="1" smtClean="0">
+                              <a:latin typeface="Cambria Math" panose="02040503050406030204" pitchFamily="18" charset="0"/>
+                              <a:ea typeface="Cambria Math" panose="02040503050406030204" pitchFamily="18" charset="0"/>
+                            </a:rPr>
+                            <m:t>←2</m:t>
+                          </m:r>
+                        </m:e>
+                      </m:d>
                       <m:r>
-                        <a:rPr lang="en-US" sz="2400" b="0" i="1" smtClean="0">
+                        <a:rPr lang="en-US" sz="2400" i="1">
                           <a:latin typeface="Cambria Math" panose="02040503050406030204" pitchFamily="18" charset="0"/>
                           <a:ea typeface="Cambria Math" panose="02040503050406030204" pitchFamily="18" charset="0"/>
                         </a:rPr>
-                        <m:t>(</m:t>
+                        <m:t>⟹(</m:t>
                       </m:r>
                       <m:r>
                         <a:rPr lang="en-US" sz="2400" b="0" i="1" smtClean="0">
@@ -8345,8 +8925,8 @@
             </p:nvSpPr>
             <p:spPr>
               <a:xfrm>
-                <a:off x="2133600" y="4721423"/>
-                <a:ext cx="4800600" cy="369332"/>
+                <a:off x="609600" y="3962400"/>
+                <a:ext cx="7924800" cy="369332"/>
               </a:xfrm>
               <a:prstGeom prst="rect">
                 <a:avLst/>
@@ -8354,7 +8934,7 @@
               <a:blipFill>
                 <a:blip r:embed="rId2"/>
                 <a:stretch>
-                  <a:fillRect t="-6897" b="-41379"/>
+                  <a:fillRect t="-6667" r="-481" b="-36667"/>
                 </a:stretch>
               </a:blipFill>
             </p:spPr>
@@ -8373,6 +8953,89 @@
           </p:sp>
         </mc:Fallback>
       </mc:AlternateContent>
+      <p:cxnSp>
+        <p:nvCxnSpPr>
+          <p:cNvPr id="6" name="Straight Arrow Connector 5">
+            <a:extLst>
+              <a:ext uri="{FF2B5EF4-FFF2-40B4-BE49-F238E27FC236}">
+                <a16:creationId xmlns:a16="http://schemas.microsoft.com/office/drawing/2014/main" id="{3613BE31-C6E0-7E4B-A11F-9DCE32309FD3}"/>
+              </a:ext>
+            </a:extLst>
+          </p:cNvPr>
+          <p:cNvCxnSpPr/>
+          <p:nvPr/>
+        </p:nvCxnSpPr>
+        <p:spPr bwMode="auto">
+          <a:xfrm flipH="1" flipV="1">
+            <a:off x="1371600" y="4331732"/>
+            <a:ext cx="152400" cy="697468"/>
+          </a:xfrm>
+          <a:prstGeom prst="straightConnector1">
+            <a:avLst/>
+          </a:prstGeom>
+          <a:solidFill>
+            <a:schemeClr val="accent1"/>
+          </a:solidFill>
+          <a:ln w="9525" cap="flat" cmpd="sng" algn="ctr">
+            <a:solidFill>
+              <a:schemeClr val="tx1"/>
+            </a:solidFill>
+            <a:prstDash val="solid"/>
+            <a:round/>
+            <a:headEnd type="none" w="med" len="med"/>
+            <a:tailEnd type="triangle"/>
+          </a:ln>
+          <a:effectLst/>
+          <a:extLst>
+            <a:ext uri="{AF507438-7753-43e0-B8FC-AC1667EBCBE1}">
+              <a14:hiddenEffects xmlns:a14="http://schemas.microsoft.com/office/drawing/2010/main" xmlns="">
+                <a:effectLst>
+                  <a:outerShdw blurRad="63500" dist="38099" dir="2700000" algn="ctr" rotWithShape="0">
+                    <a:schemeClr val="bg2">
+                      <a:alpha val="74998"/>
+                    </a:schemeClr>
+                  </a:outerShdw>
+                </a:effectLst>
+              </a14:hiddenEffects>
+            </a:ext>
+          </a:extLst>
+        </p:spPr>
+      </p:cxnSp>
+      <p:sp>
+        <p:nvSpPr>
+          <p:cNvPr id="7" name="TextBox 6">
+            <a:extLst>
+              <a:ext uri="{FF2B5EF4-FFF2-40B4-BE49-F238E27FC236}">
+                <a16:creationId xmlns:a16="http://schemas.microsoft.com/office/drawing/2014/main" id="{D10345EB-2669-D64B-972F-55C348A974C2}"/>
+              </a:ext>
+            </a:extLst>
+          </p:cNvPr>
+          <p:cNvSpPr txBox="1"/>
+          <p:nvPr/>
+        </p:nvSpPr>
+        <p:spPr>
+          <a:xfrm>
+            <a:off x="1371600" y="5029200"/>
+            <a:ext cx="1596912" cy="307777"/>
+          </a:xfrm>
+          <a:prstGeom prst="rect">
+            <a:avLst/>
+          </a:prstGeom>
+          <a:noFill/>
+        </p:spPr>
+        <p:txBody>
+          <a:bodyPr wrap="none" rtlCol="0">
+            <a:spAutoFit/>
+          </a:bodyPr>
+          <a:lstStyle/>
+          <a:p>
+            <a:r>
+              <a:rPr lang="en-US" sz="1400" dirty="0"/>
+              <a:t>Single parameter!</a:t>
+            </a:r>
+          </a:p>
+        </p:txBody>
+      </p:sp>
     </p:spTree>
     <p:extLst>
       <p:ext uri="{BB962C8B-B14F-4D97-AF65-F5344CB8AC3E}">
@@ -8386,7 +9049,7 @@
 </p:sld>
 </file>
 
-<file path=ppt/slides/slide6.xml><?xml version="1.0" encoding="utf-8"?>
+<file path=ppt/slides/slide7.xml><?xml version="1.0" encoding="utf-8"?>
 <p:sld xmlns:a="http://schemas.openxmlformats.org/drawingml/2006/main" xmlns:r="http://schemas.openxmlformats.org/officeDocument/2006/relationships" xmlns:p="http://schemas.openxmlformats.org/presentationml/2006/main">
   <p:cSld>
     <p:spTree>
@@ -8518,7 +9181,7 @@
         </p:nvSpPr>
         <p:spPr>
           <a:xfrm>
-            <a:off x="3364523" y="6131169"/>
+            <a:off x="5410200" y="6178550"/>
             <a:ext cx="1478290" cy="307777"/>
           </a:xfrm>
           <a:prstGeom prst="rect">
@@ -8635,7 +9298,7 @@
 </p:sld>
 </file>
 
-<file path=ppt/slides/slide7.xml><?xml version="1.0" encoding="utf-8"?>
+<file path=ppt/slides/slide8.xml><?xml version="1.0" encoding="utf-8"?>
 <p:sld xmlns:a="http://schemas.openxmlformats.org/drawingml/2006/main" xmlns:r="http://schemas.openxmlformats.org/officeDocument/2006/relationships" xmlns:p="http://schemas.openxmlformats.org/presentationml/2006/main">
   <p:cSld>
     <p:spTree>
@@ -8882,7 +9545,7 @@
 </p:sld>
 </file>
 
-<file path=ppt/slides/slide8.xml><?xml version="1.0" encoding="utf-8"?>
+<file path=ppt/slides/slide9.xml><?xml version="1.0" encoding="utf-8"?>
 <p:sld xmlns:a="http://schemas.openxmlformats.org/drawingml/2006/main" xmlns:r="http://schemas.openxmlformats.org/officeDocument/2006/relationships" xmlns:p="http://schemas.openxmlformats.org/presentationml/2006/main">
   <p:cSld>
     <p:spTree>
@@ -8922,7 +9585,7 @@
           <a:p>
             <a:r>
               <a:rPr lang="en-US" dirty="0"/>
-              <a:t>Function Calls</a:t>
+              <a:t>Function Calls in Python</a:t>
             </a:r>
           </a:p>
         </p:txBody>
@@ -9080,134 +9743,6 @@
     <p:extLst>
       <p:ext uri="{BB962C8B-B14F-4D97-AF65-F5344CB8AC3E}">
         <p14:creationId xmlns:p14="http://schemas.microsoft.com/office/powerpoint/2010/main" val="2091790902"/>
-      </p:ext>
-    </p:extLst>
-  </p:cSld>
-  <p:clrMapOvr>
-    <a:masterClrMapping/>
-  </p:clrMapOvr>
-</p:sld>
-</file>
-
-<file path=ppt/slides/slide9.xml><?xml version="1.0" encoding="utf-8"?>
-<p:sld xmlns:a="http://schemas.openxmlformats.org/drawingml/2006/main" xmlns:r="http://schemas.openxmlformats.org/officeDocument/2006/relationships" xmlns:p="http://schemas.openxmlformats.org/presentationml/2006/main">
-  <p:cSld>
-    <p:spTree>
-      <p:nvGrpSpPr>
-        <p:cNvPr id="1" name=""/>
-        <p:cNvGrpSpPr/>
-        <p:nvPr/>
-      </p:nvGrpSpPr>
-      <p:grpSpPr>
-        <a:xfrm>
-          <a:off x="0" y="0"/>
-          <a:ext cx="0" cy="0"/>
-          <a:chOff x="0" y="0"/>
-          <a:chExt cx="0" cy="0"/>
-        </a:xfrm>
-      </p:grpSpPr>
-      <p:sp>
-        <p:nvSpPr>
-          <p:cNvPr id="2" name="Title 1">
-            <a:extLst>
-              <a:ext uri="{FF2B5EF4-FFF2-40B4-BE49-F238E27FC236}">
-                <a16:creationId xmlns:a16="http://schemas.microsoft.com/office/drawing/2014/main" id="{64E5D07C-5D0B-1B49-AC02-65310BEF7FFA}"/>
-              </a:ext>
-            </a:extLst>
-          </p:cNvPr>
-          <p:cNvSpPr>
-            <a:spLocks noGrp="1"/>
-          </p:cNvSpPr>
-          <p:nvPr>
-            <p:ph type="title"/>
-          </p:nvPr>
-        </p:nvSpPr>
-        <p:spPr/>
-        <p:txBody>
-          <a:bodyPr/>
-          <a:lstStyle/>
-          <a:p>
-            <a:r>
-              <a:rPr lang="en-US" dirty="0"/>
-              <a:t>Function Calls</a:t>
-            </a:r>
-          </a:p>
-        </p:txBody>
-      </p:sp>
-      <p:sp>
-        <p:nvSpPr>
-          <p:cNvPr id="3" name="Content Placeholder 2">
-            <a:extLst>
-              <a:ext uri="{FF2B5EF4-FFF2-40B4-BE49-F238E27FC236}">
-                <a16:creationId xmlns:a16="http://schemas.microsoft.com/office/drawing/2014/main" id="{E54BB541-9D8C-8D47-BBC8-AE6BE22E2C45}"/>
-              </a:ext>
-            </a:extLst>
-          </p:cNvPr>
-          <p:cNvSpPr>
-            <a:spLocks noGrp="1"/>
-          </p:cNvSpPr>
-          <p:nvPr>
-            <p:ph idx="1"/>
-          </p:nvPr>
-        </p:nvSpPr>
-        <p:spPr>
-          <a:xfrm>
-            <a:off x="1524000" y="1447800"/>
-            <a:ext cx="7010400" cy="1752600"/>
-          </a:xfrm>
-        </p:spPr>
-        <p:txBody>
-          <a:bodyPr>
-            <a:normAutofit/>
-          </a:bodyPr>
-          <a:lstStyle/>
-          <a:p>
-            <a:r>
-              <a:rPr lang="en-US" dirty="0"/>
-              <a:t>But it works fine in Asteroid,</a:t>
-            </a:r>
-          </a:p>
-        </p:txBody>
-      </p:sp>
-      <p:pic>
-        <p:nvPicPr>
-          <p:cNvPr id="4" name="Picture 3">
-            <a:extLst>
-              <a:ext uri="{FF2B5EF4-FFF2-40B4-BE49-F238E27FC236}">
-                <a16:creationId xmlns:a16="http://schemas.microsoft.com/office/drawing/2014/main" id="{4E7BB509-5D10-3D46-ADC6-AAB9E44FAE48}"/>
-              </a:ext>
-            </a:extLst>
-          </p:cNvPr>
-          <p:cNvPicPr>
-            <a:picLocks noChangeAspect="1"/>
-          </p:cNvPicPr>
-          <p:nvPr/>
-        </p:nvPicPr>
-        <p:blipFill>
-          <a:blip r:embed="rId2"/>
-          <a:stretch>
-            <a:fillRect/>
-          </a:stretch>
-        </p:blipFill>
-        <p:spPr>
-          <a:xfrm>
-            <a:off x="1553308" y="2701925"/>
-            <a:ext cx="4983956" cy="2971800"/>
-          </a:xfrm>
-          <a:prstGeom prst="rect">
-            <a:avLst/>
-          </a:prstGeom>
-          <a:ln>
-            <a:solidFill>
-              <a:schemeClr val="tx1"/>
-            </a:solidFill>
-          </a:ln>
-        </p:spPr>
-      </p:pic>
-    </p:spTree>
-    <p:extLst>
-      <p:ext uri="{BB962C8B-B14F-4D97-AF65-F5344CB8AC3E}">
-        <p14:creationId xmlns:p14="http://schemas.microsoft.com/office/powerpoint/2010/main" val="1430132341"/>
       </p:ext>
     </p:extLst>
   </p:cSld>

--- a/notes/csc493-ln006.pptx
+++ b/notes/csc493-ln006.pptx
@@ -5,10 +5,10 @@
     <p:sldMasterId id="2147483651" r:id="rId1"/>
   </p:sldMasterIdLst>
   <p:notesMasterIdLst>
-    <p:notesMasterId r:id="rId20"/>
+    <p:notesMasterId r:id="rId22"/>
   </p:notesMasterIdLst>
   <p:handoutMasterIdLst>
-    <p:handoutMasterId r:id="rId21"/>
+    <p:handoutMasterId r:id="rId23"/>
   </p:handoutMasterIdLst>
   <p:sldIdLst>
     <p:sldId id="281" r:id="rId2"/>
@@ -21,14 +21,16 @@
     <p:sldId id="283" r:id="rId9"/>
     <p:sldId id="278" r:id="rId10"/>
     <p:sldId id="284" r:id="rId11"/>
-    <p:sldId id="285" r:id="rId12"/>
-    <p:sldId id="286" r:id="rId13"/>
-    <p:sldId id="287" r:id="rId14"/>
-    <p:sldId id="288" r:id="rId15"/>
-    <p:sldId id="289" r:id="rId16"/>
-    <p:sldId id="291" r:id="rId17"/>
-    <p:sldId id="292" r:id="rId18"/>
-    <p:sldId id="290" r:id="rId19"/>
+    <p:sldId id="294" r:id="rId12"/>
+    <p:sldId id="295" r:id="rId13"/>
+    <p:sldId id="285" r:id="rId14"/>
+    <p:sldId id="286" r:id="rId15"/>
+    <p:sldId id="287" r:id="rId16"/>
+    <p:sldId id="288" r:id="rId17"/>
+    <p:sldId id="289" r:id="rId18"/>
+    <p:sldId id="291" r:id="rId19"/>
+    <p:sldId id="292" r:id="rId20"/>
+    <p:sldId id="290" r:id="rId21"/>
   </p:sldIdLst>
   <p:sldSz cx="9144000" cy="6858000" type="screen4x3"/>
   <p:notesSz cx="6856413" cy="9083675"/>
@@ -5505,7 +5507,7 @@
           <p:cNvPr id="2" name="Title 1">
             <a:extLst>
               <a:ext uri="{FF2B5EF4-FFF2-40B4-BE49-F238E27FC236}">
-                <a16:creationId xmlns:a16="http://schemas.microsoft.com/office/drawing/2014/main" id="{5FF1AA63-7844-B640-8D75-996969FD1CD3}"/>
+                <a16:creationId xmlns:a16="http://schemas.microsoft.com/office/drawing/2014/main" id="{29487FDB-B17A-6A42-99BA-A4BFC65AD923}"/>
               </a:ext>
             </a:extLst>
           </p:cNvPr>
@@ -5523,7 +5525,7 @@
           <a:p>
             <a:r>
               <a:rPr lang="en-US" dirty="0"/>
-              <a:t>Pattern Matching in Functions</a:t>
+              <a:t>Function Calls &amp; the None Type</a:t>
             </a:r>
           </a:p>
         </p:txBody>
@@ -5533,7 +5535,7 @@
           <p:cNvPr id="3" name="Content Placeholder 2">
             <a:extLst>
               <a:ext uri="{FF2B5EF4-FFF2-40B4-BE49-F238E27FC236}">
-                <a16:creationId xmlns:a16="http://schemas.microsoft.com/office/drawing/2014/main" id="{2246D305-8855-BA4B-B9AA-31FB5DAF07A5}"/>
+                <a16:creationId xmlns:a16="http://schemas.microsoft.com/office/drawing/2014/main" id="{18857CB7-CA94-7E4D-871D-CDA67D6F6657}"/>
               </a:ext>
             </a:extLst>
           </p:cNvPr>
@@ -5544,170 +5546,74 @@
             <p:ph idx="1"/>
           </p:nvPr>
         </p:nvSpPr>
-        <p:spPr>
-          <a:xfrm>
-            <a:off x="1524000" y="1717675"/>
-            <a:ext cx="7010400" cy="1219200"/>
-          </a:xfrm>
-        </p:spPr>
+        <p:spPr/>
         <p:txBody>
           <a:bodyPr>
-            <a:normAutofit fontScale="70000" lnSpcReduction="20000"/>
+            <a:normAutofit fontScale="62500" lnSpcReduction="20000"/>
           </a:bodyPr>
           <a:lstStyle/>
           <a:p>
             <a:r>
               <a:rPr lang="en-US" dirty="0"/>
-              <a:t>As we have seen, we can pattern match on the function argument</a:t>
+              <a:t>What if we have a function f that does not require any input parameters?</a:t>
             </a:r>
           </a:p>
           <a:p>
             <a:r>
               <a:rPr lang="en-US" dirty="0"/>
-              <a:t>That means we can use all the patterns we have learned so far</a:t>
-            </a:r>
-          </a:p>
-          <a:p>
-            <a:endParaRPr lang="en-US" dirty="0"/>
-          </a:p>
-        </p:txBody>
-      </p:sp>
-      <p:pic>
-        <p:nvPicPr>
-          <p:cNvPr id="4" name="Picture 3">
-            <a:extLst>
-              <a:ext uri="{FF2B5EF4-FFF2-40B4-BE49-F238E27FC236}">
-                <a16:creationId xmlns:a16="http://schemas.microsoft.com/office/drawing/2014/main" id="{FC4BF3EA-030F-554B-898B-A3B20CA04FDB}"/>
-              </a:ext>
-            </a:extLst>
-          </p:cNvPr>
-          <p:cNvPicPr>
-            <a:picLocks noChangeAspect="1"/>
-          </p:cNvPicPr>
-          <p:nvPr/>
-        </p:nvPicPr>
-        <p:blipFill>
-          <a:blip r:embed="rId2"/>
-          <a:stretch>
-            <a:fillRect/>
-          </a:stretch>
-        </p:blipFill>
-        <p:spPr>
-          <a:xfrm>
-            <a:off x="685800" y="2851901"/>
-            <a:ext cx="7010400" cy="1850407"/>
-          </a:xfrm>
-          <a:prstGeom prst="rect">
-            <a:avLst/>
-          </a:prstGeom>
-          <a:ln>
-            <a:solidFill>
-              <a:schemeClr val="tx1"/>
-            </a:solidFill>
-          </a:ln>
-        </p:spPr>
-      </p:pic>
-      <p:pic>
-        <p:nvPicPr>
-          <p:cNvPr id="7" name="Picture 6">
-            <a:extLst>
-              <a:ext uri="{FF2B5EF4-FFF2-40B4-BE49-F238E27FC236}">
-                <a16:creationId xmlns:a16="http://schemas.microsoft.com/office/drawing/2014/main" id="{C1230464-8F27-9548-B427-BB32218E5FE8}"/>
-              </a:ext>
-            </a:extLst>
-          </p:cNvPr>
-          <p:cNvPicPr>
-            <a:picLocks noChangeAspect="1"/>
-          </p:cNvPicPr>
-          <p:nvPr/>
-        </p:nvPicPr>
-        <p:blipFill>
-          <a:blip r:embed="rId3"/>
-          <a:stretch>
-            <a:fillRect/>
-          </a:stretch>
-        </p:blipFill>
-        <p:spPr>
-          <a:xfrm>
-            <a:off x="611554" y="5013107"/>
-            <a:ext cx="7389446" cy="1692493"/>
-          </a:xfrm>
-          <a:prstGeom prst="rect">
-            <a:avLst/>
-          </a:prstGeom>
-          <a:ln>
-            <a:solidFill>
-              <a:schemeClr val="tx1"/>
-            </a:solidFill>
-          </a:ln>
-        </p:spPr>
-      </p:pic>
-      <p:sp>
-        <p:nvSpPr>
-          <p:cNvPr id="8" name="TextBox 7">
-            <a:extLst>
-              <a:ext uri="{FF2B5EF4-FFF2-40B4-BE49-F238E27FC236}">
-                <a16:creationId xmlns:a16="http://schemas.microsoft.com/office/drawing/2014/main" id="{0BF95096-66AD-2445-BB17-362DF9874344}"/>
-              </a:ext>
-            </a:extLst>
-          </p:cNvPr>
-          <p:cNvSpPr txBox="1"/>
-          <p:nvPr/>
-        </p:nvSpPr>
-        <p:spPr>
-          <a:xfrm>
-            <a:off x="6880855" y="2514600"/>
-            <a:ext cx="1478290" cy="307777"/>
-          </a:xfrm>
-          <a:prstGeom prst="rect">
-            <a:avLst/>
-          </a:prstGeom>
-          <a:noFill/>
-        </p:spPr>
-        <p:txBody>
-          <a:bodyPr wrap="none" rtlCol="0">
-            <a:spAutoFit/>
-          </a:bodyPr>
-          <a:lstStyle/>
-          <a:p>
-            <a:r>
-              <a:rPr lang="en-US" sz="1400" dirty="0"/>
-              <a:t>ln006/scale3.ast</a:t>
-            </a:r>
-          </a:p>
-        </p:txBody>
-      </p:sp>
-      <p:sp>
-        <p:nvSpPr>
-          <p:cNvPr id="9" name="TextBox 8">
-            <a:extLst>
-              <a:ext uri="{FF2B5EF4-FFF2-40B4-BE49-F238E27FC236}">
-                <a16:creationId xmlns:a16="http://schemas.microsoft.com/office/drawing/2014/main" id="{C408CAB7-15EA-BE40-9046-514F3B7F64EC}"/>
-              </a:ext>
-            </a:extLst>
-          </p:cNvPr>
-          <p:cNvSpPr txBox="1"/>
-          <p:nvPr/>
-        </p:nvSpPr>
-        <p:spPr>
-          <a:xfrm>
-            <a:off x="7050248" y="4702308"/>
-            <a:ext cx="1497526" cy="307777"/>
-          </a:xfrm>
-          <a:prstGeom prst="rect">
-            <a:avLst/>
-          </a:prstGeom>
-          <a:noFill/>
-        </p:spPr>
-        <p:txBody>
-          <a:bodyPr wrap="none" rtlCol="0">
-            <a:spAutoFit/>
-          </a:bodyPr>
-          <a:lstStyle/>
-          <a:p>
-            <a:r>
-              <a:rPr lang="en-US" sz="1400" dirty="0"/>
-              <a:t>ln006/string1.ast</a:t>
+              <a:t>The problem is that in our function model we need to apply our functions to some sort of value in order to execute the function, e.g.</a:t>
+            </a:r>
+            <a:br>
+              <a:rPr lang="en-US" dirty="0"/>
+            </a:br>
+            <a:r>
+              <a:rPr lang="en-US" dirty="0"/>
+              <a:t>           f &lt;value&gt;</a:t>
+            </a:r>
+          </a:p>
+          <a:p>
+            <a:r>
+              <a:rPr lang="en-US" dirty="0"/>
+              <a:t>But our function does not need an input value…</a:t>
+            </a:r>
+          </a:p>
+          <a:p>
+            <a:r>
+              <a:rPr lang="en-US" dirty="0"/>
+              <a:t>Solution: make that value the none value,</a:t>
+            </a:r>
+            <a:br>
+              <a:rPr lang="en-US" dirty="0"/>
+            </a:br>
+            <a:r>
+              <a:rPr lang="en-US" dirty="0"/>
+              <a:t>           f none</a:t>
+            </a:r>
+            <a:br>
+              <a:rPr lang="en-US" dirty="0"/>
+            </a:br>
+            <a:r>
+              <a:rPr lang="en-US" dirty="0"/>
+              <a:t>or written in the 0-tuple notation</a:t>
+            </a:r>
+            <a:br>
+              <a:rPr lang="en-US" dirty="0"/>
+            </a:br>
+            <a:r>
+              <a:rPr lang="en-US" dirty="0"/>
+              <a:t>           f ()</a:t>
+            </a:r>
+          </a:p>
+          <a:p>
+            <a:r>
+              <a:rPr lang="en-US" dirty="0"/>
+              <a:t>Note: here the () does NOT mean the empty parameter list but represents the value none.</a:t>
+            </a:r>
+          </a:p>
+          <a:p>
+            <a:r>
+              <a:rPr lang="en-US" dirty="0"/>
+              <a:t>Since this is a value, we can pattern match it in the function body.</a:t>
             </a:r>
           </a:p>
         </p:txBody>
@@ -5715,7 +5621,7 @@
     </p:spTree>
     <p:extLst>
       <p:ext uri="{BB962C8B-B14F-4D97-AF65-F5344CB8AC3E}">
-        <p14:creationId xmlns:p14="http://schemas.microsoft.com/office/powerpoint/2010/main" val="3016624976"/>
+        <p14:creationId xmlns:p14="http://schemas.microsoft.com/office/powerpoint/2010/main" val="739012018"/>
       </p:ext>
     </p:extLst>
   </p:cSld>
@@ -5747,6 +5653,632 @@
           <p:cNvPr id="2" name="Title 1">
             <a:extLst>
               <a:ext uri="{FF2B5EF4-FFF2-40B4-BE49-F238E27FC236}">
+                <a16:creationId xmlns:a16="http://schemas.microsoft.com/office/drawing/2014/main" id="{29487FDB-B17A-6A42-99BA-A4BFC65AD923}"/>
+              </a:ext>
+            </a:extLst>
+          </p:cNvPr>
+          <p:cNvSpPr>
+            <a:spLocks noGrp="1"/>
+          </p:cNvSpPr>
+          <p:nvPr>
+            <p:ph type="title"/>
+          </p:nvPr>
+        </p:nvSpPr>
+        <p:spPr/>
+        <p:txBody>
+          <a:bodyPr/>
+          <a:lstStyle/>
+          <a:p>
+            <a:r>
+              <a:rPr lang="en-US" dirty="0"/>
+              <a:t>Function Calls &amp; the None Type</a:t>
+            </a:r>
+          </a:p>
+        </p:txBody>
+      </p:sp>
+      <p:sp>
+        <p:nvSpPr>
+          <p:cNvPr id="3" name="Content Placeholder 2">
+            <a:extLst>
+              <a:ext uri="{FF2B5EF4-FFF2-40B4-BE49-F238E27FC236}">
+                <a16:creationId xmlns:a16="http://schemas.microsoft.com/office/drawing/2014/main" id="{18857CB7-CA94-7E4D-871D-CDA67D6F6657}"/>
+              </a:ext>
+            </a:extLst>
+          </p:cNvPr>
+          <p:cNvSpPr>
+            <a:spLocks noGrp="1"/>
+          </p:cNvSpPr>
+          <p:nvPr>
+            <p:ph idx="1"/>
+          </p:nvPr>
+        </p:nvSpPr>
+        <p:spPr>
+          <a:xfrm>
+            <a:off x="1524000" y="1905000"/>
+            <a:ext cx="7010400" cy="1219200"/>
+          </a:xfrm>
+        </p:spPr>
+        <p:txBody>
+          <a:bodyPr>
+            <a:normAutofit fontScale="92500" lnSpcReduction="20000"/>
+          </a:bodyPr>
+          <a:lstStyle/>
+          <a:p>
+            <a:r>
+              <a:rPr lang="en-US" dirty="0"/>
+              <a:t>For example, a function that asks the user for input and returns that input as an integer value.</a:t>
+            </a:r>
+          </a:p>
+          <a:p>
+            <a:endParaRPr lang="en-US" dirty="0"/>
+          </a:p>
+        </p:txBody>
+      </p:sp>
+      <p:pic>
+        <p:nvPicPr>
+          <p:cNvPr id="4" name="Picture 3">
+            <a:extLst>
+              <a:ext uri="{FF2B5EF4-FFF2-40B4-BE49-F238E27FC236}">
+                <a16:creationId xmlns:a16="http://schemas.microsoft.com/office/drawing/2014/main" id="{B3AFD87C-5820-1C4D-9656-791F36703D59}"/>
+              </a:ext>
+            </a:extLst>
+          </p:cNvPr>
+          <p:cNvPicPr>
+            <a:picLocks noChangeAspect="1"/>
+          </p:cNvPicPr>
+          <p:nvPr/>
+        </p:nvPicPr>
+        <p:blipFill>
+          <a:blip r:embed="rId2"/>
+          <a:stretch>
+            <a:fillRect/>
+          </a:stretch>
+        </p:blipFill>
+        <p:spPr>
+          <a:xfrm>
+            <a:off x="304800" y="3124200"/>
+            <a:ext cx="6359430" cy="1527175"/>
+          </a:xfrm>
+          <a:prstGeom prst="rect">
+            <a:avLst/>
+          </a:prstGeom>
+          <a:ln>
+            <a:solidFill>
+              <a:schemeClr val="tx2"/>
+            </a:solidFill>
+          </a:ln>
+        </p:spPr>
+      </p:pic>
+      <p:sp>
+        <p:nvSpPr>
+          <p:cNvPr id="5" name="TextBox 4">
+            <a:extLst>
+              <a:ext uri="{FF2B5EF4-FFF2-40B4-BE49-F238E27FC236}">
+                <a16:creationId xmlns:a16="http://schemas.microsoft.com/office/drawing/2014/main" id="{5D96FC86-5D75-7F4E-97A6-46D6D6F2481D}"/>
+              </a:ext>
+            </a:extLst>
+          </p:cNvPr>
+          <p:cNvSpPr txBox="1"/>
+          <p:nvPr/>
+        </p:nvSpPr>
+        <p:spPr>
+          <a:xfrm>
+            <a:off x="6951785" y="4188023"/>
+            <a:ext cx="1447832" cy="307777"/>
+          </a:xfrm>
+          <a:prstGeom prst="rect">
+            <a:avLst/>
+          </a:prstGeom>
+          <a:noFill/>
+        </p:spPr>
+        <p:txBody>
+          <a:bodyPr wrap="none" rtlCol="0">
+            <a:spAutoFit/>
+          </a:bodyPr>
+          <a:lstStyle/>
+          <a:p>
+            <a:r>
+              <a:rPr lang="en-US" sz="1400" dirty="0"/>
+              <a:t>ln006/input1.ast</a:t>
+            </a:r>
+          </a:p>
+        </p:txBody>
+      </p:sp>
+      <p:pic>
+        <p:nvPicPr>
+          <p:cNvPr id="6" name="Picture 5">
+            <a:extLst>
+              <a:ext uri="{FF2B5EF4-FFF2-40B4-BE49-F238E27FC236}">
+                <a16:creationId xmlns:a16="http://schemas.microsoft.com/office/drawing/2014/main" id="{C5E9B698-828E-7747-9074-E6C4BFB7CA31}"/>
+              </a:ext>
+            </a:extLst>
+          </p:cNvPr>
+          <p:cNvPicPr>
+            <a:picLocks noChangeAspect="1"/>
+          </p:cNvPicPr>
+          <p:nvPr/>
+        </p:nvPicPr>
+        <p:blipFill>
+          <a:blip r:embed="rId3"/>
+          <a:stretch>
+            <a:fillRect/>
+          </a:stretch>
+        </p:blipFill>
+        <p:spPr>
+          <a:xfrm>
+            <a:off x="512715" y="4959152"/>
+            <a:ext cx="6477000" cy="1555409"/>
+          </a:xfrm>
+          <a:prstGeom prst="rect">
+            <a:avLst/>
+          </a:prstGeom>
+          <a:ln>
+            <a:solidFill>
+              <a:schemeClr val="tx2"/>
+            </a:solidFill>
+          </a:ln>
+        </p:spPr>
+      </p:pic>
+      <p:sp>
+        <p:nvSpPr>
+          <p:cNvPr id="7" name="TextBox 6">
+            <a:extLst>
+              <a:ext uri="{FF2B5EF4-FFF2-40B4-BE49-F238E27FC236}">
+                <a16:creationId xmlns:a16="http://schemas.microsoft.com/office/drawing/2014/main" id="{0D77B9BD-3F99-0146-BCFB-BCBB75CEE778}"/>
+              </a:ext>
+            </a:extLst>
+          </p:cNvPr>
+          <p:cNvSpPr txBox="1"/>
+          <p:nvPr/>
+        </p:nvSpPr>
+        <p:spPr>
+          <a:xfrm>
+            <a:off x="7177591" y="5426392"/>
+            <a:ext cx="1447832" cy="307777"/>
+          </a:xfrm>
+          <a:prstGeom prst="rect">
+            <a:avLst/>
+          </a:prstGeom>
+          <a:noFill/>
+        </p:spPr>
+        <p:txBody>
+          <a:bodyPr wrap="none" rtlCol="0">
+            <a:spAutoFit/>
+          </a:bodyPr>
+          <a:lstStyle/>
+          <a:p>
+            <a:r>
+              <a:rPr lang="en-US" sz="1400" dirty="0"/>
+              <a:t>ln006/input2.ast</a:t>
+            </a:r>
+          </a:p>
+        </p:txBody>
+      </p:sp>
+      <p:sp>
+        <p:nvSpPr>
+          <p:cNvPr id="8" name="TextBox 7">
+            <a:extLst>
+              <a:ext uri="{FF2B5EF4-FFF2-40B4-BE49-F238E27FC236}">
+                <a16:creationId xmlns:a16="http://schemas.microsoft.com/office/drawing/2014/main" id="{20CC0B02-565F-5A4F-8364-E6B838C4ADE7}"/>
+              </a:ext>
+            </a:extLst>
+          </p:cNvPr>
+          <p:cNvSpPr txBox="1"/>
+          <p:nvPr/>
+        </p:nvSpPr>
+        <p:spPr>
+          <a:xfrm>
+            <a:off x="6857682" y="2935069"/>
+            <a:ext cx="2133918" cy="923330"/>
+          </a:xfrm>
+          <a:prstGeom prst="rect">
+            <a:avLst/>
+          </a:prstGeom>
+          <a:noFill/>
+        </p:spPr>
+        <p:txBody>
+          <a:bodyPr wrap="none" rtlCol="0">
+            <a:spAutoFit/>
+          </a:bodyPr>
+          <a:lstStyle/>
+          <a:p>
+            <a:r>
+              <a:rPr lang="en-US" sz="1800" dirty="0"/>
+              <a:t>Pattern matching</a:t>
+            </a:r>
+          </a:p>
+          <a:p>
+            <a:r>
+              <a:rPr lang="en-US" sz="1800" dirty="0"/>
+              <a:t>none type constant</a:t>
+            </a:r>
+            <a:br>
+              <a:rPr lang="en-US" sz="1800" dirty="0"/>
+            </a:br>
+            <a:r>
+              <a:rPr lang="en-US" sz="1800" dirty="0"/>
+              <a:t>     none = ()</a:t>
+            </a:r>
+          </a:p>
+        </p:txBody>
+      </p:sp>
+      <p:cxnSp>
+        <p:nvCxnSpPr>
+          <p:cNvPr id="10" name="Straight Arrow Connector 9">
+            <a:extLst>
+              <a:ext uri="{FF2B5EF4-FFF2-40B4-BE49-F238E27FC236}">
+                <a16:creationId xmlns:a16="http://schemas.microsoft.com/office/drawing/2014/main" id="{C04FE322-FF6B-4D45-883C-EF626C8AA721}"/>
+              </a:ext>
+            </a:extLst>
+          </p:cNvPr>
+          <p:cNvCxnSpPr>
+            <a:cxnSpLocks/>
+          </p:cNvCxnSpPr>
+          <p:nvPr/>
+        </p:nvCxnSpPr>
+        <p:spPr bwMode="auto">
+          <a:xfrm flipH="1">
+            <a:off x="2895600" y="3300733"/>
+            <a:ext cx="3950518" cy="556277"/>
+          </a:xfrm>
+          <a:prstGeom prst="straightConnector1">
+            <a:avLst/>
+          </a:prstGeom>
+          <a:solidFill>
+            <a:schemeClr val="accent1"/>
+          </a:solidFill>
+          <a:ln w="9525" cap="flat" cmpd="sng" algn="ctr">
+            <a:solidFill>
+              <a:schemeClr val="tx1"/>
+            </a:solidFill>
+            <a:prstDash val="solid"/>
+            <a:round/>
+            <a:headEnd type="none" w="med" len="med"/>
+            <a:tailEnd type="triangle"/>
+          </a:ln>
+          <a:effectLst/>
+          <a:extLst>
+            <a:ext uri="{AF507438-7753-43e0-B8FC-AC1667EBCBE1}">
+              <a14:hiddenEffects xmlns:a14="http://schemas.microsoft.com/office/drawing/2010/main" xmlns="">
+                <a:effectLst>
+                  <a:outerShdw blurRad="63500" dist="38099" dir="2700000" algn="ctr" rotWithShape="0">
+                    <a:schemeClr val="bg2">
+                      <a:alpha val="74998"/>
+                    </a:schemeClr>
+                  </a:outerShdw>
+                </a:effectLst>
+              </a14:hiddenEffects>
+            </a:ext>
+          </a:extLst>
+        </p:spPr>
+      </p:cxnSp>
+      <p:cxnSp>
+        <p:nvCxnSpPr>
+          <p:cNvPr id="12" name="Straight Arrow Connector 11">
+            <a:extLst>
+              <a:ext uri="{FF2B5EF4-FFF2-40B4-BE49-F238E27FC236}">
+                <a16:creationId xmlns:a16="http://schemas.microsoft.com/office/drawing/2014/main" id="{1B851C91-0420-DD4C-BB3B-9FB8E89A5EFA}"/>
+              </a:ext>
+            </a:extLst>
+          </p:cNvPr>
+          <p:cNvCxnSpPr>
+            <a:cxnSpLocks/>
+          </p:cNvCxnSpPr>
+          <p:nvPr/>
+        </p:nvCxnSpPr>
+        <p:spPr bwMode="auto">
+          <a:xfrm flipH="1">
+            <a:off x="3200400" y="3311525"/>
+            <a:ext cx="3645718" cy="2422644"/>
+          </a:xfrm>
+          <a:prstGeom prst="straightConnector1">
+            <a:avLst/>
+          </a:prstGeom>
+          <a:solidFill>
+            <a:schemeClr val="accent1"/>
+          </a:solidFill>
+          <a:ln w="9525" cap="flat" cmpd="sng" algn="ctr">
+            <a:solidFill>
+              <a:schemeClr val="tx1"/>
+            </a:solidFill>
+            <a:prstDash val="solid"/>
+            <a:round/>
+            <a:headEnd type="none" w="med" len="med"/>
+            <a:tailEnd type="triangle"/>
+          </a:ln>
+          <a:effectLst/>
+          <a:extLst>
+            <a:ext uri="{AF507438-7753-43e0-B8FC-AC1667EBCBE1}">
+              <a14:hiddenEffects xmlns:a14="http://schemas.microsoft.com/office/drawing/2010/main" xmlns="">
+                <a:effectLst>
+                  <a:outerShdw blurRad="63500" dist="38099" dir="2700000" algn="ctr" rotWithShape="0">
+                    <a:schemeClr val="bg2">
+                      <a:alpha val="74998"/>
+                    </a:schemeClr>
+                  </a:outerShdw>
+                </a:effectLst>
+              </a14:hiddenEffects>
+            </a:ext>
+          </a:extLst>
+        </p:spPr>
+      </p:cxnSp>
+    </p:spTree>
+    <p:extLst>
+      <p:ext uri="{BB962C8B-B14F-4D97-AF65-F5344CB8AC3E}">
+        <p14:creationId xmlns:p14="http://schemas.microsoft.com/office/powerpoint/2010/main" val="2810005923"/>
+      </p:ext>
+    </p:extLst>
+  </p:cSld>
+  <p:clrMapOvr>
+    <a:masterClrMapping/>
+  </p:clrMapOvr>
+</p:sld>
+</file>
+
+<file path=ppt/slides/slide13.xml><?xml version="1.0" encoding="utf-8"?>
+<p:sld xmlns:a="http://schemas.openxmlformats.org/drawingml/2006/main" xmlns:r="http://schemas.openxmlformats.org/officeDocument/2006/relationships" xmlns:p="http://schemas.openxmlformats.org/presentationml/2006/main">
+  <p:cSld>
+    <p:spTree>
+      <p:nvGrpSpPr>
+        <p:cNvPr id="1" name=""/>
+        <p:cNvGrpSpPr/>
+        <p:nvPr/>
+      </p:nvGrpSpPr>
+      <p:grpSpPr>
+        <a:xfrm>
+          <a:off x="0" y="0"/>
+          <a:ext cx="0" cy="0"/>
+          <a:chOff x="0" y="0"/>
+          <a:chExt cx="0" cy="0"/>
+        </a:xfrm>
+      </p:grpSpPr>
+      <p:sp>
+        <p:nvSpPr>
+          <p:cNvPr id="2" name="Title 1">
+            <a:extLst>
+              <a:ext uri="{FF2B5EF4-FFF2-40B4-BE49-F238E27FC236}">
+                <a16:creationId xmlns:a16="http://schemas.microsoft.com/office/drawing/2014/main" id="{5FF1AA63-7844-B640-8D75-996969FD1CD3}"/>
+              </a:ext>
+            </a:extLst>
+          </p:cNvPr>
+          <p:cNvSpPr>
+            <a:spLocks noGrp="1"/>
+          </p:cNvSpPr>
+          <p:nvPr>
+            <p:ph type="title"/>
+          </p:nvPr>
+        </p:nvSpPr>
+        <p:spPr/>
+        <p:txBody>
+          <a:bodyPr/>
+          <a:lstStyle/>
+          <a:p>
+            <a:r>
+              <a:rPr lang="en-US" dirty="0"/>
+              <a:t>Pattern Matching in Functions</a:t>
+            </a:r>
+          </a:p>
+        </p:txBody>
+      </p:sp>
+      <p:sp>
+        <p:nvSpPr>
+          <p:cNvPr id="3" name="Content Placeholder 2">
+            <a:extLst>
+              <a:ext uri="{FF2B5EF4-FFF2-40B4-BE49-F238E27FC236}">
+                <a16:creationId xmlns:a16="http://schemas.microsoft.com/office/drawing/2014/main" id="{2246D305-8855-BA4B-B9AA-31FB5DAF07A5}"/>
+              </a:ext>
+            </a:extLst>
+          </p:cNvPr>
+          <p:cNvSpPr>
+            <a:spLocks noGrp="1"/>
+          </p:cNvSpPr>
+          <p:nvPr>
+            <p:ph idx="1"/>
+          </p:nvPr>
+        </p:nvSpPr>
+        <p:spPr>
+          <a:xfrm>
+            <a:off x="1524000" y="1717675"/>
+            <a:ext cx="7010400" cy="1219200"/>
+          </a:xfrm>
+        </p:spPr>
+        <p:txBody>
+          <a:bodyPr>
+            <a:normAutofit fontScale="70000" lnSpcReduction="20000"/>
+          </a:bodyPr>
+          <a:lstStyle/>
+          <a:p>
+            <a:r>
+              <a:rPr lang="en-US" dirty="0"/>
+              <a:t>As we have seen, we can pattern match on the function argument</a:t>
+            </a:r>
+          </a:p>
+          <a:p>
+            <a:r>
+              <a:rPr lang="en-US" dirty="0"/>
+              <a:t>That means we can use all the patterns we have learned so far</a:t>
+            </a:r>
+          </a:p>
+          <a:p>
+            <a:endParaRPr lang="en-US" dirty="0"/>
+          </a:p>
+        </p:txBody>
+      </p:sp>
+      <p:pic>
+        <p:nvPicPr>
+          <p:cNvPr id="4" name="Picture 3">
+            <a:extLst>
+              <a:ext uri="{FF2B5EF4-FFF2-40B4-BE49-F238E27FC236}">
+                <a16:creationId xmlns:a16="http://schemas.microsoft.com/office/drawing/2014/main" id="{FC4BF3EA-030F-554B-898B-A3B20CA04FDB}"/>
+              </a:ext>
+            </a:extLst>
+          </p:cNvPr>
+          <p:cNvPicPr>
+            <a:picLocks noChangeAspect="1"/>
+          </p:cNvPicPr>
+          <p:nvPr/>
+        </p:nvPicPr>
+        <p:blipFill>
+          <a:blip r:embed="rId2"/>
+          <a:stretch>
+            <a:fillRect/>
+          </a:stretch>
+        </p:blipFill>
+        <p:spPr>
+          <a:xfrm>
+            <a:off x="685800" y="2851901"/>
+            <a:ext cx="7010400" cy="1850407"/>
+          </a:xfrm>
+          <a:prstGeom prst="rect">
+            <a:avLst/>
+          </a:prstGeom>
+          <a:ln>
+            <a:solidFill>
+              <a:schemeClr val="tx1"/>
+            </a:solidFill>
+          </a:ln>
+        </p:spPr>
+      </p:pic>
+      <p:pic>
+        <p:nvPicPr>
+          <p:cNvPr id="7" name="Picture 6">
+            <a:extLst>
+              <a:ext uri="{FF2B5EF4-FFF2-40B4-BE49-F238E27FC236}">
+                <a16:creationId xmlns:a16="http://schemas.microsoft.com/office/drawing/2014/main" id="{C1230464-8F27-9548-B427-BB32218E5FE8}"/>
+              </a:ext>
+            </a:extLst>
+          </p:cNvPr>
+          <p:cNvPicPr>
+            <a:picLocks noChangeAspect="1"/>
+          </p:cNvPicPr>
+          <p:nvPr/>
+        </p:nvPicPr>
+        <p:blipFill>
+          <a:blip r:embed="rId3"/>
+          <a:stretch>
+            <a:fillRect/>
+          </a:stretch>
+        </p:blipFill>
+        <p:spPr>
+          <a:xfrm>
+            <a:off x="611554" y="5013107"/>
+            <a:ext cx="7389446" cy="1692493"/>
+          </a:xfrm>
+          <a:prstGeom prst="rect">
+            <a:avLst/>
+          </a:prstGeom>
+          <a:ln>
+            <a:solidFill>
+              <a:schemeClr val="tx1"/>
+            </a:solidFill>
+          </a:ln>
+        </p:spPr>
+      </p:pic>
+      <p:sp>
+        <p:nvSpPr>
+          <p:cNvPr id="8" name="TextBox 7">
+            <a:extLst>
+              <a:ext uri="{FF2B5EF4-FFF2-40B4-BE49-F238E27FC236}">
+                <a16:creationId xmlns:a16="http://schemas.microsoft.com/office/drawing/2014/main" id="{0BF95096-66AD-2445-BB17-362DF9874344}"/>
+              </a:ext>
+            </a:extLst>
+          </p:cNvPr>
+          <p:cNvSpPr txBox="1"/>
+          <p:nvPr/>
+        </p:nvSpPr>
+        <p:spPr>
+          <a:xfrm>
+            <a:off x="6880855" y="2514600"/>
+            <a:ext cx="1478290" cy="307777"/>
+          </a:xfrm>
+          <a:prstGeom prst="rect">
+            <a:avLst/>
+          </a:prstGeom>
+          <a:noFill/>
+        </p:spPr>
+        <p:txBody>
+          <a:bodyPr wrap="none" rtlCol="0">
+            <a:spAutoFit/>
+          </a:bodyPr>
+          <a:lstStyle/>
+          <a:p>
+            <a:r>
+              <a:rPr lang="en-US" sz="1400" dirty="0"/>
+              <a:t>ln006/scale3.ast</a:t>
+            </a:r>
+          </a:p>
+        </p:txBody>
+      </p:sp>
+      <p:sp>
+        <p:nvSpPr>
+          <p:cNvPr id="9" name="TextBox 8">
+            <a:extLst>
+              <a:ext uri="{FF2B5EF4-FFF2-40B4-BE49-F238E27FC236}">
+                <a16:creationId xmlns:a16="http://schemas.microsoft.com/office/drawing/2014/main" id="{C408CAB7-15EA-BE40-9046-514F3B7F64EC}"/>
+              </a:ext>
+            </a:extLst>
+          </p:cNvPr>
+          <p:cNvSpPr txBox="1"/>
+          <p:nvPr/>
+        </p:nvSpPr>
+        <p:spPr>
+          <a:xfrm>
+            <a:off x="7050248" y="4702308"/>
+            <a:ext cx="1497526" cy="307777"/>
+          </a:xfrm>
+          <a:prstGeom prst="rect">
+            <a:avLst/>
+          </a:prstGeom>
+          <a:noFill/>
+        </p:spPr>
+        <p:txBody>
+          <a:bodyPr wrap="none" rtlCol="0">
+            <a:spAutoFit/>
+          </a:bodyPr>
+          <a:lstStyle/>
+          <a:p>
+            <a:r>
+              <a:rPr lang="en-US" sz="1400" dirty="0"/>
+              <a:t>ln006/string1.ast</a:t>
+            </a:r>
+          </a:p>
+        </p:txBody>
+      </p:sp>
+    </p:spTree>
+    <p:extLst>
+      <p:ext uri="{BB962C8B-B14F-4D97-AF65-F5344CB8AC3E}">
+        <p14:creationId xmlns:p14="http://schemas.microsoft.com/office/powerpoint/2010/main" val="3016624976"/>
+      </p:ext>
+    </p:extLst>
+  </p:cSld>
+  <p:clrMapOvr>
+    <a:masterClrMapping/>
+  </p:clrMapOvr>
+</p:sld>
+</file>
+
+<file path=ppt/slides/slide14.xml><?xml version="1.0" encoding="utf-8"?>
+<p:sld xmlns:a="http://schemas.openxmlformats.org/drawingml/2006/main" xmlns:r="http://schemas.openxmlformats.org/officeDocument/2006/relationships" xmlns:p="http://schemas.openxmlformats.org/presentationml/2006/main">
+  <p:cSld>
+    <p:spTree>
+      <p:nvGrpSpPr>
+        <p:cNvPr id="1" name=""/>
+        <p:cNvGrpSpPr/>
+        <p:nvPr/>
+      </p:nvGrpSpPr>
+      <p:grpSpPr>
+        <a:xfrm>
+          <a:off x="0" y="0"/>
+          <a:ext cx="0" cy="0"/>
+          <a:chOff x="0" y="0"/>
+          <a:chExt cx="0" cy="0"/>
+        </a:xfrm>
+      </p:grpSpPr>
+      <p:sp>
+        <p:nvSpPr>
+          <p:cNvPr id="2" name="Title 1">
+            <a:extLst>
+              <a:ext uri="{FF2B5EF4-FFF2-40B4-BE49-F238E27FC236}">
                 <a16:creationId xmlns:a16="http://schemas.microsoft.com/office/drawing/2014/main" id="{1B53EA71-F88F-EC43-A9DC-02C651C25764}"/>
               </a:ext>
             </a:extLst>
@@ -5865,7 +6397,7 @@
 </p:sld>
 </file>
 
-<file path=ppt/slides/slide13.xml><?xml version="1.0" encoding="utf-8"?>
+<file path=ppt/slides/slide15.xml><?xml version="1.0" encoding="utf-8"?>
 <p:sld xmlns:a="http://schemas.openxmlformats.org/drawingml/2006/main" xmlns:r="http://schemas.openxmlformats.org/officeDocument/2006/relationships" xmlns:p="http://schemas.openxmlformats.org/presentationml/2006/main">
   <p:cSld>
     <p:spTree>
@@ -6480,7 +7012,7 @@
 </p:sld>
 </file>
 
-<file path=ppt/slides/slide14.xml><?xml version="1.0" encoding="utf-8"?>
+<file path=ppt/slides/slide16.xml><?xml version="1.0" encoding="utf-8"?>
 <p:sld xmlns:a="http://schemas.openxmlformats.org/drawingml/2006/main" xmlns:r="http://schemas.openxmlformats.org/officeDocument/2006/relationships" xmlns:p="http://schemas.openxmlformats.org/presentationml/2006/main">
   <p:cSld>
     <p:spTree>
@@ -6627,7 +7159,7 @@
 </p:sld>
 </file>
 
-<file path=ppt/slides/slide15.xml><?xml version="1.0" encoding="utf-8"?>
+<file path=ppt/slides/slide17.xml><?xml version="1.0" encoding="utf-8"?>
 <p:sld xmlns:a="http://schemas.openxmlformats.org/drawingml/2006/main" xmlns:r="http://schemas.openxmlformats.org/officeDocument/2006/relationships" xmlns:p="http://schemas.openxmlformats.org/presentationml/2006/main">
   <p:cSld>
     <p:spTree>
@@ -6950,7 +7482,7 @@
 </p:sld>
 </file>
 
-<file path=ppt/slides/slide16.xml><?xml version="1.0" encoding="utf-8"?>
+<file path=ppt/slides/slide18.xml><?xml version="1.0" encoding="utf-8"?>
 <p:sld xmlns:a="http://schemas.openxmlformats.org/drawingml/2006/main" xmlns:r="http://schemas.openxmlformats.org/officeDocument/2006/relationships" xmlns:p="http://schemas.openxmlformats.org/presentationml/2006/main">
   <p:cSld>
     <p:spTree>
@@ -7361,7 +7893,7 @@
 </p:sld>
 </file>
 
-<file path=ppt/slides/slide17.xml><?xml version="1.0" encoding="utf-8"?>
+<file path=ppt/slides/slide19.xml><?xml version="1.0" encoding="utf-8"?>
 <p:sld xmlns:a="http://schemas.openxmlformats.org/drawingml/2006/main" xmlns:r="http://schemas.openxmlformats.org/officeDocument/2006/relationships" xmlns:p="http://schemas.openxmlformats.org/presentationml/2006/main">
   <p:cSld>
     <p:spTree>
@@ -7489,115 +8021,6 @@
     <p:extLst>
       <p:ext uri="{BB962C8B-B14F-4D97-AF65-F5344CB8AC3E}">
         <p14:creationId xmlns:p14="http://schemas.microsoft.com/office/powerpoint/2010/main" val="549564688"/>
-      </p:ext>
-    </p:extLst>
-  </p:cSld>
-  <p:clrMapOvr>
-    <a:masterClrMapping/>
-  </p:clrMapOvr>
-</p:sld>
-</file>
-
-<file path=ppt/slides/slide18.xml><?xml version="1.0" encoding="utf-8"?>
-<p:sld xmlns:a="http://schemas.openxmlformats.org/drawingml/2006/main" xmlns:r="http://schemas.openxmlformats.org/officeDocument/2006/relationships" xmlns:p="http://schemas.openxmlformats.org/presentationml/2006/main">
-  <p:cSld>
-    <p:spTree>
-      <p:nvGrpSpPr>
-        <p:cNvPr id="1" name=""/>
-        <p:cNvGrpSpPr/>
-        <p:nvPr/>
-      </p:nvGrpSpPr>
-      <p:grpSpPr>
-        <a:xfrm>
-          <a:off x="0" y="0"/>
-          <a:ext cx="0" cy="0"/>
-          <a:chOff x="0" y="0"/>
-          <a:chExt cx="0" cy="0"/>
-        </a:xfrm>
-      </p:grpSpPr>
-      <p:sp>
-        <p:nvSpPr>
-          <p:cNvPr id="2" name="Title 1">
-            <a:extLst>
-              <a:ext uri="{FF2B5EF4-FFF2-40B4-BE49-F238E27FC236}">
-                <a16:creationId xmlns:a16="http://schemas.microsoft.com/office/drawing/2014/main" id="{B03DD980-89C2-784D-82DA-E9E20289D710}"/>
-              </a:ext>
-            </a:extLst>
-          </p:cNvPr>
-          <p:cNvSpPr>
-            <a:spLocks noGrp="1"/>
-          </p:cNvSpPr>
-          <p:nvPr>
-            <p:ph type="title"/>
-          </p:nvPr>
-        </p:nvSpPr>
-        <p:spPr/>
-        <p:txBody>
-          <a:bodyPr/>
-          <a:lstStyle/>
-          <a:p>
-            <a:r>
-              <a:rPr lang="en-US" dirty="0"/>
-              <a:t>Reading</a:t>
-            </a:r>
-          </a:p>
-        </p:txBody>
-      </p:sp>
-      <p:sp>
-        <p:nvSpPr>
-          <p:cNvPr id="3" name="Content Placeholder 2">
-            <a:extLst>
-              <a:ext uri="{FF2B5EF4-FFF2-40B4-BE49-F238E27FC236}">
-                <a16:creationId xmlns:a16="http://schemas.microsoft.com/office/drawing/2014/main" id="{F25B1C53-3AE6-0948-BC77-14512193AF54}"/>
-              </a:ext>
-            </a:extLst>
-          </p:cNvPr>
-          <p:cNvSpPr>
-            <a:spLocks noGrp="1"/>
-          </p:cNvSpPr>
-          <p:nvPr>
-            <p:ph idx="1"/>
-          </p:nvPr>
-        </p:nvSpPr>
-        <p:spPr>
-          <a:xfrm>
-            <a:off x="609600" y="1905000"/>
-            <a:ext cx="8382000" cy="4114800"/>
-          </a:xfrm>
-        </p:spPr>
-        <p:txBody>
-          <a:bodyPr/>
-          <a:lstStyle/>
-          <a:p>
-            <a:r>
-              <a:rPr lang="en-US" sz="1800" dirty="0">
-                <a:hlinkClick r:id="rId2"/>
-              </a:rPr>
-              <a:t>asteroid-lang.readthedocs.io/en/latest/User%20Guide.html#functions</a:t>
-            </a:r>
-            <a:endParaRPr lang="en-US" sz="1800" dirty="0"/>
-          </a:p>
-          <a:p>
-            <a:r>
-              <a:rPr lang="en-US" sz="1800" dirty="0">
-                <a:hlinkClick r:id="rId3"/>
-              </a:rPr>
-              <a:t>asteroid-lang.readthedocs.io/en/latest/User%20Guide.html#pattern-matching</a:t>
-            </a:r>
-            <a:endParaRPr lang="en-US" sz="1800" dirty="0"/>
-          </a:p>
-          <a:p>
-            <a:endParaRPr lang="en-US" sz="1800" dirty="0"/>
-          </a:p>
-          <a:p>
-            <a:endParaRPr lang="en-US" dirty="0"/>
-          </a:p>
-        </p:txBody>
-      </p:sp>
-    </p:spTree>
-    <p:extLst>
-      <p:ext uri="{BB962C8B-B14F-4D97-AF65-F5344CB8AC3E}">
-        <p14:creationId xmlns:p14="http://schemas.microsoft.com/office/powerpoint/2010/main" val="3251162818"/>
       </p:ext>
     </p:extLst>
   </p:cSld>
@@ -7764,6 +8187,115 @@
     <p:extLst>
       <p:ext uri="{BB962C8B-B14F-4D97-AF65-F5344CB8AC3E}">
         <p14:creationId xmlns:p14="http://schemas.microsoft.com/office/powerpoint/2010/main" val="3525108704"/>
+      </p:ext>
+    </p:extLst>
+  </p:cSld>
+  <p:clrMapOvr>
+    <a:masterClrMapping/>
+  </p:clrMapOvr>
+</p:sld>
+</file>
+
+<file path=ppt/slides/slide20.xml><?xml version="1.0" encoding="utf-8"?>
+<p:sld xmlns:a="http://schemas.openxmlformats.org/drawingml/2006/main" xmlns:r="http://schemas.openxmlformats.org/officeDocument/2006/relationships" xmlns:p="http://schemas.openxmlformats.org/presentationml/2006/main">
+  <p:cSld>
+    <p:spTree>
+      <p:nvGrpSpPr>
+        <p:cNvPr id="1" name=""/>
+        <p:cNvGrpSpPr/>
+        <p:nvPr/>
+      </p:nvGrpSpPr>
+      <p:grpSpPr>
+        <a:xfrm>
+          <a:off x="0" y="0"/>
+          <a:ext cx="0" cy="0"/>
+          <a:chOff x="0" y="0"/>
+          <a:chExt cx="0" cy="0"/>
+        </a:xfrm>
+      </p:grpSpPr>
+      <p:sp>
+        <p:nvSpPr>
+          <p:cNvPr id="2" name="Title 1">
+            <a:extLst>
+              <a:ext uri="{FF2B5EF4-FFF2-40B4-BE49-F238E27FC236}">
+                <a16:creationId xmlns:a16="http://schemas.microsoft.com/office/drawing/2014/main" id="{B03DD980-89C2-784D-82DA-E9E20289D710}"/>
+              </a:ext>
+            </a:extLst>
+          </p:cNvPr>
+          <p:cNvSpPr>
+            <a:spLocks noGrp="1"/>
+          </p:cNvSpPr>
+          <p:nvPr>
+            <p:ph type="title"/>
+          </p:nvPr>
+        </p:nvSpPr>
+        <p:spPr/>
+        <p:txBody>
+          <a:bodyPr/>
+          <a:lstStyle/>
+          <a:p>
+            <a:r>
+              <a:rPr lang="en-US" dirty="0"/>
+              <a:t>Reading</a:t>
+            </a:r>
+          </a:p>
+        </p:txBody>
+      </p:sp>
+      <p:sp>
+        <p:nvSpPr>
+          <p:cNvPr id="3" name="Content Placeholder 2">
+            <a:extLst>
+              <a:ext uri="{FF2B5EF4-FFF2-40B4-BE49-F238E27FC236}">
+                <a16:creationId xmlns:a16="http://schemas.microsoft.com/office/drawing/2014/main" id="{F25B1C53-3AE6-0948-BC77-14512193AF54}"/>
+              </a:ext>
+            </a:extLst>
+          </p:cNvPr>
+          <p:cNvSpPr>
+            <a:spLocks noGrp="1"/>
+          </p:cNvSpPr>
+          <p:nvPr>
+            <p:ph idx="1"/>
+          </p:nvPr>
+        </p:nvSpPr>
+        <p:spPr>
+          <a:xfrm>
+            <a:off x="609600" y="1905000"/>
+            <a:ext cx="8382000" cy="4114800"/>
+          </a:xfrm>
+        </p:spPr>
+        <p:txBody>
+          <a:bodyPr/>
+          <a:lstStyle/>
+          <a:p>
+            <a:r>
+              <a:rPr lang="en-US" sz="1800" dirty="0">
+                <a:hlinkClick r:id="rId2"/>
+              </a:rPr>
+              <a:t>asteroid-lang.readthedocs.io/en/latest/User%20Guide.html#functions</a:t>
+            </a:r>
+            <a:endParaRPr lang="en-US" sz="1800" dirty="0"/>
+          </a:p>
+          <a:p>
+            <a:r>
+              <a:rPr lang="en-US" sz="1800" dirty="0">
+                <a:hlinkClick r:id="rId3"/>
+              </a:rPr>
+              <a:t>asteroid-lang.readthedocs.io/en/latest/User%20Guide.html#pattern-matching</a:t>
+            </a:r>
+            <a:endParaRPr lang="en-US" sz="1800" dirty="0"/>
+          </a:p>
+          <a:p>
+            <a:endParaRPr lang="en-US" sz="1800" dirty="0"/>
+          </a:p>
+          <a:p>
+            <a:endParaRPr lang="en-US" dirty="0"/>
+          </a:p>
+        </p:txBody>
+      </p:sp>
+    </p:spTree>
+    <p:extLst>
+      <p:ext uri="{BB962C8B-B14F-4D97-AF65-F5344CB8AC3E}">
+        <p14:creationId xmlns:p14="http://schemas.microsoft.com/office/powerpoint/2010/main" val="3251162818"/>
       </p:ext>
     </p:extLst>
   </p:cSld>

--- a/notes/csc493-ln006.pptx
+++ b/notes/csc493-ln006.pptx
@@ -19,11 +19,11 @@
     <p:sldId id="280" r:id="rId7"/>
     <p:sldId id="282" r:id="rId8"/>
     <p:sldId id="283" r:id="rId9"/>
-    <p:sldId id="278" r:id="rId10"/>
-    <p:sldId id="284" r:id="rId11"/>
-    <p:sldId id="294" r:id="rId12"/>
-    <p:sldId id="295" r:id="rId13"/>
-    <p:sldId id="285" r:id="rId14"/>
+    <p:sldId id="294" r:id="rId10"/>
+    <p:sldId id="295" r:id="rId11"/>
+    <p:sldId id="285" r:id="rId12"/>
+    <p:sldId id="278" r:id="rId13"/>
+    <p:sldId id="284" r:id="rId14"/>
     <p:sldId id="286" r:id="rId15"/>
     <p:sldId id="287" r:id="rId16"/>
     <p:sldId id="288" r:id="rId17"/>
@@ -5379,280 +5379,6 @@
           <p:cNvPr id="2" name="Title 1">
             <a:extLst>
               <a:ext uri="{FF2B5EF4-FFF2-40B4-BE49-F238E27FC236}">
-                <a16:creationId xmlns:a16="http://schemas.microsoft.com/office/drawing/2014/main" id="{64E5D07C-5D0B-1B49-AC02-65310BEF7FFA}"/>
-              </a:ext>
-            </a:extLst>
-          </p:cNvPr>
-          <p:cNvSpPr>
-            <a:spLocks noGrp="1"/>
-          </p:cNvSpPr>
-          <p:nvPr>
-            <p:ph type="title"/>
-          </p:nvPr>
-        </p:nvSpPr>
-        <p:spPr/>
-        <p:txBody>
-          <a:bodyPr/>
-          <a:lstStyle/>
-          <a:p>
-            <a:r>
-              <a:rPr lang="en-US" dirty="0"/>
-              <a:t>Function Calls</a:t>
-            </a:r>
-          </a:p>
-        </p:txBody>
-      </p:sp>
-      <p:sp>
-        <p:nvSpPr>
-          <p:cNvPr id="3" name="Content Placeholder 2">
-            <a:extLst>
-              <a:ext uri="{FF2B5EF4-FFF2-40B4-BE49-F238E27FC236}">
-                <a16:creationId xmlns:a16="http://schemas.microsoft.com/office/drawing/2014/main" id="{E54BB541-9D8C-8D47-BBC8-AE6BE22E2C45}"/>
-              </a:ext>
-            </a:extLst>
-          </p:cNvPr>
-          <p:cNvSpPr>
-            <a:spLocks noGrp="1"/>
-          </p:cNvSpPr>
-          <p:nvPr>
-            <p:ph idx="1"/>
-          </p:nvPr>
-        </p:nvSpPr>
-        <p:spPr>
-          <a:xfrm>
-            <a:off x="1524000" y="1447800"/>
-            <a:ext cx="7010400" cy="1752600"/>
-          </a:xfrm>
-        </p:spPr>
-        <p:txBody>
-          <a:bodyPr>
-            <a:normAutofit/>
-          </a:bodyPr>
-          <a:lstStyle/>
-          <a:p>
-            <a:r>
-              <a:rPr lang="en-US" dirty="0"/>
-              <a:t>But it works fine in Asteroid,</a:t>
-            </a:r>
-          </a:p>
-        </p:txBody>
-      </p:sp>
-      <p:pic>
-        <p:nvPicPr>
-          <p:cNvPr id="4" name="Picture 3">
-            <a:extLst>
-              <a:ext uri="{FF2B5EF4-FFF2-40B4-BE49-F238E27FC236}">
-                <a16:creationId xmlns:a16="http://schemas.microsoft.com/office/drawing/2014/main" id="{4E7BB509-5D10-3D46-ADC6-AAB9E44FAE48}"/>
-              </a:ext>
-            </a:extLst>
-          </p:cNvPr>
-          <p:cNvPicPr>
-            <a:picLocks noChangeAspect="1"/>
-          </p:cNvPicPr>
-          <p:nvPr/>
-        </p:nvPicPr>
-        <p:blipFill>
-          <a:blip r:embed="rId2"/>
-          <a:stretch>
-            <a:fillRect/>
-          </a:stretch>
-        </p:blipFill>
-        <p:spPr>
-          <a:xfrm>
-            <a:off x="1553308" y="2701925"/>
-            <a:ext cx="4983956" cy="2971800"/>
-          </a:xfrm>
-          <a:prstGeom prst="rect">
-            <a:avLst/>
-          </a:prstGeom>
-          <a:ln>
-            <a:solidFill>
-              <a:schemeClr val="tx1"/>
-            </a:solidFill>
-          </a:ln>
-        </p:spPr>
-      </p:pic>
-    </p:spTree>
-    <p:extLst>
-      <p:ext uri="{BB962C8B-B14F-4D97-AF65-F5344CB8AC3E}">
-        <p14:creationId xmlns:p14="http://schemas.microsoft.com/office/powerpoint/2010/main" val="1430132341"/>
-      </p:ext>
-    </p:extLst>
-  </p:cSld>
-  <p:clrMapOvr>
-    <a:masterClrMapping/>
-  </p:clrMapOvr>
-</p:sld>
-</file>
-
-<file path=ppt/slides/slide11.xml><?xml version="1.0" encoding="utf-8"?>
-<p:sld xmlns:a="http://schemas.openxmlformats.org/drawingml/2006/main" xmlns:r="http://schemas.openxmlformats.org/officeDocument/2006/relationships" xmlns:p="http://schemas.openxmlformats.org/presentationml/2006/main">
-  <p:cSld>
-    <p:spTree>
-      <p:nvGrpSpPr>
-        <p:cNvPr id="1" name=""/>
-        <p:cNvGrpSpPr/>
-        <p:nvPr/>
-      </p:nvGrpSpPr>
-      <p:grpSpPr>
-        <a:xfrm>
-          <a:off x="0" y="0"/>
-          <a:ext cx="0" cy="0"/>
-          <a:chOff x="0" y="0"/>
-          <a:chExt cx="0" cy="0"/>
-        </a:xfrm>
-      </p:grpSpPr>
-      <p:sp>
-        <p:nvSpPr>
-          <p:cNvPr id="2" name="Title 1">
-            <a:extLst>
-              <a:ext uri="{FF2B5EF4-FFF2-40B4-BE49-F238E27FC236}">
-                <a16:creationId xmlns:a16="http://schemas.microsoft.com/office/drawing/2014/main" id="{29487FDB-B17A-6A42-99BA-A4BFC65AD923}"/>
-              </a:ext>
-            </a:extLst>
-          </p:cNvPr>
-          <p:cNvSpPr>
-            <a:spLocks noGrp="1"/>
-          </p:cNvSpPr>
-          <p:nvPr>
-            <p:ph type="title"/>
-          </p:nvPr>
-        </p:nvSpPr>
-        <p:spPr/>
-        <p:txBody>
-          <a:bodyPr/>
-          <a:lstStyle/>
-          <a:p>
-            <a:r>
-              <a:rPr lang="en-US" dirty="0"/>
-              <a:t>Function Calls &amp; the None Type</a:t>
-            </a:r>
-          </a:p>
-        </p:txBody>
-      </p:sp>
-      <p:sp>
-        <p:nvSpPr>
-          <p:cNvPr id="3" name="Content Placeholder 2">
-            <a:extLst>
-              <a:ext uri="{FF2B5EF4-FFF2-40B4-BE49-F238E27FC236}">
-                <a16:creationId xmlns:a16="http://schemas.microsoft.com/office/drawing/2014/main" id="{18857CB7-CA94-7E4D-871D-CDA67D6F6657}"/>
-              </a:ext>
-            </a:extLst>
-          </p:cNvPr>
-          <p:cNvSpPr>
-            <a:spLocks noGrp="1"/>
-          </p:cNvSpPr>
-          <p:nvPr>
-            <p:ph idx="1"/>
-          </p:nvPr>
-        </p:nvSpPr>
-        <p:spPr/>
-        <p:txBody>
-          <a:bodyPr>
-            <a:normAutofit fontScale="62500" lnSpcReduction="20000"/>
-          </a:bodyPr>
-          <a:lstStyle/>
-          <a:p>
-            <a:r>
-              <a:rPr lang="en-US" dirty="0"/>
-              <a:t>What if we have a function f that does not require any input parameters?</a:t>
-            </a:r>
-          </a:p>
-          <a:p>
-            <a:r>
-              <a:rPr lang="en-US" dirty="0"/>
-              <a:t>The problem is that in our function model we need to apply our functions to some sort of value in order to execute the function, e.g.</a:t>
-            </a:r>
-            <a:br>
-              <a:rPr lang="en-US" dirty="0"/>
-            </a:br>
-            <a:r>
-              <a:rPr lang="en-US" dirty="0"/>
-              <a:t>           f &lt;value&gt;</a:t>
-            </a:r>
-          </a:p>
-          <a:p>
-            <a:r>
-              <a:rPr lang="en-US" dirty="0"/>
-              <a:t>But our function does not need an input value…</a:t>
-            </a:r>
-          </a:p>
-          <a:p>
-            <a:r>
-              <a:rPr lang="en-US" dirty="0"/>
-              <a:t>Solution: make that value the none value,</a:t>
-            </a:r>
-            <a:br>
-              <a:rPr lang="en-US" dirty="0"/>
-            </a:br>
-            <a:r>
-              <a:rPr lang="en-US" dirty="0"/>
-              <a:t>           f none</a:t>
-            </a:r>
-            <a:br>
-              <a:rPr lang="en-US" dirty="0"/>
-            </a:br>
-            <a:r>
-              <a:rPr lang="en-US" dirty="0"/>
-              <a:t>or written in the 0-tuple notation</a:t>
-            </a:r>
-            <a:br>
-              <a:rPr lang="en-US" dirty="0"/>
-            </a:br>
-            <a:r>
-              <a:rPr lang="en-US" dirty="0"/>
-              <a:t>           f ()</a:t>
-            </a:r>
-          </a:p>
-          <a:p>
-            <a:r>
-              <a:rPr lang="en-US" dirty="0"/>
-              <a:t>Note: here the () does NOT mean the empty parameter list but represents the value none.</a:t>
-            </a:r>
-          </a:p>
-          <a:p>
-            <a:r>
-              <a:rPr lang="en-US" dirty="0"/>
-              <a:t>Since this is a value, we can pattern match it in the function body.</a:t>
-            </a:r>
-          </a:p>
-        </p:txBody>
-      </p:sp>
-    </p:spTree>
-    <p:extLst>
-      <p:ext uri="{BB962C8B-B14F-4D97-AF65-F5344CB8AC3E}">
-        <p14:creationId xmlns:p14="http://schemas.microsoft.com/office/powerpoint/2010/main" val="739012018"/>
-      </p:ext>
-    </p:extLst>
-  </p:cSld>
-  <p:clrMapOvr>
-    <a:masterClrMapping/>
-  </p:clrMapOvr>
-</p:sld>
-</file>
-
-<file path=ppt/slides/slide12.xml><?xml version="1.0" encoding="utf-8"?>
-<p:sld xmlns:a="http://schemas.openxmlformats.org/drawingml/2006/main" xmlns:r="http://schemas.openxmlformats.org/officeDocument/2006/relationships" xmlns:p="http://schemas.openxmlformats.org/presentationml/2006/main">
-  <p:cSld>
-    <p:spTree>
-      <p:nvGrpSpPr>
-        <p:cNvPr id="1" name=""/>
-        <p:cNvGrpSpPr/>
-        <p:nvPr/>
-      </p:nvGrpSpPr>
-      <p:grpSpPr>
-        <a:xfrm>
-          <a:off x="0" y="0"/>
-          <a:ext cx="0" cy="0"/>
-          <a:chOff x="0" y="0"/>
-          <a:chExt cx="0" cy="0"/>
-        </a:xfrm>
-      </p:grpSpPr>
-      <p:sp>
-        <p:nvSpPr>
-          <p:cNvPr id="2" name="Title 1">
-            <a:extLst>
-              <a:ext uri="{FF2B5EF4-FFF2-40B4-BE49-F238E27FC236}">
                 <a16:creationId xmlns:a16="http://schemas.microsoft.com/office/drawing/2014/main" id="{29487FDB-B17A-6A42-99BA-A4BFC65AD923}"/>
               </a:ext>
             </a:extLst>
@@ -6015,7 +5741,7 @@
 </p:sld>
 </file>
 
-<file path=ppt/slides/slide13.xml><?xml version="1.0" encoding="utf-8"?>
+<file path=ppt/slides/slide11.xml><?xml version="1.0" encoding="utf-8"?>
 <p:sld xmlns:a="http://schemas.openxmlformats.org/drawingml/2006/main" xmlns:r="http://schemas.openxmlformats.org/officeDocument/2006/relationships" xmlns:p="http://schemas.openxmlformats.org/presentationml/2006/main">
   <p:cSld>
     <p:spTree>
@@ -6248,6 +5974,341 @@
     <p:extLst>
       <p:ext uri="{BB962C8B-B14F-4D97-AF65-F5344CB8AC3E}">
         <p14:creationId xmlns:p14="http://schemas.microsoft.com/office/powerpoint/2010/main" val="3016624976"/>
+      </p:ext>
+    </p:extLst>
+  </p:cSld>
+  <p:clrMapOvr>
+    <a:masterClrMapping/>
+  </p:clrMapOvr>
+</p:sld>
+</file>
+
+<file path=ppt/slides/slide12.xml><?xml version="1.0" encoding="utf-8"?>
+<p:sld xmlns:a="http://schemas.openxmlformats.org/drawingml/2006/main" xmlns:r="http://schemas.openxmlformats.org/officeDocument/2006/relationships" xmlns:p="http://schemas.openxmlformats.org/presentationml/2006/main">
+  <p:cSld>
+    <p:spTree>
+      <p:nvGrpSpPr>
+        <p:cNvPr id="1" name=""/>
+        <p:cNvGrpSpPr/>
+        <p:nvPr/>
+      </p:nvGrpSpPr>
+      <p:grpSpPr>
+        <a:xfrm>
+          <a:off x="0" y="0"/>
+          <a:ext cx="0" cy="0"/>
+          <a:chOff x="0" y="0"/>
+          <a:chExt cx="0" cy="0"/>
+        </a:xfrm>
+      </p:grpSpPr>
+      <p:sp>
+        <p:nvSpPr>
+          <p:cNvPr id="2" name="Title 1">
+            <a:extLst>
+              <a:ext uri="{FF2B5EF4-FFF2-40B4-BE49-F238E27FC236}">
+                <a16:creationId xmlns:a16="http://schemas.microsoft.com/office/drawing/2014/main" id="{64E5D07C-5D0B-1B49-AC02-65310BEF7FFA}"/>
+              </a:ext>
+            </a:extLst>
+          </p:cNvPr>
+          <p:cNvSpPr>
+            <a:spLocks noGrp="1"/>
+          </p:cNvSpPr>
+          <p:nvPr>
+            <p:ph type="title"/>
+          </p:nvPr>
+        </p:nvSpPr>
+        <p:spPr/>
+        <p:txBody>
+          <a:bodyPr/>
+          <a:lstStyle/>
+          <a:p>
+            <a:r>
+              <a:rPr lang="en-US" dirty="0"/>
+              <a:t>Function Calls in Python</a:t>
+            </a:r>
+          </a:p>
+        </p:txBody>
+      </p:sp>
+      <p:sp>
+        <p:nvSpPr>
+          <p:cNvPr id="3" name="Content Placeholder 2">
+            <a:extLst>
+              <a:ext uri="{FF2B5EF4-FFF2-40B4-BE49-F238E27FC236}">
+                <a16:creationId xmlns:a16="http://schemas.microsoft.com/office/drawing/2014/main" id="{E54BB541-9D8C-8D47-BBC8-AE6BE22E2C45}"/>
+              </a:ext>
+            </a:extLst>
+          </p:cNvPr>
+          <p:cNvSpPr>
+            <a:spLocks noGrp="1"/>
+          </p:cNvSpPr>
+          <p:nvPr>
+            <p:ph idx="1"/>
+          </p:nvPr>
+        </p:nvSpPr>
+        <p:spPr>
+          <a:xfrm>
+            <a:off x="1524000" y="1447800"/>
+            <a:ext cx="7010400" cy="1752600"/>
+          </a:xfrm>
+        </p:spPr>
+        <p:txBody>
+          <a:bodyPr>
+            <a:normAutofit fontScale="77500" lnSpcReduction="20000"/>
+          </a:bodyPr>
+          <a:lstStyle/>
+          <a:p>
+            <a:r>
+              <a:rPr lang="en-US" dirty="0"/>
+              <a:t>The interpretation of function arguments as a list of values has unexpected implications in Python</a:t>
+            </a:r>
+          </a:p>
+          <a:p>
+            <a:pPr lvl="1"/>
+            <a:r>
+              <a:rPr lang="en-US" dirty="0"/>
+              <a:t>foo (1,2) ≠ foo ((1,2)), but</a:t>
+            </a:r>
+          </a:p>
+          <a:p>
+            <a:pPr lvl="1"/>
+            <a:r>
+              <a:rPr lang="en-US" dirty="0"/>
+              <a:t>(1,2) = ((1,2))</a:t>
+            </a:r>
+          </a:p>
+          <a:p>
+            <a:r>
+              <a:rPr lang="en-US" dirty="0"/>
+              <a:t>Inconsistent handling of parenthesized tuples!</a:t>
+            </a:r>
+          </a:p>
+        </p:txBody>
+      </p:sp>
+      <p:sp>
+        <p:nvSpPr>
+          <p:cNvPr id="6" name="TextBox 5">
+            <a:extLst>
+              <a:ext uri="{FF2B5EF4-FFF2-40B4-BE49-F238E27FC236}">
+                <a16:creationId xmlns:a16="http://schemas.microsoft.com/office/drawing/2014/main" id="{56BD07D0-EA65-BD41-8973-3E0FDACCDEB6}"/>
+              </a:ext>
+            </a:extLst>
+          </p:cNvPr>
+          <p:cNvSpPr txBox="1"/>
+          <p:nvPr/>
+        </p:nvSpPr>
+        <p:spPr>
+          <a:xfrm>
+            <a:off x="5257800" y="5871762"/>
+            <a:ext cx="612668" cy="307777"/>
+          </a:xfrm>
+          <a:prstGeom prst="rect">
+            <a:avLst/>
+          </a:prstGeom>
+          <a:noFill/>
+        </p:spPr>
+        <p:txBody>
+          <a:bodyPr wrap="none" rtlCol="0">
+            <a:spAutoFit/>
+          </a:bodyPr>
+          <a:lstStyle/>
+          <a:p>
+            <a:r>
+              <a:rPr lang="en-US" sz="1400" dirty="0"/>
+              <a:t>but…</a:t>
+            </a:r>
+          </a:p>
+        </p:txBody>
+      </p:sp>
+      <p:pic>
+        <p:nvPicPr>
+          <p:cNvPr id="7" name="Picture 6">
+            <a:extLst>
+              <a:ext uri="{FF2B5EF4-FFF2-40B4-BE49-F238E27FC236}">
+                <a16:creationId xmlns:a16="http://schemas.microsoft.com/office/drawing/2014/main" id="{749DF90B-12ED-2146-B252-8EB44DB2E549}"/>
+              </a:ext>
+            </a:extLst>
+          </p:cNvPr>
+          <p:cNvPicPr>
+            <a:picLocks noChangeAspect="1"/>
+          </p:cNvPicPr>
+          <p:nvPr/>
+        </p:nvPicPr>
+        <p:blipFill>
+          <a:blip r:embed="rId2"/>
+          <a:stretch>
+            <a:fillRect/>
+          </a:stretch>
+        </p:blipFill>
+        <p:spPr>
+          <a:xfrm>
+            <a:off x="283921" y="3429000"/>
+            <a:ext cx="5814314" cy="2133600"/>
+          </a:xfrm>
+          <a:prstGeom prst="rect">
+            <a:avLst/>
+          </a:prstGeom>
+        </p:spPr>
+      </p:pic>
+      <p:pic>
+        <p:nvPicPr>
+          <p:cNvPr id="8" name="Picture 7">
+            <a:extLst>
+              <a:ext uri="{FF2B5EF4-FFF2-40B4-BE49-F238E27FC236}">
+                <a16:creationId xmlns:a16="http://schemas.microsoft.com/office/drawing/2014/main" id="{6D6F4617-50A6-8C4B-BFCE-52ABFD3B2FAF}"/>
+              </a:ext>
+            </a:extLst>
+          </p:cNvPr>
+          <p:cNvPicPr>
+            <a:picLocks noChangeAspect="1"/>
+          </p:cNvPicPr>
+          <p:nvPr/>
+        </p:nvPicPr>
+        <p:blipFill rotWithShape="1">
+          <a:blip r:embed="rId3"/>
+          <a:srcRect t="60369" r="64443"/>
+          <a:stretch/>
+        </p:blipFill>
+        <p:spPr>
+          <a:xfrm>
+            <a:off x="5955591" y="5719362"/>
+            <a:ext cx="2926344" cy="833838"/>
+          </a:xfrm>
+          <a:prstGeom prst="rect">
+            <a:avLst/>
+          </a:prstGeom>
+        </p:spPr>
+      </p:pic>
+    </p:spTree>
+    <p:extLst>
+      <p:ext uri="{BB962C8B-B14F-4D97-AF65-F5344CB8AC3E}">
+        <p14:creationId xmlns:p14="http://schemas.microsoft.com/office/powerpoint/2010/main" val="2091790902"/>
+      </p:ext>
+    </p:extLst>
+  </p:cSld>
+  <p:clrMapOvr>
+    <a:masterClrMapping/>
+  </p:clrMapOvr>
+</p:sld>
+</file>
+
+<file path=ppt/slides/slide13.xml><?xml version="1.0" encoding="utf-8"?>
+<p:sld xmlns:a="http://schemas.openxmlformats.org/drawingml/2006/main" xmlns:r="http://schemas.openxmlformats.org/officeDocument/2006/relationships" xmlns:p="http://schemas.openxmlformats.org/presentationml/2006/main">
+  <p:cSld>
+    <p:spTree>
+      <p:nvGrpSpPr>
+        <p:cNvPr id="1" name=""/>
+        <p:cNvGrpSpPr/>
+        <p:nvPr/>
+      </p:nvGrpSpPr>
+      <p:grpSpPr>
+        <a:xfrm>
+          <a:off x="0" y="0"/>
+          <a:ext cx="0" cy="0"/>
+          <a:chOff x="0" y="0"/>
+          <a:chExt cx="0" cy="0"/>
+        </a:xfrm>
+      </p:grpSpPr>
+      <p:sp>
+        <p:nvSpPr>
+          <p:cNvPr id="2" name="Title 1">
+            <a:extLst>
+              <a:ext uri="{FF2B5EF4-FFF2-40B4-BE49-F238E27FC236}">
+                <a16:creationId xmlns:a16="http://schemas.microsoft.com/office/drawing/2014/main" id="{64E5D07C-5D0B-1B49-AC02-65310BEF7FFA}"/>
+              </a:ext>
+            </a:extLst>
+          </p:cNvPr>
+          <p:cNvSpPr>
+            <a:spLocks noGrp="1"/>
+          </p:cNvSpPr>
+          <p:nvPr>
+            <p:ph type="title"/>
+          </p:nvPr>
+        </p:nvSpPr>
+        <p:spPr/>
+        <p:txBody>
+          <a:bodyPr/>
+          <a:lstStyle/>
+          <a:p>
+            <a:r>
+              <a:rPr lang="en-US" dirty="0"/>
+              <a:t>Function Calls</a:t>
+            </a:r>
+          </a:p>
+        </p:txBody>
+      </p:sp>
+      <p:sp>
+        <p:nvSpPr>
+          <p:cNvPr id="3" name="Content Placeholder 2">
+            <a:extLst>
+              <a:ext uri="{FF2B5EF4-FFF2-40B4-BE49-F238E27FC236}">
+                <a16:creationId xmlns:a16="http://schemas.microsoft.com/office/drawing/2014/main" id="{E54BB541-9D8C-8D47-BBC8-AE6BE22E2C45}"/>
+              </a:ext>
+            </a:extLst>
+          </p:cNvPr>
+          <p:cNvSpPr>
+            <a:spLocks noGrp="1"/>
+          </p:cNvSpPr>
+          <p:nvPr>
+            <p:ph idx="1"/>
+          </p:nvPr>
+        </p:nvSpPr>
+        <p:spPr>
+          <a:xfrm>
+            <a:off x="1524000" y="1447800"/>
+            <a:ext cx="7010400" cy="1752600"/>
+          </a:xfrm>
+        </p:spPr>
+        <p:txBody>
+          <a:bodyPr>
+            <a:normAutofit/>
+          </a:bodyPr>
+          <a:lstStyle/>
+          <a:p>
+            <a:r>
+              <a:rPr lang="en-US" dirty="0"/>
+              <a:t>But it works fine in Asteroid,</a:t>
+            </a:r>
+          </a:p>
+        </p:txBody>
+      </p:sp>
+      <p:pic>
+        <p:nvPicPr>
+          <p:cNvPr id="4" name="Picture 3">
+            <a:extLst>
+              <a:ext uri="{FF2B5EF4-FFF2-40B4-BE49-F238E27FC236}">
+                <a16:creationId xmlns:a16="http://schemas.microsoft.com/office/drawing/2014/main" id="{4E7BB509-5D10-3D46-ADC6-AAB9E44FAE48}"/>
+              </a:ext>
+            </a:extLst>
+          </p:cNvPr>
+          <p:cNvPicPr>
+            <a:picLocks noChangeAspect="1"/>
+          </p:cNvPicPr>
+          <p:nvPr/>
+        </p:nvPicPr>
+        <p:blipFill>
+          <a:blip r:embed="rId2"/>
+          <a:stretch>
+            <a:fillRect/>
+          </a:stretch>
+        </p:blipFill>
+        <p:spPr>
+          <a:xfrm>
+            <a:off x="1553308" y="2701925"/>
+            <a:ext cx="4983956" cy="2971800"/>
+          </a:xfrm>
+          <a:prstGeom prst="rect">
+            <a:avLst/>
+          </a:prstGeom>
+          <a:ln>
+            <a:solidFill>
+              <a:schemeClr val="tx1"/>
+            </a:solidFill>
+          </a:ln>
+        </p:spPr>
+      </p:pic>
+    </p:spTree>
+    <p:extLst>
+      <p:ext uri="{BB962C8B-B14F-4D97-AF65-F5344CB8AC3E}">
+        <p14:creationId xmlns:p14="http://schemas.microsoft.com/office/powerpoint/2010/main" val="1430132341"/>
       </p:ext>
     </p:extLst>
   </p:cSld>
@@ -6477,8 +6538,8 @@
           </a:ln>
         </p:spPr>
       </p:pic>
-      <mc:AlternateContent xmlns:mc="http://schemas.openxmlformats.org/markup-compatibility/2006">
-        <mc:Choice xmlns:a14="http://schemas.microsoft.com/office/drawing/2010/main" Requires="a14">
+      <mc:AlternateContent xmlns:mc="http://schemas.openxmlformats.org/markup-compatibility/2006" xmlns:a14="http://schemas.microsoft.com/office/drawing/2010/main">
+        <mc:Choice Requires="a14">
           <p:sp>
             <p:nvSpPr>
               <p:cNvPr id="5" name="TextBox 4">
@@ -6507,6 +6568,7 @@
               </a:bodyPr>
               <a:lstStyle/>
               <a:p>
+                <a:pPr/>
                 <a14:m>
                   <m:oMathPara xmlns:m="http://schemas.openxmlformats.org/officeDocument/2006/math">
                     <m:oMathParaPr>
@@ -6578,7 +6640,13 @@
                                   <a:rPr lang="en-US" b="0" i="1" smtClean="0">
                                     <a:latin typeface="Cambria Math" panose="02040503050406030204" pitchFamily="18" charset="0"/>
                                   </a:rPr>
-                                  <m:t>1 </m:t>
+                                  <m:t>1</m:t>
+                                </m:r>
+                                <m:r>
+                                  <a:rPr lang="en-US" b="0" i="1" smtClean="0">
+                                    <a:latin typeface="Cambria Math" panose="02040503050406030204" pitchFamily="18" charset="0"/>
+                                  </a:rPr>
+                                  <m:t> </m:t>
                                 </m:r>
                                 <m:r>
                                   <a:rPr lang="en-US" b="0" i="1" smtClean="0">
@@ -6766,7 +6834,7 @@
             </p:txBody>
           </p:sp>
         </mc:Choice>
-        <mc:Fallback>
+        <mc:Fallback xmlns="">
           <p:sp>
             <p:nvSpPr>
               <p:cNvPr id="5" name="TextBox 4">
@@ -7562,8 +7630,8 @@
           </a:p>
         </p:txBody>
       </p:sp>
-      <mc:AlternateContent xmlns:mc="http://schemas.openxmlformats.org/markup-compatibility/2006">
-        <mc:Choice xmlns:a14="http://schemas.microsoft.com/office/drawing/2010/main" Requires="a14">
+      <mc:AlternateContent xmlns:mc="http://schemas.openxmlformats.org/markup-compatibility/2006" xmlns:a14="http://schemas.microsoft.com/office/drawing/2010/main">
+        <mc:Choice Requires="a14">
           <p:sp>
             <p:nvSpPr>
               <p:cNvPr id="12" name="TextBox 11">
@@ -7640,7 +7708,13 @@
                                 <a:rPr lang="en-US" b="0" i="1" smtClean="0">
                                   <a:latin typeface="Cambria Math" panose="02040503050406030204" pitchFamily="18" charset="0"/>
                                 </a:rPr>
-                                <m:t>1 </m:t>
+                                <m:t>1</m:t>
+                              </m:r>
+                              <m:r>
+                                <a:rPr lang="en-US" b="0" i="1" smtClean="0">
+                                  <a:latin typeface="Cambria Math" panose="02040503050406030204" pitchFamily="18" charset="0"/>
+                                </a:rPr>
+                                <m:t> </m:t>
                               </m:r>
                               <m:r>
                                 <m:rPr>
@@ -7650,7 +7724,16 @@
                                 <a:rPr lang="en-US" b="0" i="0" smtClean="0">
                                   <a:latin typeface="Cambria Math" panose="02040503050406030204" pitchFamily="18" charset="0"/>
                                 </a:rPr>
-                                <m:t>if</m:t>
+                                <m:t>i</m:t>
+                              </m:r>
+                              <m:r>
+                                <m:rPr>
+                                  <m:nor/>
+                                </m:rPr>
+                                <a:rPr lang="en-US" b="0" i="0" smtClean="0">
+                                  <a:latin typeface="Cambria Math" panose="02040503050406030204" pitchFamily="18" charset="0"/>
+                                </a:rPr>
+                                <m:t>f</m:t>
                               </m:r>
                               <m:r>
                                 <m:rPr>
@@ -7800,7 +7883,7 @@
             </p:txBody>
           </p:sp>
         </mc:Choice>
-        <mc:Fallback>
+        <mc:Fallback xmlns="">
           <p:sp>
             <p:nvSpPr>
               <p:cNvPr id="12" name="TextBox 11">
@@ -8110,7 +8193,23 @@
             </a:br>
             <a:r>
               <a:rPr lang="en-US" dirty="0"/>
-              <a:t>    fact 3.</a:t>
+              <a:t>    &lt;</a:t>
+            </a:r>
+            <a:r>
+              <a:rPr lang="en-US" dirty="0" err="1"/>
+              <a:t>fname</a:t>
+            </a:r>
+            <a:r>
+              <a:rPr lang="en-US" dirty="0"/>
+              <a:t>&gt; &lt;</a:t>
+            </a:r>
+            <a:r>
+              <a:rPr lang="en-US" dirty="0" err="1"/>
+              <a:t>arg</a:t>
+            </a:r>
+            <a:r>
+              <a:rPr lang="en-US" dirty="0"/>
+              <a:t> value&gt;</a:t>
             </a:r>
             <a:br>
               <a:rPr lang="en-US" dirty="0"/>
@@ -8651,8 +8750,8 @@
           </a:p>
         </p:txBody>
       </p:sp>
-      <mc:AlternateContent xmlns:mc="http://schemas.openxmlformats.org/markup-compatibility/2006">
-        <mc:Choice xmlns:a14="http://schemas.microsoft.com/office/drawing/2010/main" Requires="a14">
+      <mc:AlternateContent xmlns:mc="http://schemas.openxmlformats.org/markup-compatibility/2006" xmlns:a14="http://schemas.microsoft.com/office/drawing/2010/main">
+        <mc:Choice Requires="a14">
           <p:sp>
             <p:nvSpPr>
               <p:cNvPr id="5" name="TextBox 4">
@@ -8808,7 +8907,7 @@
             </p:txBody>
           </p:sp>
         </mc:Choice>
-        <mc:Fallback>
+        <mc:Fallback xmlns="">
           <p:sp>
             <p:nvSpPr>
               <p:cNvPr id="5" name="TextBox 4">
@@ -8853,6 +8952,609 @@
           </p:sp>
         </mc:Fallback>
       </mc:AlternateContent>
+      <p:cxnSp>
+        <p:nvCxnSpPr>
+          <p:cNvPr id="6" name="Straight Arrow Connector 5">
+            <a:extLst>
+              <a:ext uri="{FF2B5EF4-FFF2-40B4-BE49-F238E27FC236}">
+                <a16:creationId xmlns:a16="http://schemas.microsoft.com/office/drawing/2014/main" id="{93B96C31-AF4D-AE47-BFD4-B501D4431037}"/>
+              </a:ext>
+            </a:extLst>
+          </p:cNvPr>
+          <p:cNvCxnSpPr/>
+          <p:nvPr/>
+        </p:nvCxnSpPr>
+        <p:spPr bwMode="auto">
+          <a:xfrm flipV="1">
+            <a:off x="1371600" y="4240888"/>
+            <a:ext cx="457200" cy="559712"/>
+          </a:xfrm>
+          <a:prstGeom prst="straightConnector1">
+            <a:avLst/>
+          </a:prstGeom>
+          <a:solidFill>
+            <a:schemeClr val="accent1"/>
+          </a:solidFill>
+          <a:ln w="9525" cap="flat" cmpd="sng" algn="ctr">
+            <a:solidFill>
+              <a:schemeClr val="tx1"/>
+            </a:solidFill>
+            <a:prstDash val="solid"/>
+            <a:round/>
+            <a:headEnd type="none" w="med" len="med"/>
+            <a:tailEnd type="triangle"/>
+          </a:ln>
+          <a:effectLst/>
+          <a:extLst>
+            <a:ext uri="{AF507438-7753-43e0-B8FC-AC1667EBCBE1}">
+              <a14:hiddenEffects xmlns:a14="http://schemas.microsoft.com/office/drawing/2010/main" xmlns="">
+                <a:effectLst>
+                  <a:outerShdw blurRad="63500" dist="38099" dir="2700000" algn="ctr" rotWithShape="0">
+                    <a:schemeClr val="bg2">
+                      <a:alpha val="74998"/>
+                    </a:schemeClr>
+                  </a:outerShdw>
+                </a:effectLst>
+              </a14:hiddenEffects>
+            </a:ext>
+          </a:extLst>
+        </p:spPr>
+      </p:cxnSp>
+      <p:sp>
+        <p:nvSpPr>
+          <p:cNvPr id="7" name="Left Brace 6">
+            <a:extLst>
+              <a:ext uri="{FF2B5EF4-FFF2-40B4-BE49-F238E27FC236}">
+                <a16:creationId xmlns:a16="http://schemas.microsoft.com/office/drawing/2014/main" id="{67BD9760-C41E-5848-A1BF-F2A007C8D67D}"/>
+              </a:ext>
+            </a:extLst>
+          </p:cNvPr>
+          <p:cNvSpPr/>
+          <p:nvPr/>
+        </p:nvSpPr>
+        <p:spPr bwMode="auto">
+          <a:xfrm rot="16200000">
+            <a:off x="2559278" y="4070122"/>
+            <a:ext cx="63044" cy="762000"/>
+          </a:xfrm>
+          <a:prstGeom prst="leftBrace">
+            <a:avLst/>
+          </a:prstGeom>
+          <a:noFill/>
+          <a:ln w="9525" cap="flat" cmpd="sng" algn="ctr">
+            <a:solidFill>
+              <a:schemeClr val="tx1"/>
+            </a:solidFill>
+            <a:prstDash val="solid"/>
+            <a:round/>
+            <a:headEnd type="none" w="med" len="med"/>
+            <a:tailEnd type="none" w="med" len="med"/>
+          </a:ln>
+          <a:effectLst/>
+          <a:extLst>
+            <a:ext uri="{AF507438-7753-43e0-B8FC-AC1667EBCBE1}">
+              <a14:hiddenEffects xmlns:a14="http://schemas.microsoft.com/office/drawing/2010/main" xmlns="">
+                <a:effectLst>
+                  <a:outerShdw blurRad="63500" dist="38099" dir="2700000" algn="ctr" rotWithShape="0">
+                    <a:schemeClr val="bg2">
+                      <a:alpha val="74998"/>
+                    </a:schemeClr>
+                  </a:outerShdw>
+                </a:effectLst>
+              </a14:hiddenEffects>
+            </a:ext>
+          </a:extLst>
+        </p:spPr>
+        <p:txBody>
+          <a:bodyPr vert="horz" wrap="square" lIns="91440" tIns="45720" rIns="91440" bIns="45720" numCol="1" rtlCol="0" anchor="t" anchorCtr="0" compatLnSpc="1">
+            <a:prstTxWarp prst="textNoShape">
+              <a:avLst/>
+            </a:prstTxWarp>
+          </a:bodyPr>
+          <a:lstStyle/>
+          <a:p>
+            <a:pPr marL="0" marR="0" indent="0" algn="l" defTabSz="914400" rtl="0" eaLnBrk="0" fontAlgn="base" latinLnBrk="0" hangingPunct="0">
+              <a:lnSpc>
+                <a:spcPct val="100000"/>
+              </a:lnSpc>
+              <a:spcBef>
+                <a:spcPct val="0"/>
+              </a:spcBef>
+              <a:spcAft>
+                <a:spcPct val="0"/>
+              </a:spcAft>
+              <a:buClrTx/>
+              <a:buSzTx/>
+              <a:buFontTx/>
+              <a:buNone/>
+              <a:tabLst/>
+            </a:pPr>
+            <a:endParaRPr kumimoji="0" lang="en-US" sz="1600" b="0" i="0" u="none" strike="noStrike" cap="none" normalizeH="0" baseline="0">
+              <a:ln>
+                <a:noFill/>
+              </a:ln>
+              <a:solidFill>
+                <a:srgbClr val="000000"/>
+              </a:solidFill>
+              <a:effectLst/>
+              <a:latin typeface="Arial" charset="0"/>
+              <a:ea typeface="ＭＳ Ｐゴシック" charset="0"/>
+            </a:endParaRPr>
+          </a:p>
+        </p:txBody>
+      </p:sp>
+      <p:sp>
+        <p:nvSpPr>
+          <p:cNvPr id="8" name="TextBox 7">
+            <a:extLst>
+              <a:ext uri="{FF2B5EF4-FFF2-40B4-BE49-F238E27FC236}">
+                <a16:creationId xmlns:a16="http://schemas.microsoft.com/office/drawing/2014/main" id="{184A544E-C0FD-F24B-A564-7448D70DD623}"/>
+              </a:ext>
+            </a:extLst>
+          </p:cNvPr>
+          <p:cNvSpPr txBox="1"/>
+          <p:nvPr/>
+        </p:nvSpPr>
+        <p:spPr>
+          <a:xfrm>
+            <a:off x="533400" y="4800600"/>
+            <a:ext cx="1734770" cy="307777"/>
+          </a:xfrm>
+          <a:prstGeom prst="rect">
+            <a:avLst/>
+          </a:prstGeom>
+          <a:noFill/>
+        </p:spPr>
+        <p:txBody>
+          <a:bodyPr wrap="none" rtlCol="0">
+            <a:spAutoFit/>
+          </a:bodyPr>
+          <a:lstStyle/>
+          <a:p>
+            <a:r>
+              <a:rPr lang="en-US" sz="1400" dirty="0"/>
+              <a:t>Function parameter</a:t>
+            </a:r>
+          </a:p>
+        </p:txBody>
+      </p:sp>
+      <p:sp>
+        <p:nvSpPr>
+          <p:cNvPr id="9" name="TextBox 8">
+            <a:extLst>
+              <a:ext uri="{FF2B5EF4-FFF2-40B4-BE49-F238E27FC236}">
+                <a16:creationId xmlns:a16="http://schemas.microsoft.com/office/drawing/2014/main" id="{BC73537D-AFF7-D840-BA3A-EA2B39B7B978}"/>
+              </a:ext>
+            </a:extLst>
+          </p:cNvPr>
+          <p:cNvSpPr txBox="1"/>
+          <p:nvPr/>
+        </p:nvSpPr>
+        <p:spPr>
+          <a:xfrm>
+            <a:off x="2286000" y="4495800"/>
+            <a:ext cx="572593" cy="307777"/>
+          </a:xfrm>
+          <a:prstGeom prst="rect">
+            <a:avLst/>
+          </a:prstGeom>
+          <a:noFill/>
+        </p:spPr>
+        <p:txBody>
+          <a:bodyPr wrap="none" rtlCol="0">
+            <a:spAutoFit/>
+          </a:bodyPr>
+          <a:lstStyle/>
+          <a:p>
+            <a:r>
+              <a:rPr lang="en-US" sz="1400" dirty="0"/>
+              <a:t>body</a:t>
+            </a:r>
+          </a:p>
+        </p:txBody>
+      </p:sp>
+      <p:sp>
+        <p:nvSpPr>
+          <p:cNvPr id="10" name="Left Brace 9">
+            <a:extLst>
+              <a:ext uri="{FF2B5EF4-FFF2-40B4-BE49-F238E27FC236}">
+                <a16:creationId xmlns:a16="http://schemas.microsoft.com/office/drawing/2014/main" id="{9E7D944F-69F0-7D4B-B5BC-0DED0D1247CE}"/>
+              </a:ext>
+            </a:extLst>
+          </p:cNvPr>
+          <p:cNvSpPr/>
+          <p:nvPr/>
+        </p:nvSpPr>
+        <p:spPr bwMode="auto">
+          <a:xfrm rot="5400000">
+            <a:off x="2416880" y="2738409"/>
+            <a:ext cx="119240" cy="1905000"/>
+          </a:xfrm>
+          <a:prstGeom prst="leftBrace">
+            <a:avLst/>
+          </a:prstGeom>
+          <a:noFill/>
+          <a:ln w="9525" cap="flat" cmpd="sng" algn="ctr">
+            <a:solidFill>
+              <a:schemeClr val="tx1"/>
+            </a:solidFill>
+            <a:prstDash val="solid"/>
+            <a:round/>
+            <a:headEnd type="none" w="med" len="med"/>
+            <a:tailEnd type="none" w="med" len="med"/>
+          </a:ln>
+          <a:effectLst/>
+          <a:extLst>
+            <a:ext uri="{AF507438-7753-43e0-B8FC-AC1667EBCBE1}">
+              <a14:hiddenEffects xmlns:a14="http://schemas.microsoft.com/office/drawing/2010/main" xmlns="">
+                <a:effectLst>
+                  <a:outerShdw blurRad="63500" dist="38099" dir="2700000" algn="ctr" rotWithShape="0">
+                    <a:schemeClr val="bg2">
+                      <a:alpha val="74998"/>
+                    </a:schemeClr>
+                  </a:outerShdw>
+                </a:effectLst>
+              </a14:hiddenEffects>
+            </a:ext>
+          </a:extLst>
+        </p:spPr>
+        <p:txBody>
+          <a:bodyPr vert="horz" wrap="square" lIns="91440" tIns="45720" rIns="91440" bIns="45720" numCol="1" rtlCol="0" anchor="t" anchorCtr="0" compatLnSpc="1">
+            <a:prstTxWarp prst="textNoShape">
+              <a:avLst/>
+            </a:prstTxWarp>
+          </a:bodyPr>
+          <a:lstStyle/>
+          <a:p>
+            <a:pPr marL="0" marR="0" indent="0" algn="l" defTabSz="914400" rtl="0" eaLnBrk="0" fontAlgn="base" latinLnBrk="0" hangingPunct="0">
+              <a:lnSpc>
+                <a:spcPct val="100000"/>
+              </a:lnSpc>
+              <a:spcBef>
+                <a:spcPct val="0"/>
+              </a:spcBef>
+              <a:spcAft>
+                <a:spcPct val="0"/>
+              </a:spcAft>
+              <a:buClrTx/>
+              <a:buSzTx/>
+              <a:buFontTx/>
+              <a:buNone/>
+              <a:tabLst/>
+            </a:pPr>
+            <a:endParaRPr kumimoji="0" lang="en-US" sz="1600" b="0" i="0" u="none" strike="noStrike" cap="none" normalizeH="0" baseline="0">
+              <a:ln>
+                <a:noFill/>
+              </a:ln>
+              <a:solidFill>
+                <a:srgbClr val="000000"/>
+              </a:solidFill>
+              <a:effectLst/>
+              <a:latin typeface="Arial" charset="0"/>
+              <a:ea typeface="ＭＳ Ｐゴシック" charset="0"/>
+            </a:endParaRPr>
+          </a:p>
+        </p:txBody>
+      </p:sp>
+      <p:sp>
+        <p:nvSpPr>
+          <p:cNvPr id="11" name="TextBox 10">
+            <a:extLst>
+              <a:ext uri="{FF2B5EF4-FFF2-40B4-BE49-F238E27FC236}">
+                <a16:creationId xmlns:a16="http://schemas.microsoft.com/office/drawing/2014/main" id="{E4CC3E9B-C291-4242-A973-6D17A62E9BD3}"/>
+              </a:ext>
+            </a:extLst>
+          </p:cNvPr>
+          <p:cNvSpPr txBox="1"/>
+          <p:nvPr/>
+        </p:nvSpPr>
+        <p:spPr>
+          <a:xfrm>
+            <a:off x="1600200" y="3276600"/>
+            <a:ext cx="1835759" cy="307777"/>
+          </a:xfrm>
+          <a:prstGeom prst="rect">
+            <a:avLst/>
+          </a:prstGeom>
+          <a:noFill/>
+        </p:spPr>
+        <p:txBody>
+          <a:bodyPr wrap="none" rtlCol="0">
+            <a:spAutoFit/>
+          </a:bodyPr>
+          <a:lstStyle/>
+          <a:p>
+            <a:r>
+              <a:rPr lang="en-US" sz="1400" dirty="0"/>
+              <a:t>Function application</a:t>
+            </a:r>
+          </a:p>
+        </p:txBody>
+      </p:sp>
+      <p:cxnSp>
+        <p:nvCxnSpPr>
+          <p:cNvPr id="13" name="Straight Arrow Connector 12">
+            <a:extLst>
+              <a:ext uri="{FF2B5EF4-FFF2-40B4-BE49-F238E27FC236}">
+                <a16:creationId xmlns:a16="http://schemas.microsoft.com/office/drawing/2014/main" id="{3E25F3DD-6677-074B-AAE7-664CB0C2BF94}"/>
+              </a:ext>
+            </a:extLst>
+          </p:cNvPr>
+          <p:cNvCxnSpPr/>
+          <p:nvPr/>
+        </p:nvCxnSpPr>
+        <p:spPr bwMode="auto">
+          <a:xfrm flipH="1" flipV="1">
+            <a:off x="3352800" y="4240888"/>
+            <a:ext cx="304800" cy="712112"/>
+          </a:xfrm>
+          <a:prstGeom prst="straightConnector1">
+            <a:avLst/>
+          </a:prstGeom>
+          <a:solidFill>
+            <a:schemeClr val="accent1"/>
+          </a:solidFill>
+          <a:ln w="9525" cap="flat" cmpd="sng" algn="ctr">
+            <a:solidFill>
+              <a:schemeClr val="tx1"/>
+            </a:solidFill>
+            <a:prstDash val="solid"/>
+            <a:round/>
+            <a:headEnd type="none" w="med" len="med"/>
+            <a:tailEnd type="triangle"/>
+          </a:ln>
+          <a:effectLst/>
+          <a:extLst>
+            <a:ext uri="{AF507438-7753-43e0-B8FC-AC1667EBCBE1}">
+              <a14:hiddenEffects xmlns:a14="http://schemas.microsoft.com/office/drawing/2010/main" xmlns="">
+                <a:effectLst>
+                  <a:outerShdw blurRad="63500" dist="38099" dir="2700000" algn="ctr" rotWithShape="0">
+                    <a:schemeClr val="bg2">
+                      <a:alpha val="74998"/>
+                    </a:schemeClr>
+                  </a:outerShdw>
+                </a:effectLst>
+              </a14:hiddenEffects>
+            </a:ext>
+          </a:extLst>
+        </p:spPr>
+      </p:cxnSp>
+      <p:sp>
+        <p:nvSpPr>
+          <p:cNvPr id="14" name="TextBox 13">
+            <a:extLst>
+              <a:ext uri="{FF2B5EF4-FFF2-40B4-BE49-F238E27FC236}">
+                <a16:creationId xmlns:a16="http://schemas.microsoft.com/office/drawing/2014/main" id="{2459C7A2-7393-5046-9C0E-DF4C69F7ED18}"/>
+              </a:ext>
+            </a:extLst>
+          </p:cNvPr>
+          <p:cNvSpPr txBox="1"/>
+          <p:nvPr/>
+        </p:nvSpPr>
+        <p:spPr>
+          <a:xfrm>
+            <a:off x="3332612" y="4953000"/>
+            <a:ext cx="629788" cy="307777"/>
+          </a:xfrm>
+          <a:prstGeom prst="rect">
+            <a:avLst/>
+          </a:prstGeom>
+          <a:noFill/>
+        </p:spPr>
+        <p:txBody>
+          <a:bodyPr wrap="none" rtlCol="0">
+            <a:spAutoFit/>
+          </a:bodyPr>
+          <a:lstStyle/>
+          <a:p>
+            <a:r>
+              <a:rPr lang="en-US" sz="1400" dirty="0"/>
+              <a:t>Value</a:t>
+            </a:r>
+          </a:p>
+        </p:txBody>
+      </p:sp>
+      <p:sp>
+        <p:nvSpPr>
+          <p:cNvPr id="15" name="Left Brace 14">
+            <a:extLst>
+              <a:ext uri="{FF2B5EF4-FFF2-40B4-BE49-F238E27FC236}">
+                <a16:creationId xmlns:a16="http://schemas.microsoft.com/office/drawing/2014/main" id="{09CF757B-9037-1B4A-B707-EB93AE35C2E5}"/>
+              </a:ext>
+            </a:extLst>
+          </p:cNvPr>
+          <p:cNvSpPr/>
+          <p:nvPr/>
+        </p:nvSpPr>
+        <p:spPr bwMode="auto">
+          <a:xfrm rot="5400000">
+            <a:off x="5076921" y="2738409"/>
+            <a:ext cx="119240" cy="1905000"/>
+          </a:xfrm>
+          <a:prstGeom prst="leftBrace">
+            <a:avLst/>
+          </a:prstGeom>
+          <a:noFill/>
+          <a:ln w="9525" cap="flat" cmpd="sng" algn="ctr">
+            <a:solidFill>
+              <a:schemeClr val="tx1"/>
+            </a:solidFill>
+            <a:prstDash val="solid"/>
+            <a:round/>
+            <a:headEnd type="none" w="med" len="med"/>
+            <a:tailEnd type="none" w="med" len="med"/>
+          </a:ln>
+          <a:effectLst/>
+          <a:extLst>
+            <a:ext uri="{AF507438-7753-43e0-B8FC-AC1667EBCBE1}">
+              <a14:hiddenEffects xmlns:a14="http://schemas.microsoft.com/office/drawing/2010/main" xmlns="">
+                <a:effectLst>
+                  <a:outerShdw blurRad="63500" dist="38099" dir="2700000" algn="ctr" rotWithShape="0">
+                    <a:schemeClr val="bg2">
+                      <a:alpha val="74998"/>
+                    </a:schemeClr>
+                  </a:outerShdw>
+                </a:effectLst>
+              </a14:hiddenEffects>
+            </a:ext>
+          </a:extLst>
+        </p:spPr>
+        <p:txBody>
+          <a:bodyPr vert="horz" wrap="square" lIns="91440" tIns="45720" rIns="91440" bIns="45720" numCol="1" rtlCol="0" anchor="t" anchorCtr="0" compatLnSpc="1">
+            <a:prstTxWarp prst="textNoShape">
+              <a:avLst/>
+            </a:prstTxWarp>
+          </a:bodyPr>
+          <a:lstStyle/>
+          <a:p>
+            <a:pPr marL="0" marR="0" indent="0" algn="l" defTabSz="914400" rtl="0" eaLnBrk="0" fontAlgn="base" latinLnBrk="0" hangingPunct="0">
+              <a:lnSpc>
+                <a:spcPct val="100000"/>
+              </a:lnSpc>
+              <a:spcBef>
+                <a:spcPct val="0"/>
+              </a:spcBef>
+              <a:spcAft>
+                <a:spcPct val="0"/>
+              </a:spcAft>
+              <a:buClrTx/>
+              <a:buSzTx/>
+              <a:buFontTx/>
+              <a:buNone/>
+              <a:tabLst/>
+            </a:pPr>
+            <a:endParaRPr kumimoji="0" lang="en-US" sz="1600" b="0" i="0" u="none" strike="noStrike" cap="none" normalizeH="0" baseline="0">
+              <a:ln>
+                <a:noFill/>
+              </a:ln>
+              <a:solidFill>
+                <a:srgbClr val="000000"/>
+              </a:solidFill>
+              <a:effectLst/>
+              <a:latin typeface="Arial" charset="0"/>
+              <a:ea typeface="ＭＳ Ｐゴシック" charset="0"/>
+            </a:endParaRPr>
+          </a:p>
+        </p:txBody>
+      </p:sp>
+      <p:sp>
+        <p:nvSpPr>
+          <p:cNvPr id="16" name="TextBox 15">
+            <a:extLst>
+              <a:ext uri="{FF2B5EF4-FFF2-40B4-BE49-F238E27FC236}">
+                <a16:creationId xmlns:a16="http://schemas.microsoft.com/office/drawing/2014/main" id="{E15B0DBB-C009-CC48-987F-E3ECE8E60259}"/>
+              </a:ext>
+            </a:extLst>
+          </p:cNvPr>
+          <p:cNvSpPr txBox="1"/>
+          <p:nvPr/>
+        </p:nvSpPr>
+        <p:spPr>
+          <a:xfrm>
+            <a:off x="4267200" y="3276600"/>
+            <a:ext cx="1736373" cy="307777"/>
+          </a:xfrm>
+          <a:prstGeom prst="rect">
+            <a:avLst/>
+          </a:prstGeom>
+          <a:noFill/>
+        </p:spPr>
+        <p:txBody>
+          <a:bodyPr wrap="none" rtlCol="0">
+            <a:spAutoFit/>
+          </a:bodyPr>
+          <a:lstStyle/>
+          <a:p>
+            <a:r>
+              <a:rPr lang="en-US" sz="1400" dirty="0"/>
+              <a:t>Function evaluation</a:t>
+            </a:r>
+          </a:p>
+        </p:txBody>
+      </p:sp>
+      <p:cxnSp>
+        <p:nvCxnSpPr>
+          <p:cNvPr id="17" name="Straight Arrow Connector 16">
+            <a:extLst>
+              <a:ext uri="{FF2B5EF4-FFF2-40B4-BE49-F238E27FC236}">
+                <a16:creationId xmlns:a16="http://schemas.microsoft.com/office/drawing/2014/main" id="{1F5B5FBC-C96C-DF41-B859-8376367F8041}"/>
+              </a:ext>
+            </a:extLst>
+          </p:cNvPr>
+          <p:cNvCxnSpPr/>
+          <p:nvPr/>
+        </p:nvCxnSpPr>
+        <p:spPr bwMode="auto">
+          <a:xfrm flipH="1" flipV="1">
+            <a:off x="5486400" y="4267200"/>
+            <a:ext cx="304800" cy="712112"/>
+          </a:xfrm>
+          <a:prstGeom prst="straightConnector1">
+            <a:avLst/>
+          </a:prstGeom>
+          <a:solidFill>
+            <a:schemeClr val="accent1"/>
+          </a:solidFill>
+          <a:ln w="9525" cap="flat" cmpd="sng" algn="ctr">
+            <a:solidFill>
+              <a:schemeClr val="tx1"/>
+            </a:solidFill>
+            <a:prstDash val="solid"/>
+            <a:round/>
+            <a:headEnd type="none" w="med" len="med"/>
+            <a:tailEnd type="triangle"/>
+          </a:ln>
+          <a:effectLst/>
+          <a:extLst>
+            <a:ext uri="{AF507438-7753-43e0-B8FC-AC1667EBCBE1}">
+              <a14:hiddenEffects xmlns:a14="http://schemas.microsoft.com/office/drawing/2010/main" xmlns="">
+                <a:effectLst>
+                  <a:outerShdw blurRad="63500" dist="38099" dir="2700000" algn="ctr" rotWithShape="0">
+                    <a:schemeClr val="bg2">
+                      <a:alpha val="74998"/>
+                    </a:schemeClr>
+                  </a:outerShdw>
+                </a:effectLst>
+              </a14:hiddenEffects>
+            </a:ext>
+          </a:extLst>
+        </p:spPr>
+      </p:cxnSp>
+      <p:sp>
+        <p:nvSpPr>
+          <p:cNvPr id="18" name="TextBox 17">
+            <a:extLst>
+              <a:ext uri="{FF2B5EF4-FFF2-40B4-BE49-F238E27FC236}">
+                <a16:creationId xmlns:a16="http://schemas.microsoft.com/office/drawing/2014/main" id="{B8FA18B2-3924-814A-9E10-F4B677827D02}"/>
+              </a:ext>
+            </a:extLst>
+          </p:cNvPr>
+          <p:cNvSpPr txBox="1"/>
+          <p:nvPr/>
+        </p:nvSpPr>
+        <p:spPr>
+          <a:xfrm>
+            <a:off x="5203780" y="4979312"/>
+            <a:ext cx="1120820" cy="307777"/>
+          </a:xfrm>
+          <a:prstGeom prst="rect">
+            <a:avLst/>
+          </a:prstGeom>
+          <a:noFill/>
+        </p:spPr>
+        <p:txBody>
+          <a:bodyPr wrap="none" rtlCol="0">
+            <a:spAutoFit/>
+          </a:bodyPr>
+          <a:lstStyle/>
+          <a:p>
+            <a:r>
+              <a:rPr lang="en-US" sz="1400" dirty="0"/>
+              <a:t>Substitution</a:t>
+            </a:r>
+          </a:p>
+        </p:txBody>
+      </p:sp>
     </p:spTree>
     <p:extLst>
       <p:ext uri="{BB962C8B-B14F-4D97-AF65-F5344CB8AC3E}">
@@ -9169,8 +9871,8 @@
           </a:p>
         </p:txBody>
       </p:sp>
-      <mc:AlternateContent xmlns:mc="http://schemas.openxmlformats.org/markup-compatibility/2006">
-        <mc:Choice xmlns:a14="http://schemas.microsoft.com/office/drawing/2010/main" Requires="a14">
+      <mc:AlternateContent xmlns:mc="http://schemas.openxmlformats.org/markup-compatibility/2006" xmlns:a14="http://schemas.microsoft.com/office/drawing/2010/main">
+        <mc:Choice Requires="a14">
           <p:sp>
             <p:nvSpPr>
               <p:cNvPr id="5" name="TextBox 4">
@@ -9306,13 +10008,7 @@
                             <a:rPr lang="en-US" sz="2400" b="0" i="1" smtClean="0">
                               <a:latin typeface="Cambria Math" panose="02040503050406030204" pitchFamily="18" charset="0"/>
                             </a:rPr>
-                            <m:t>1</m:t>
-                          </m:r>
-                          <m:r>
-                            <a:rPr lang="en-US" sz="2400" b="0" i="1" smtClean="0">
-                              <a:latin typeface="Cambria Math" panose="02040503050406030204" pitchFamily="18" charset="0"/>
-                            </a:rPr>
-                            <m:t>,2</m:t>
+                            <m:t>1,2</m:t>
                           </m:r>
                         </m:e>
                       </m:d>
@@ -9417,14 +10113,7 @@
                           <a:latin typeface="Cambria Math" panose="02040503050406030204" pitchFamily="18" charset="0"/>
                           <a:ea typeface="Cambria Math" panose="02040503050406030204" pitchFamily="18" charset="0"/>
                         </a:rPr>
-                        <m:t>2</m:t>
-                      </m:r>
-                      <m:r>
-                        <a:rPr lang="en-US" sz="2400" b="0" i="1" smtClean="0">
-                          <a:latin typeface="Cambria Math" panose="02040503050406030204" pitchFamily="18" charset="0"/>
-                          <a:ea typeface="Cambria Math" panose="02040503050406030204" pitchFamily="18" charset="0"/>
-                        </a:rPr>
-                        <m:t>,6)</m:t>
+                        <m:t>2,6)</m:t>
                       </m:r>
                       <m:r>
                         <a:rPr lang="en-US" sz="2400" b="0" i="1" smtClean="0">
@@ -9440,7 +10129,7 @@
             </p:txBody>
           </p:sp>
         </mc:Choice>
-        <mc:Fallback>
+        <mc:Fallback xmlns="">
           <p:sp>
             <p:nvSpPr>
               <p:cNvPr id="5" name="TextBox 4">
@@ -10099,7 +10788,7 @@
           <p:cNvPr id="2" name="Title 1">
             <a:extLst>
               <a:ext uri="{FF2B5EF4-FFF2-40B4-BE49-F238E27FC236}">
-                <a16:creationId xmlns:a16="http://schemas.microsoft.com/office/drawing/2014/main" id="{64E5D07C-5D0B-1B49-AC02-65310BEF7FFA}"/>
+                <a16:creationId xmlns:a16="http://schemas.microsoft.com/office/drawing/2014/main" id="{29487FDB-B17A-6A42-99BA-A4BFC65AD923}"/>
               </a:ext>
             </a:extLst>
           </p:cNvPr>
@@ -10117,7 +10806,7 @@
           <a:p>
             <a:r>
               <a:rPr lang="en-US" dirty="0"/>
-              <a:t>Function Calls in Python</a:t>
+              <a:t>Function Calls &amp; the None Type</a:t>
             </a:r>
           </a:p>
         </p:txBody>
@@ -10127,7 +10816,7 @@
           <p:cNvPr id="3" name="Content Placeholder 2">
             <a:extLst>
               <a:ext uri="{FF2B5EF4-FFF2-40B4-BE49-F238E27FC236}">
-                <a16:creationId xmlns:a16="http://schemas.microsoft.com/office/drawing/2014/main" id="{E54BB541-9D8C-8D47-BBC8-AE6BE22E2C45}"/>
+                <a16:creationId xmlns:a16="http://schemas.microsoft.com/office/drawing/2014/main" id="{18857CB7-CA94-7E4D-871D-CDA67D6F6657}"/>
               </a:ext>
             </a:extLst>
           </p:cNvPr>
@@ -10138,143 +10827,82 @@
             <p:ph idx="1"/>
           </p:nvPr>
         </p:nvSpPr>
-        <p:spPr>
-          <a:xfrm>
-            <a:off x="1524000" y="1447800"/>
-            <a:ext cx="7010400" cy="1752600"/>
-          </a:xfrm>
-        </p:spPr>
+        <p:spPr/>
         <p:txBody>
           <a:bodyPr>
-            <a:normAutofit fontScale="77500" lnSpcReduction="20000"/>
+            <a:normAutofit fontScale="62500" lnSpcReduction="20000"/>
           </a:bodyPr>
           <a:lstStyle/>
           <a:p>
             <a:r>
               <a:rPr lang="en-US" dirty="0"/>
-              <a:t>The interpretation of function arguments as a list of values has unexpected implications in Python</a:t>
-            </a:r>
-          </a:p>
-          <a:p>
-            <a:pPr lvl="1"/>
+              <a:t>What if we have a function f that does not require any input parameters?</a:t>
+            </a:r>
+          </a:p>
+          <a:p>
             <a:r>
               <a:rPr lang="en-US" dirty="0"/>
-              <a:t>foo (1,2) ≠ foo ((1,2)), but</a:t>
-            </a:r>
-          </a:p>
-          <a:p>
-            <a:pPr lvl="1"/>
-            <a:r>
+              <a:t>The problem is that in our function model we need to apply our functions to some sort of value in order to execute the function, e.g.</a:t>
+            </a:r>
+            <a:br>
               <a:rPr lang="en-US" dirty="0"/>
-              <a:t>(1,2) = ((1,2))</a:t>
-            </a:r>
-          </a:p>
-          <a:p>
+            </a:br>
             <a:r>
               <a:rPr lang="en-US" dirty="0"/>
-              <a:t>Inconsistent handling of parenthesized tuples!</a:t>
-            </a:r>
-          </a:p>
-        </p:txBody>
-      </p:sp>
-      <p:sp>
-        <p:nvSpPr>
-          <p:cNvPr id="6" name="TextBox 5">
-            <a:extLst>
-              <a:ext uri="{FF2B5EF4-FFF2-40B4-BE49-F238E27FC236}">
-                <a16:creationId xmlns:a16="http://schemas.microsoft.com/office/drawing/2014/main" id="{56BD07D0-EA65-BD41-8973-3E0FDACCDEB6}"/>
-              </a:ext>
-            </a:extLst>
-          </p:cNvPr>
-          <p:cNvSpPr txBox="1"/>
-          <p:nvPr/>
-        </p:nvSpPr>
-        <p:spPr>
-          <a:xfrm>
-            <a:off x="5257800" y="5871762"/>
-            <a:ext cx="612668" cy="307777"/>
-          </a:xfrm>
-          <a:prstGeom prst="rect">
-            <a:avLst/>
-          </a:prstGeom>
-          <a:noFill/>
-        </p:spPr>
-        <p:txBody>
-          <a:bodyPr wrap="none" rtlCol="0">
-            <a:spAutoFit/>
-          </a:bodyPr>
-          <a:lstStyle/>
-          <a:p>
-            <a:r>
-              <a:rPr lang="en-US" sz="1400" dirty="0"/>
-              <a:t>but…</a:t>
-            </a:r>
-          </a:p>
-        </p:txBody>
-      </p:sp>
-      <p:pic>
-        <p:nvPicPr>
-          <p:cNvPr id="7" name="Picture 6">
-            <a:extLst>
-              <a:ext uri="{FF2B5EF4-FFF2-40B4-BE49-F238E27FC236}">
-                <a16:creationId xmlns:a16="http://schemas.microsoft.com/office/drawing/2014/main" id="{749DF90B-12ED-2146-B252-8EB44DB2E549}"/>
-              </a:ext>
-            </a:extLst>
-          </p:cNvPr>
-          <p:cNvPicPr>
-            <a:picLocks noChangeAspect="1"/>
-          </p:cNvPicPr>
-          <p:nvPr/>
-        </p:nvPicPr>
-        <p:blipFill>
-          <a:blip r:embed="rId2"/>
-          <a:stretch>
-            <a:fillRect/>
-          </a:stretch>
-        </p:blipFill>
-        <p:spPr>
-          <a:xfrm>
-            <a:off x="283921" y="3429000"/>
-            <a:ext cx="5814314" cy="2133600"/>
-          </a:xfrm>
-          <a:prstGeom prst="rect">
-            <a:avLst/>
-          </a:prstGeom>
-        </p:spPr>
-      </p:pic>
-      <p:pic>
-        <p:nvPicPr>
-          <p:cNvPr id="8" name="Picture 7">
-            <a:extLst>
-              <a:ext uri="{FF2B5EF4-FFF2-40B4-BE49-F238E27FC236}">
-                <a16:creationId xmlns:a16="http://schemas.microsoft.com/office/drawing/2014/main" id="{6D6F4617-50A6-8C4B-BFCE-52ABFD3B2FAF}"/>
-              </a:ext>
-            </a:extLst>
-          </p:cNvPr>
-          <p:cNvPicPr>
-            <a:picLocks noChangeAspect="1"/>
-          </p:cNvPicPr>
-          <p:nvPr/>
-        </p:nvPicPr>
-        <p:blipFill rotWithShape="1">
-          <a:blip r:embed="rId3"/>
-          <a:srcRect t="60369" r="64443"/>
-          <a:stretch/>
-        </p:blipFill>
-        <p:spPr>
-          <a:xfrm>
-            <a:off x="5955591" y="5719362"/>
-            <a:ext cx="2926344" cy="833838"/>
-          </a:xfrm>
-          <a:prstGeom prst="rect">
-            <a:avLst/>
-          </a:prstGeom>
-        </p:spPr>
-      </p:pic>
+              <a:t>           f &lt;value&gt;</a:t>
+            </a:r>
+          </a:p>
+          <a:p>
+            <a:r>
+              <a:rPr lang="en-US" dirty="0"/>
+              <a:t>But our function does not need an input value…</a:t>
+            </a:r>
+          </a:p>
+          <a:p>
+            <a:r>
+              <a:rPr lang="en-US" dirty="0"/>
+              <a:t>Solution: make that value the none value,</a:t>
+            </a:r>
+            <a:br>
+              <a:rPr lang="en-US" dirty="0"/>
+            </a:br>
+            <a:r>
+              <a:rPr lang="en-US" dirty="0"/>
+              <a:t>           f none</a:t>
+            </a:r>
+            <a:br>
+              <a:rPr lang="en-US" dirty="0"/>
+            </a:br>
+            <a:r>
+              <a:rPr lang="en-US" dirty="0"/>
+              <a:t>or written in the 0-tuple notation</a:t>
+            </a:r>
+            <a:br>
+              <a:rPr lang="en-US" dirty="0"/>
+            </a:br>
+            <a:r>
+              <a:rPr lang="en-US" dirty="0"/>
+              <a:t>           f ()</a:t>
+            </a:r>
+          </a:p>
+          <a:p>
+            <a:r>
+              <a:rPr lang="en-US" dirty="0"/>
+              <a:t>Note: here the () does NOT mean the empty parameter list but represents the value none.</a:t>
+            </a:r>
+          </a:p>
+          <a:p>
+            <a:r>
+              <a:rPr lang="en-US" dirty="0"/>
+              <a:t>Since this is a value, we can pattern match it in the function body.</a:t>
+            </a:r>
+          </a:p>
+        </p:txBody>
+      </p:sp>
     </p:spTree>
     <p:extLst>
       <p:ext uri="{BB962C8B-B14F-4D97-AF65-F5344CB8AC3E}">
-        <p14:creationId xmlns:p14="http://schemas.microsoft.com/office/powerpoint/2010/main" val="2091790902"/>
+        <p14:creationId xmlns:p14="http://schemas.microsoft.com/office/powerpoint/2010/main" val="739012018"/>
       </p:ext>
     </p:extLst>
   </p:cSld>
